--- a/Stand der Dinge.pptx
+++ b/Stand der Dinge.pptx
@@ -113,6 +113,11 @@
       </a:defRPr>
     </a:lvl9pPr>
   </p:defaultTextStyle>
+  <p:extLst>
+    <p:ext uri="{EFAFB233-063F-42B5-8137-9DF3F51BA10A}">
+      <p15:sldGuideLst xmlns:p15="http://schemas.microsoft.com/office/powerpoint/2012/main"/>
+    </p:ext>
+  </p:extLst>
 </p:presentation>
 </file>
 
@@ -267,7 +272,7 @@
           <a:p>
             <a:fld id="{11008460-8B2F-4AAA-A4E2-10730069204C}" type="datetimeFigureOut">
               <a:rPr lang="en-US" smtClean="0"/>
-              <a:t>1/8/2023</a:t>
+              <a:t>1/10/2023</a:t>
             </a:fld>
             <a:endParaRPr lang="en-US"/>
           </a:p>
@@ -2611,7 +2616,7 @@
           <a:p>
             <a:fld id="{11008460-8B2F-4AAA-A4E2-10730069204C}" type="datetimeFigureOut">
               <a:rPr lang="en-US" smtClean="0"/>
-              <a:t>1/8/2023</a:t>
+              <a:t>1/10/2023</a:t>
             </a:fld>
             <a:endParaRPr lang="en-US"/>
           </a:p>
@@ -4955,7 +4960,7 @@
           <a:p>
             <a:fld id="{11008460-8B2F-4AAA-A4E2-10730069204C}" type="datetimeFigureOut">
               <a:rPr lang="en-US" smtClean="0"/>
-              <a:t>1/8/2023</a:t>
+              <a:t>1/10/2023</a:t>
             </a:fld>
             <a:endParaRPr lang="en-US"/>
           </a:p>
@@ -5153,7 +5158,7 @@
           <a:p>
             <a:fld id="{11008460-8B2F-4AAA-A4E2-10730069204C}" type="datetimeFigureOut">
               <a:rPr lang="en-US" smtClean="0"/>
-              <a:t>1/8/2023</a:t>
+              <a:t>1/10/2023</a:t>
             </a:fld>
             <a:endParaRPr lang="en-US"/>
           </a:p>
@@ -5426,7 +5431,7 @@
           <a:p>
             <a:fld id="{11008460-8B2F-4AAA-A4E2-10730069204C}" type="datetimeFigureOut">
               <a:rPr lang="en-US" smtClean="0"/>
-              <a:t>1/8/2023</a:t>
+              <a:t>1/10/2023</a:t>
             </a:fld>
             <a:endParaRPr lang="en-US"/>
           </a:p>
@@ -5691,7 +5696,7 @@
           <a:p>
             <a:fld id="{11008460-8B2F-4AAA-A4E2-10730069204C}" type="datetimeFigureOut">
               <a:rPr lang="en-US" smtClean="0"/>
-              <a:t>1/8/2023</a:t>
+              <a:t>1/10/2023</a:t>
             </a:fld>
             <a:endParaRPr lang="en-US"/>
           </a:p>
@@ -6107,7 +6112,7 @@
           <a:p>
             <a:fld id="{11008460-8B2F-4AAA-A4E2-10730069204C}" type="datetimeFigureOut">
               <a:rPr lang="en-US" smtClean="0"/>
-              <a:t>1/8/2023</a:t>
+              <a:t>1/10/2023</a:t>
             </a:fld>
             <a:endParaRPr lang="en-US"/>
           </a:p>
@@ -6248,7 +6253,7 @@
           <a:p>
             <a:fld id="{11008460-8B2F-4AAA-A4E2-10730069204C}" type="datetimeFigureOut">
               <a:rPr lang="en-US" smtClean="0"/>
-              <a:t>1/8/2023</a:t>
+              <a:t>1/10/2023</a:t>
             </a:fld>
             <a:endParaRPr lang="en-US"/>
           </a:p>
@@ -6361,7 +6366,7 @@
           <a:p>
             <a:fld id="{11008460-8B2F-4AAA-A4E2-10730069204C}" type="datetimeFigureOut">
               <a:rPr lang="en-US" smtClean="0"/>
-              <a:t>1/8/2023</a:t>
+              <a:t>1/10/2023</a:t>
             </a:fld>
             <a:endParaRPr lang="en-US"/>
           </a:p>
@@ -6672,7 +6677,7 @@
           <a:p>
             <a:fld id="{11008460-8B2F-4AAA-A4E2-10730069204C}" type="datetimeFigureOut">
               <a:rPr lang="en-US" smtClean="0"/>
-              <a:t>1/8/2023</a:t>
+              <a:t>1/10/2023</a:t>
             </a:fld>
             <a:endParaRPr lang="en-US"/>
           </a:p>
@@ -6960,7 +6965,7 @@
           <a:p>
             <a:fld id="{11008460-8B2F-4AAA-A4E2-10730069204C}" type="datetimeFigureOut">
               <a:rPr lang="en-US" smtClean="0"/>
-              <a:t>1/8/2023</a:t>
+              <a:t>1/10/2023</a:t>
             </a:fld>
             <a:endParaRPr lang="en-US"/>
           </a:p>
@@ -9338,7 +9343,7 @@
             <a:fld id="{11008460-8B2F-4AAA-A4E2-10730069204C}" type="datetimeFigureOut">
               <a:rPr lang="en-US" smtClean="0"/>
               <a:pPr/>
-              <a:t>1/8/2023</a:t>
+              <a:t>1/10/2023</a:t>
             </a:fld>
             <a:endParaRPr lang="en-US" dirty="0"/>
           </a:p>
@@ -14203,43 +14208,64 @@
             <p:ph type="title"/>
           </p:nvPr>
         </p:nvSpPr>
-        <p:spPr/>
+        <p:spPr>
+          <a:xfrm>
+            <a:off x="966744" y="959587"/>
+            <a:ext cx="1844189" cy="2604880"/>
+          </a:xfrm>
+        </p:spPr>
         <p:txBody>
-          <a:bodyPr/>
+          <a:bodyPr>
+            <a:normAutofit/>
+          </a:bodyPr>
           <a:lstStyle/>
           <a:p>
+            <a:r>
+              <a:rPr lang="de-DE" dirty="0" err="1"/>
+              <a:t>Anim-ationen</a:t>
+            </a:r>
             <a:r>
               <a:rPr lang="de-DE" dirty="0"/>
-              <a:t>Animationen </a:t>
+              <a:t> </a:t>
             </a:r>
           </a:p>
         </p:txBody>
       </p:sp>
-      <p:sp>
-        <p:nvSpPr>
-          <p:cNvPr id="3" name="Inhaltsplatzhalter 2">
+      <p:pic>
+        <p:nvPicPr>
+          <p:cNvPr id="5" name="Inhaltsplatzhalter 4">
             <a:extLst>
               <a:ext uri="{FF2B5EF4-FFF2-40B4-BE49-F238E27FC236}">
-                <a16:creationId xmlns:a16="http://schemas.microsoft.com/office/drawing/2014/main" id="{9B7E4F4B-4864-32AA-BEA4-95595D7D2C0A}"/>
+                <a16:creationId xmlns:a16="http://schemas.microsoft.com/office/drawing/2014/main" id="{33618118-29C0-48E7-B3A9-BEF83258DA9A}"/>
               </a:ext>
             </a:extLst>
           </p:cNvPr>
-          <p:cNvSpPr>
-            <a:spLocks noGrp="1"/>
-          </p:cNvSpPr>
+          <p:cNvPicPr>
+            <a:picLocks noGrp="1" noChangeAspect="1"/>
+          </p:cNvPicPr>
           <p:nvPr>
             <p:ph idx="1"/>
           </p:nvPr>
-        </p:nvSpPr>
-        <p:spPr/>
-        <p:txBody>
-          <a:bodyPr/>
-          <a:lstStyle/>
-          <a:p>
-            <a:endParaRPr lang="de-DE"/>
-          </a:p>
-        </p:txBody>
-      </p:sp>
+        </p:nvPicPr>
+        <p:blipFill>
+          <a:blip r:embed="rId2">
+            <a:extLst>
+              <a:ext uri="{28A0092B-C50C-407E-A947-70E740481C1C}">
+                <a14:useLocalDpi xmlns:a14="http://schemas.microsoft.com/office/drawing/2010/main" val="0"/>
+              </a:ext>
+            </a:extLst>
+          </a:blip>
+          <a:stretch>
+            <a:fillRect/>
+          </a:stretch>
+        </p:blipFill>
+        <p:spPr>
+          <a:xfrm>
+            <a:off x="2988623" y="0"/>
+            <a:ext cx="9203377" cy="6858000"/>
+          </a:xfrm>
+        </p:spPr>
+      </p:pic>
     </p:spTree>
     <p:extLst>
       <p:ext uri="{BB962C8B-B14F-4D97-AF65-F5344CB8AC3E}">
@@ -14286,7 +14312,12 @@
             <p:ph type="title"/>
           </p:nvPr>
         </p:nvSpPr>
-        <p:spPr/>
+        <p:spPr>
+          <a:xfrm>
+            <a:off x="382544" y="354322"/>
+            <a:ext cx="9076329" cy="1064277"/>
+          </a:xfrm>
+        </p:spPr>
         <p:txBody>
           <a:bodyPr/>
           <a:lstStyle/>
@@ -14298,31 +14329,41 @@
           </a:p>
         </p:txBody>
       </p:sp>
-      <p:sp>
-        <p:nvSpPr>
-          <p:cNvPr id="3" name="Inhaltsplatzhalter 2">
+      <p:pic>
+        <p:nvPicPr>
+          <p:cNvPr id="5" name="Inhaltsplatzhalter 4">
             <a:extLst>
               <a:ext uri="{FF2B5EF4-FFF2-40B4-BE49-F238E27FC236}">
-                <a16:creationId xmlns:a16="http://schemas.microsoft.com/office/drawing/2014/main" id="{04A59047-F125-047C-8A8D-621E1925E8A5}"/>
+                <a16:creationId xmlns:a16="http://schemas.microsoft.com/office/drawing/2014/main" id="{E9A77BD1-4AD3-4FBF-B6C4-92FD6842D8E2}"/>
               </a:ext>
             </a:extLst>
           </p:cNvPr>
-          <p:cNvSpPr>
-            <a:spLocks noGrp="1"/>
-          </p:cNvSpPr>
+          <p:cNvPicPr>
+            <a:picLocks noGrp="1" noChangeAspect="1"/>
+          </p:cNvPicPr>
           <p:nvPr>
             <p:ph idx="1"/>
           </p:nvPr>
-        </p:nvSpPr>
-        <p:spPr/>
-        <p:txBody>
-          <a:bodyPr/>
-          <a:lstStyle/>
-          <a:p>
-            <a:endParaRPr lang="de-DE"/>
-          </a:p>
-        </p:txBody>
-      </p:sp>
+        </p:nvPicPr>
+        <p:blipFill>
+          <a:blip r:embed="rId2">
+            <a:extLst>
+              <a:ext uri="{28A0092B-C50C-407E-A947-70E740481C1C}">
+                <a14:useLocalDpi xmlns:a14="http://schemas.microsoft.com/office/drawing/2010/main" val="0"/>
+              </a:ext>
+            </a:extLst>
+          </a:blip>
+          <a:stretch>
+            <a:fillRect/>
+          </a:stretch>
+        </p:blipFill>
+        <p:spPr>
+          <a:xfrm>
+            <a:off x="0" y="1418599"/>
+            <a:ext cx="12192000" cy="5439401"/>
+          </a:xfrm>
+        </p:spPr>
+      </p:pic>
     </p:spTree>
     <p:extLst>
       <p:ext uri="{BB962C8B-B14F-4D97-AF65-F5344CB8AC3E}">

--- a/Stand der Dinge.pptx
+++ b/Stand der Dinge.pptx
@@ -272,7 +272,7 @@
           <a:p>
             <a:fld id="{11008460-8B2F-4AAA-A4E2-10730069204C}" type="datetimeFigureOut">
               <a:rPr lang="en-US" smtClean="0"/>
-              <a:t>1/10/2023</a:t>
+              <a:t>1/15/2023</a:t>
             </a:fld>
             <a:endParaRPr lang="en-US"/>
           </a:p>
@@ -2616,7 +2616,7 @@
           <a:p>
             <a:fld id="{11008460-8B2F-4AAA-A4E2-10730069204C}" type="datetimeFigureOut">
               <a:rPr lang="en-US" smtClean="0"/>
-              <a:t>1/10/2023</a:t>
+              <a:t>1/15/2023</a:t>
             </a:fld>
             <a:endParaRPr lang="en-US"/>
           </a:p>
@@ -4960,7 +4960,7 @@
           <a:p>
             <a:fld id="{11008460-8B2F-4AAA-A4E2-10730069204C}" type="datetimeFigureOut">
               <a:rPr lang="en-US" smtClean="0"/>
-              <a:t>1/10/2023</a:t>
+              <a:t>1/15/2023</a:t>
             </a:fld>
             <a:endParaRPr lang="en-US"/>
           </a:p>
@@ -5158,7 +5158,7 @@
           <a:p>
             <a:fld id="{11008460-8B2F-4AAA-A4E2-10730069204C}" type="datetimeFigureOut">
               <a:rPr lang="en-US" smtClean="0"/>
-              <a:t>1/10/2023</a:t>
+              <a:t>1/15/2023</a:t>
             </a:fld>
             <a:endParaRPr lang="en-US"/>
           </a:p>
@@ -5431,7 +5431,7 @@
           <a:p>
             <a:fld id="{11008460-8B2F-4AAA-A4E2-10730069204C}" type="datetimeFigureOut">
               <a:rPr lang="en-US" smtClean="0"/>
-              <a:t>1/10/2023</a:t>
+              <a:t>1/15/2023</a:t>
             </a:fld>
             <a:endParaRPr lang="en-US"/>
           </a:p>
@@ -5696,7 +5696,7 @@
           <a:p>
             <a:fld id="{11008460-8B2F-4AAA-A4E2-10730069204C}" type="datetimeFigureOut">
               <a:rPr lang="en-US" smtClean="0"/>
-              <a:t>1/10/2023</a:t>
+              <a:t>1/15/2023</a:t>
             </a:fld>
             <a:endParaRPr lang="en-US"/>
           </a:p>
@@ -6112,7 +6112,7 @@
           <a:p>
             <a:fld id="{11008460-8B2F-4AAA-A4E2-10730069204C}" type="datetimeFigureOut">
               <a:rPr lang="en-US" smtClean="0"/>
-              <a:t>1/10/2023</a:t>
+              <a:t>1/15/2023</a:t>
             </a:fld>
             <a:endParaRPr lang="en-US"/>
           </a:p>
@@ -6253,7 +6253,7 @@
           <a:p>
             <a:fld id="{11008460-8B2F-4AAA-A4E2-10730069204C}" type="datetimeFigureOut">
               <a:rPr lang="en-US" smtClean="0"/>
-              <a:t>1/10/2023</a:t>
+              <a:t>1/15/2023</a:t>
             </a:fld>
             <a:endParaRPr lang="en-US"/>
           </a:p>
@@ -6366,7 +6366,7 @@
           <a:p>
             <a:fld id="{11008460-8B2F-4AAA-A4E2-10730069204C}" type="datetimeFigureOut">
               <a:rPr lang="en-US" smtClean="0"/>
-              <a:t>1/10/2023</a:t>
+              <a:t>1/15/2023</a:t>
             </a:fld>
             <a:endParaRPr lang="en-US"/>
           </a:p>
@@ -6677,7 +6677,7 @@
           <a:p>
             <a:fld id="{11008460-8B2F-4AAA-A4E2-10730069204C}" type="datetimeFigureOut">
               <a:rPr lang="en-US" smtClean="0"/>
-              <a:t>1/10/2023</a:t>
+              <a:t>1/15/2023</a:t>
             </a:fld>
             <a:endParaRPr lang="en-US"/>
           </a:p>
@@ -6965,7 +6965,7 @@
           <a:p>
             <a:fld id="{11008460-8B2F-4AAA-A4E2-10730069204C}" type="datetimeFigureOut">
               <a:rPr lang="en-US" smtClean="0"/>
-              <a:t>1/10/2023</a:t>
+              <a:t>1/15/2023</a:t>
             </a:fld>
             <a:endParaRPr lang="en-US"/>
           </a:p>
@@ -9343,7 +9343,7 @@
             <a:fld id="{11008460-8B2F-4AAA-A4E2-10730069204C}" type="datetimeFigureOut">
               <a:rPr lang="en-US" smtClean="0"/>
               <a:pPr/>
-              <a:t>1/10/2023</a:t>
+              <a:t>1/15/2023</a:t>
             </a:fld>
             <a:endParaRPr lang="en-US" dirty="0"/>
           </a:p>
@@ -11942,7 +11942,7 @@
         </p:blipFill>
         <p:spPr>
           <a:xfrm>
-            <a:off x="196287" y="392164"/>
+            <a:off x="692610" y="392164"/>
             <a:ext cx="5589051" cy="5926015"/>
           </a:xfrm>
           <a:prstGeom prst="rect">

--- a/Stand der Dinge.pptx
+++ b/Stand der Dinge.pptx
@@ -9,12 +9,8 @@
     <p:sldId id="257" r:id="rId3"/>
     <p:sldId id="259" r:id="rId4"/>
     <p:sldId id="258" r:id="rId5"/>
-    <p:sldId id="260" r:id="rId6"/>
-    <p:sldId id="261" r:id="rId7"/>
-    <p:sldId id="263" r:id="rId8"/>
-    <p:sldId id="264" r:id="rId9"/>
-    <p:sldId id="262" r:id="rId10"/>
-    <p:sldId id="265" r:id="rId11"/>
+    <p:sldId id="262" r:id="rId6"/>
+    <p:sldId id="265" r:id="rId7"/>
   </p:sldIdLst>
   <p:sldSz cx="12192000" cy="6858000"/>
   <p:notesSz cx="6858000" cy="9144000"/>
@@ -272,7 +268,7 @@
           <a:p>
             <a:fld id="{11008460-8B2F-4AAA-A4E2-10730069204C}" type="datetimeFigureOut">
               <a:rPr lang="en-US" smtClean="0"/>
-              <a:t>1/15/2023</a:t>
+              <a:t>1/18/2023</a:t>
             </a:fld>
             <a:endParaRPr lang="en-US"/>
           </a:p>
@@ -2616,7 +2612,7 @@
           <a:p>
             <a:fld id="{11008460-8B2F-4AAA-A4E2-10730069204C}" type="datetimeFigureOut">
               <a:rPr lang="en-US" smtClean="0"/>
-              <a:t>1/15/2023</a:t>
+              <a:t>1/18/2023</a:t>
             </a:fld>
             <a:endParaRPr lang="en-US"/>
           </a:p>
@@ -4960,7 +4956,7 @@
           <a:p>
             <a:fld id="{11008460-8B2F-4AAA-A4E2-10730069204C}" type="datetimeFigureOut">
               <a:rPr lang="en-US" smtClean="0"/>
-              <a:t>1/15/2023</a:t>
+              <a:t>1/18/2023</a:t>
             </a:fld>
             <a:endParaRPr lang="en-US"/>
           </a:p>
@@ -5158,7 +5154,7 @@
           <a:p>
             <a:fld id="{11008460-8B2F-4AAA-A4E2-10730069204C}" type="datetimeFigureOut">
               <a:rPr lang="en-US" smtClean="0"/>
-              <a:t>1/15/2023</a:t>
+              <a:t>1/18/2023</a:t>
             </a:fld>
             <a:endParaRPr lang="en-US"/>
           </a:p>
@@ -5431,7 +5427,7 @@
           <a:p>
             <a:fld id="{11008460-8B2F-4AAA-A4E2-10730069204C}" type="datetimeFigureOut">
               <a:rPr lang="en-US" smtClean="0"/>
-              <a:t>1/15/2023</a:t>
+              <a:t>1/18/2023</a:t>
             </a:fld>
             <a:endParaRPr lang="en-US"/>
           </a:p>
@@ -5696,7 +5692,7 @@
           <a:p>
             <a:fld id="{11008460-8B2F-4AAA-A4E2-10730069204C}" type="datetimeFigureOut">
               <a:rPr lang="en-US" smtClean="0"/>
-              <a:t>1/15/2023</a:t>
+              <a:t>1/18/2023</a:t>
             </a:fld>
             <a:endParaRPr lang="en-US"/>
           </a:p>
@@ -6112,7 +6108,7 @@
           <a:p>
             <a:fld id="{11008460-8B2F-4AAA-A4E2-10730069204C}" type="datetimeFigureOut">
               <a:rPr lang="en-US" smtClean="0"/>
-              <a:t>1/15/2023</a:t>
+              <a:t>1/18/2023</a:t>
             </a:fld>
             <a:endParaRPr lang="en-US"/>
           </a:p>
@@ -6253,7 +6249,7 @@
           <a:p>
             <a:fld id="{11008460-8B2F-4AAA-A4E2-10730069204C}" type="datetimeFigureOut">
               <a:rPr lang="en-US" smtClean="0"/>
-              <a:t>1/15/2023</a:t>
+              <a:t>1/18/2023</a:t>
             </a:fld>
             <a:endParaRPr lang="en-US"/>
           </a:p>
@@ -6366,7 +6362,7 @@
           <a:p>
             <a:fld id="{11008460-8B2F-4AAA-A4E2-10730069204C}" type="datetimeFigureOut">
               <a:rPr lang="en-US" smtClean="0"/>
-              <a:t>1/15/2023</a:t>
+              <a:t>1/18/2023</a:t>
             </a:fld>
             <a:endParaRPr lang="en-US"/>
           </a:p>
@@ -6677,7 +6673,7 @@
           <a:p>
             <a:fld id="{11008460-8B2F-4AAA-A4E2-10730069204C}" type="datetimeFigureOut">
               <a:rPr lang="en-US" smtClean="0"/>
-              <a:t>1/15/2023</a:t>
+              <a:t>1/18/2023</a:t>
             </a:fld>
             <a:endParaRPr lang="en-US"/>
           </a:p>
@@ -6965,7 +6961,7 @@
           <a:p>
             <a:fld id="{11008460-8B2F-4AAA-A4E2-10730069204C}" type="datetimeFigureOut">
               <a:rPr lang="en-US" smtClean="0"/>
-              <a:t>1/15/2023</a:t>
+              <a:t>1/18/2023</a:t>
             </a:fld>
             <a:endParaRPr lang="en-US"/>
           </a:p>
@@ -9343,7 +9339,7 @@
             <a:fld id="{11008460-8B2F-4AAA-A4E2-10730069204C}" type="datetimeFigureOut">
               <a:rPr lang="en-US" smtClean="0"/>
               <a:pPr/>
-              <a:t>1/15/2023</a:t>
+              <a:t>1/18/2023</a:t>
             </a:fld>
             <a:endParaRPr lang="en-US" dirty="0"/>
           </a:p>
@@ -10148,221 +10144,6 @@
 </p:sld>
 </file>
 
-<file path=ppt/slides/slide10.xml><?xml version="1.0" encoding="utf-8"?>
-<p:sld xmlns:a="http://schemas.openxmlformats.org/drawingml/2006/main" xmlns:r="http://schemas.openxmlformats.org/officeDocument/2006/relationships" xmlns:p="http://schemas.openxmlformats.org/presentationml/2006/main">
-  <p:cSld>
-    <p:spTree>
-      <p:nvGrpSpPr>
-        <p:cNvPr id="1" name=""/>
-        <p:cNvGrpSpPr/>
-        <p:nvPr/>
-      </p:nvGrpSpPr>
-      <p:grpSpPr>
-        <a:xfrm>
-          <a:off x="0" y="0"/>
-          <a:ext cx="0" cy="0"/>
-          <a:chOff x="0" y="0"/>
-          <a:chExt cx="0" cy="0"/>
-        </a:xfrm>
-      </p:grpSpPr>
-      <p:sp>
-        <p:nvSpPr>
-          <p:cNvPr id="2" name="Titel 1">
-            <a:extLst>
-              <a:ext uri="{FF2B5EF4-FFF2-40B4-BE49-F238E27FC236}">
-                <a16:creationId xmlns:a16="http://schemas.microsoft.com/office/drawing/2014/main" id="{641AC91C-2C8B-F45B-2307-635DEE20B586}"/>
-              </a:ext>
-            </a:extLst>
-          </p:cNvPr>
-          <p:cNvSpPr>
-            <a:spLocks noGrp="1"/>
-          </p:cNvSpPr>
-          <p:nvPr>
-            <p:ph type="title"/>
-          </p:nvPr>
-        </p:nvSpPr>
-        <p:spPr>
-          <a:xfrm>
-            <a:off x="597468" y="493595"/>
-            <a:ext cx="9076329" cy="1064277"/>
-          </a:xfrm>
-        </p:spPr>
-        <p:txBody>
-          <a:bodyPr/>
-          <a:lstStyle/>
-          <a:p>
-            <a:r>
-              <a:rPr lang="de-DE" dirty="0"/>
-              <a:t>Links:</a:t>
-            </a:r>
-          </a:p>
-        </p:txBody>
-      </p:sp>
-      <p:sp>
-        <p:nvSpPr>
-          <p:cNvPr id="3" name="Inhaltsplatzhalter 2">
-            <a:extLst>
-              <a:ext uri="{FF2B5EF4-FFF2-40B4-BE49-F238E27FC236}">
-                <a16:creationId xmlns:a16="http://schemas.microsoft.com/office/drawing/2014/main" id="{42769C6D-2870-08D8-2190-5AB1494C17AA}"/>
-              </a:ext>
-            </a:extLst>
-          </p:cNvPr>
-          <p:cNvSpPr>
-            <a:spLocks noGrp="1"/>
-          </p:cNvSpPr>
-          <p:nvPr>
-            <p:ph idx="1"/>
-          </p:nvPr>
-        </p:nvSpPr>
-        <p:spPr>
-          <a:xfrm>
-            <a:off x="741279" y="1999576"/>
-            <a:ext cx="10709441" cy="3979193"/>
-          </a:xfrm>
-        </p:spPr>
-        <p:txBody>
-          <a:bodyPr/>
-          <a:lstStyle/>
-          <a:p>
-            <a:r>
-              <a:rPr lang="de-DE" dirty="0"/>
-              <a:t>Bilder:</a:t>
-            </a:r>
-          </a:p>
-          <a:p>
-            <a:pPr lvl="2"/>
-            <a:r>
-              <a:rPr lang="de-DE" dirty="0">
-                <a:hlinkClick r:id="rId2"/>
-              </a:rPr>
-              <a:t>https://play.google.com/store/apps/details?id=com.github.android&amp;hl=en_US&amp;gl=US&amp;pli=1</a:t>
-            </a:r>
-            <a:r>
-              <a:rPr lang="de-DE" dirty="0"/>
-              <a:t> (GitHub Logo)</a:t>
-            </a:r>
-          </a:p>
-          <a:p>
-            <a:pPr lvl="2"/>
-            <a:r>
-              <a:rPr lang="de-DE" dirty="0">
-                <a:hlinkClick r:id="rId3"/>
-              </a:rPr>
-              <a:t>https://licendi.com/de/blog/tipps-fuer-microsoft-visual-studio/</a:t>
-            </a:r>
-            <a:r>
-              <a:rPr lang="de-DE" dirty="0"/>
-              <a:t> (VS Logo)</a:t>
-            </a:r>
-          </a:p>
-          <a:p>
-            <a:pPr lvl="2"/>
-            <a:r>
-              <a:rPr lang="de-DE" dirty="0">
-                <a:hlinkClick r:id="rId4"/>
-              </a:rPr>
-              <a:t>https://de.wikipedia.org/wiki/Unity_%28Spiel-Engine%29</a:t>
-            </a:r>
-            <a:r>
-              <a:rPr lang="de-DE" dirty="0"/>
-              <a:t> (Unity Logo)</a:t>
-            </a:r>
-          </a:p>
-          <a:p>
-            <a:pPr marL="320040" lvl="2" indent="0">
-              <a:buNone/>
-            </a:pPr>
-            <a:endParaRPr lang="de-DE" dirty="0"/>
-          </a:p>
-          <a:p>
-            <a:pPr marL="0"/>
-            <a:r>
-              <a:rPr lang="de-DE" dirty="0"/>
-              <a:t>Assets</a:t>
-            </a:r>
-          </a:p>
-          <a:p>
-            <a:pPr marL="594360" lvl="4"/>
-            <a:r>
-              <a:rPr lang="de-DE" sz="1600" dirty="0">
-                <a:hlinkClick r:id="rId5"/>
-              </a:rPr>
-              <a:t>https://assetstore.unity.com/packages/2d/characters/pixel-adventure-1-155360</a:t>
-            </a:r>
-            <a:r>
-              <a:rPr lang="de-DE" sz="1600" dirty="0"/>
-              <a:t> (Pixel Adventure 1)</a:t>
-            </a:r>
-          </a:p>
-          <a:p>
-            <a:pPr marL="594360" lvl="4"/>
-            <a:r>
-              <a:rPr lang="de-DE" sz="1600" dirty="0">
-                <a:hlinkClick r:id="rId6"/>
-              </a:rPr>
-              <a:t>https://assetstore.unity.com/packages/2d/characters/pixel-adventure-2-155418</a:t>
-            </a:r>
-            <a:r>
-              <a:rPr lang="de-DE" sz="1600" dirty="0"/>
-              <a:t> (Pixel Adventure 2)</a:t>
-            </a:r>
-          </a:p>
-          <a:p>
-            <a:pPr marL="594360" lvl="4"/>
-            <a:r>
-              <a:rPr lang="de-DE" sz="1600" dirty="0">
-                <a:hlinkClick r:id="rId7"/>
-              </a:rPr>
-              <a:t>https://assetstore.unity.com/packages/2d/environments/nature-pixel-art-base-assets-free-151370</a:t>
-            </a:r>
-            <a:r>
-              <a:rPr lang="de-DE" sz="1600" dirty="0"/>
-              <a:t> (Nature </a:t>
-            </a:r>
-            <a:r>
-              <a:rPr lang="de-DE" sz="1600" dirty="0" err="1"/>
-              <a:t>pixel</a:t>
-            </a:r>
-            <a:r>
-              <a:rPr lang="de-DE" sz="1600" dirty="0"/>
-              <a:t> </a:t>
-            </a:r>
-            <a:r>
-              <a:rPr lang="de-DE" sz="1600" dirty="0" err="1"/>
-              <a:t>art</a:t>
-            </a:r>
-            <a:r>
-              <a:rPr lang="de-DE" sz="1600" dirty="0"/>
-              <a:t> </a:t>
-            </a:r>
-            <a:r>
-              <a:rPr lang="de-DE" sz="1600" dirty="0" err="1"/>
-              <a:t>base</a:t>
-            </a:r>
-            <a:r>
-              <a:rPr lang="de-DE" sz="1600" dirty="0"/>
-              <a:t>)</a:t>
-            </a:r>
-          </a:p>
-          <a:p>
-            <a:pPr lvl="2"/>
-            <a:endParaRPr lang="de-DE" dirty="0"/>
-          </a:p>
-        </p:txBody>
-      </p:sp>
-    </p:spTree>
-    <p:extLst>
-      <p:ext uri="{BB962C8B-B14F-4D97-AF65-F5344CB8AC3E}">
-        <p14:creationId xmlns:p14="http://schemas.microsoft.com/office/powerpoint/2010/main" val="3212899767"/>
-      </p:ext>
-    </p:extLst>
-  </p:cSld>
-  <p:clrMapOvr>
-    <a:masterClrMapping/>
-  </p:clrMapOvr>
-</p:sld>
-</file>
-
 <file path=ppt/slides/slide2.xml><?xml version="1.0" encoding="utf-8"?>
 <p:sld xmlns:a="http://schemas.openxmlformats.org/drawingml/2006/main" xmlns:r="http://schemas.openxmlformats.org/officeDocument/2006/relationships" xmlns:p="http://schemas.openxmlformats.org/presentationml/2006/main">
   <p:cSld>
@@ -14038,367 +13819,6 @@
           <p:cNvPr id="2" name="Titel 1">
             <a:extLst>
               <a:ext uri="{FF2B5EF4-FFF2-40B4-BE49-F238E27FC236}">
-                <a16:creationId xmlns:a16="http://schemas.microsoft.com/office/drawing/2014/main" id="{94625A20-8E03-6F91-B1AD-C5B93155B5C3}"/>
-              </a:ext>
-            </a:extLst>
-          </p:cNvPr>
-          <p:cNvSpPr>
-            <a:spLocks noGrp="1"/>
-          </p:cNvSpPr>
-          <p:nvPr>
-            <p:ph type="title"/>
-          </p:nvPr>
-        </p:nvSpPr>
-        <p:spPr>
-          <a:xfrm>
-            <a:off x="1557835" y="2364723"/>
-            <a:ext cx="9076329" cy="1064277"/>
-          </a:xfrm>
-        </p:spPr>
-        <p:txBody>
-          <a:bodyPr>
-            <a:normAutofit/>
-          </a:bodyPr>
-          <a:lstStyle/>
-          <a:p>
-            <a:pPr algn="ctr"/>
-            <a:r>
-              <a:rPr lang="de-DE" sz="6000" b="1" dirty="0"/>
-              <a:t>Menu </a:t>
-            </a:r>
-          </a:p>
-        </p:txBody>
-      </p:sp>
-    </p:spTree>
-    <p:extLst>
-      <p:ext uri="{BB962C8B-B14F-4D97-AF65-F5344CB8AC3E}">
-        <p14:creationId xmlns:p14="http://schemas.microsoft.com/office/powerpoint/2010/main" val="2158127078"/>
-      </p:ext>
-    </p:extLst>
-  </p:cSld>
-  <p:clrMapOvr>
-    <a:masterClrMapping/>
-  </p:clrMapOvr>
-</p:sld>
-</file>
-
-<file path=ppt/slides/slide6.xml><?xml version="1.0" encoding="utf-8"?>
-<p:sld xmlns:a="http://schemas.openxmlformats.org/drawingml/2006/main" xmlns:r="http://schemas.openxmlformats.org/officeDocument/2006/relationships" xmlns:p="http://schemas.openxmlformats.org/presentationml/2006/main">
-  <p:cSld>
-    <p:spTree>
-      <p:nvGrpSpPr>
-        <p:cNvPr id="1" name=""/>
-        <p:cNvGrpSpPr/>
-        <p:nvPr/>
-      </p:nvGrpSpPr>
-      <p:grpSpPr>
-        <a:xfrm>
-          <a:off x="0" y="0"/>
-          <a:ext cx="0" cy="0"/>
-          <a:chOff x="0" y="0"/>
-          <a:chExt cx="0" cy="0"/>
-        </a:xfrm>
-      </p:grpSpPr>
-      <p:sp>
-        <p:nvSpPr>
-          <p:cNvPr id="2" name="Titel 1">
-            <a:extLst>
-              <a:ext uri="{FF2B5EF4-FFF2-40B4-BE49-F238E27FC236}">
-                <a16:creationId xmlns:a16="http://schemas.microsoft.com/office/drawing/2014/main" id="{88652439-2E8F-9AAC-99BB-AEF3BADE411B}"/>
-              </a:ext>
-            </a:extLst>
-          </p:cNvPr>
-          <p:cNvSpPr>
-            <a:spLocks noGrp="1"/>
-          </p:cNvSpPr>
-          <p:nvPr>
-            <p:ph type="title"/>
-          </p:nvPr>
-        </p:nvSpPr>
-        <p:spPr>
-          <a:xfrm>
-            <a:off x="645508" y="2660494"/>
-            <a:ext cx="9076329" cy="1064277"/>
-          </a:xfrm>
-        </p:spPr>
-        <p:txBody>
-          <a:bodyPr/>
-          <a:lstStyle/>
-          <a:p>
-            <a:r>
-              <a:rPr lang="de-DE" dirty="0"/>
-              <a:t>Steuerung </a:t>
-            </a:r>
-          </a:p>
-        </p:txBody>
-      </p:sp>
-      <p:pic>
-        <p:nvPicPr>
-          <p:cNvPr id="5" name="Grafik 4">
-            <a:extLst>
-              <a:ext uri="{FF2B5EF4-FFF2-40B4-BE49-F238E27FC236}">
-                <a16:creationId xmlns:a16="http://schemas.microsoft.com/office/drawing/2014/main" id="{F3975846-0E1E-6890-25EF-0792923970D6}"/>
-              </a:ext>
-            </a:extLst>
-          </p:cNvPr>
-          <p:cNvPicPr>
-            <a:picLocks noChangeAspect="1"/>
-          </p:cNvPicPr>
-          <p:nvPr/>
-        </p:nvPicPr>
-        <p:blipFill>
-          <a:blip r:embed="rId2"/>
-          <a:stretch>
-            <a:fillRect/>
-          </a:stretch>
-        </p:blipFill>
-        <p:spPr>
-          <a:xfrm>
-            <a:off x="3766154" y="0"/>
-            <a:ext cx="8425846" cy="6858000"/>
-          </a:xfrm>
-          <a:prstGeom prst="rect">
-            <a:avLst/>
-          </a:prstGeom>
-        </p:spPr>
-      </p:pic>
-    </p:spTree>
-    <p:extLst>
-      <p:ext uri="{BB962C8B-B14F-4D97-AF65-F5344CB8AC3E}">
-        <p14:creationId xmlns:p14="http://schemas.microsoft.com/office/powerpoint/2010/main" val="3703677968"/>
-      </p:ext>
-    </p:extLst>
-  </p:cSld>
-  <p:clrMapOvr>
-    <a:masterClrMapping/>
-  </p:clrMapOvr>
-</p:sld>
-</file>
-
-<file path=ppt/slides/slide7.xml><?xml version="1.0" encoding="utf-8"?>
-<p:sld xmlns:a="http://schemas.openxmlformats.org/drawingml/2006/main" xmlns:r="http://schemas.openxmlformats.org/officeDocument/2006/relationships" xmlns:p="http://schemas.openxmlformats.org/presentationml/2006/main">
-  <p:cSld>
-    <p:spTree>
-      <p:nvGrpSpPr>
-        <p:cNvPr id="1" name=""/>
-        <p:cNvGrpSpPr/>
-        <p:nvPr/>
-      </p:nvGrpSpPr>
-      <p:grpSpPr>
-        <a:xfrm>
-          <a:off x="0" y="0"/>
-          <a:ext cx="0" cy="0"/>
-          <a:chOff x="0" y="0"/>
-          <a:chExt cx="0" cy="0"/>
-        </a:xfrm>
-      </p:grpSpPr>
-      <p:sp>
-        <p:nvSpPr>
-          <p:cNvPr id="2" name="Titel 1">
-            <a:extLst>
-              <a:ext uri="{FF2B5EF4-FFF2-40B4-BE49-F238E27FC236}">
-                <a16:creationId xmlns:a16="http://schemas.microsoft.com/office/drawing/2014/main" id="{EB7D7826-ACCB-634E-9905-4F6CF0051C00}"/>
-              </a:ext>
-            </a:extLst>
-          </p:cNvPr>
-          <p:cNvSpPr>
-            <a:spLocks noGrp="1"/>
-          </p:cNvSpPr>
-          <p:nvPr>
-            <p:ph type="title"/>
-          </p:nvPr>
-        </p:nvSpPr>
-        <p:spPr>
-          <a:xfrm>
-            <a:off x="966744" y="959587"/>
-            <a:ext cx="1844189" cy="2604880"/>
-          </a:xfrm>
-        </p:spPr>
-        <p:txBody>
-          <a:bodyPr>
-            <a:normAutofit/>
-          </a:bodyPr>
-          <a:lstStyle/>
-          <a:p>
-            <a:r>
-              <a:rPr lang="de-DE" dirty="0" err="1"/>
-              <a:t>Anim-ationen</a:t>
-            </a:r>
-            <a:r>
-              <a:rPr lang="de-DE" dirty="0"/>
-              <a:t> </a:t>
-            </a:r>
-          </a:p>
-        </p:txBody>
-      </p:sp>
-      <p:pic>
-        <p:nvPicPr>
-          <p:cNvPr id="5" name="Inhaltsplatzhalter 4">
-            <a:extLst>
-              <a:ext uri="{FF2B5EF4-FFF2-40B4-BE49-F238E27FC236}">
-                <a16:creationId xmlns:a16="http://schemas.microsoft.com/office/drawing/2014/main" id="{33618118-29C0-48E7-B3A9-BEF83258DA9A}"/>
-              </a:ext>
-            </a:extLst>
-          </p:cNvPr>
-          <p:cNvPicPr>
-            <a:picLocks noGrp="1" noChangeAspect="1"/>
-          </p:cNvPicPr>
-          <p:nvPr>
-            <p:ph idx="1"/>
-          </p:nvPr>
-        </p:nvPicPr>
-        <p:blipFill>
-          <a:blip r:embed="rId2">
-            <a:extLst>
-              <a:ext uri="{28A0092B-C50C-407E-A947-70E740481C1C}">
-                <a14:useLocalDpi xmlns:a14="http://schemas.microsoft.com/office/drawing/2010/main" val="0"/>
-              </a:ext>
-            </a:extLst>
-          </a:blip>
-          <a:stretch>
-            <a:fillRect/>
-          </a:stretch>
-        </p:blipFill>
-        <p:spPr>
-          <a:xfrm>
-            <a:off x="2988623" y="0"/>
-            <a:ext cx="9203377" cy="6858000"/>
-          </a:xfrm>
-        </p:spPr>
-      </p:pic>
-    </p:spTree>
-    <p:extLst>
-      <p:ext uri="{BB962C8B-B14F-4D97-AF65-F5344CB8AC3E}">
-        <p14:creationId xmlns:p14="http://schemas.microsoft.com/office/powerpoint/2010/main" val="1761397432"/>
-      </p:ext>
-    </p:extLst>
-  </p:cSld>
-  <p:clrMapOvr>
-    <a:masterClrMapping/>
-  </p:clrMapOvr>
-</p:sld>
-</file>
-
-<file path=ppt/slides/slide8.xml><?xml version="1.0" encoding="utf-8"?>
-<p:sld xmlns:a="http://schemas.openxmlformats.org/drawingml/2006/main" xmlns:r="http://schemas.openxmlformats.org/officeDocument/2006/relationships" xmlns:p="http://schemas.openxmlformats.org/presentationml/2006/main">
-  <p:cSld>
-    <p:spTree>
-      <p:nvGrpSpPr>
-        <p:cNvPr id="1" name=""/>
-        <p:cNvGrpSpPr/>
-        <p:nvPr/>
-      </p:nvGrpSpPr>
-      <p:grpSpPr>
-        <a:xfrm>
-          <a:off x="0" y="0"/>
-          <a:ext cx="0" cy="0"/>
-          <a:chOff x="0" y="0"/>
-          <a:chExt cx="0" cy="0"/>
-        </a:xfrm>
-      </p:grpSpPr>
-      <p:sp>
-        <p:nvSpPr>
-          <p:cNvPr id="2" name="Titel 1">
-            <a:extLst>
-              <a:ext uri="{FF2B5EF4-FFF2-40B4-BE49-F238E27FC236}">
-                <a16:creationId xmlns:a16="http://schemas.microsoft.com/office/drawing/2014/main" id="{35AFBD90-C141-EC7E-FF1E-283EF2203B6B}"/>
-              </a:ext>
-            </a:extLst>
-          </p:cNvPr>
-          <p:cNvSpPr>
-            <a:spLocks noGrp="1"/>
-          </p:cNvSpPr>
-          <p:nvPr>
-            <p:ph type="title"/>
-          </p:nvPr>
-        </p:nvSpPr>
-        <p:spPr>
-          <a:xfrm>
-            <a:off x="382544" y="354322"/>
-            <a:ext cx="9076329" cy="1064277"/>
-          </a:xfrm>
-        </p:spPr>
-        <p:txBody>
-          <a:bodyPr/>
-          <a:lstStyle/>
-          <a:p>
-            <a:r>
-              <a:rPr lang="de-DE" dirty="0"/>
-              <a:t>Erstellung eines Levels</a:t>
-            </a:r>
-          </a:p>
-        </p:txBody>
-      </p:sp>
-      <p:pic>
-        <p:nvPicPr>
-          <p:cNvPr id="5" name="Inhaltsplatzhalter 4">
-            <a:extLst>
-              <a:ext uri="{FF2B5EF4-FFF2-40B4-BE49-F238E27FC236}">
-                <a16:creationId xmlns:a16="http://schemas.microsoft.com/office/drawing/2014/main" id="{E9A77BD1-4AD3-4FBF-B6C4-92FD6842D8E2}"/>
-              </a:ext>
-            </a:extLst>
-          </p:cNvPr>
-          <p:cNvPicPr>
-            <a:picLocks noGrp="1" noChangeAspect="1"/>
-          </p:cNvPicPr>
-          <p:nvPr>
-            <p:ph idx="1"/>
-          </p:nvPr>
-        </p:nvPicPr>
-        <p:blipFill>
-          <a:blip r:embed="rId2">
-            <a:extLst>
-              <a:ext uri="{28A0092B-C50C-407E-A947-70E740481C1C}">
-                <a14:useLocalDpi xmlns:a14="http://schemas.microsoft.com/office/drawing/2010/main" val="0"/>
-              </a:ext>
-            </a:extLst>
-          </a:blip>
-          <a:stretch>
-            <a:fillRect/>
-          </a:stretch>
-        </p:blipFill>
-        <p:spPr>
-          <a:xfrm>
-            <a:off x="0" y="1418599"/>
-            <a:ext cx="12192000" cy="5439401"/>
-          </a:xfrm>
-        </p:spPr>
-      </p:pic>
-    </p:spTree>
-    <p:extLst>
-      <p:ext uri="{BB962C8B-B14F-4D97-AF65-F5344CB8AC3E}">
-        <p14:creationId xmlns:p14="http://schemas.microsoft.com/office/powerpoint/2010/main" val="505119313"/>
-      </p:ext>
-    </p:extLst>
-  </p:cSld>
-  <p:clrMapOvr>
-    <a:masterClrMapping/>
-  </p:clrMapOvr>
-</p:sld>
-</file>
-
-<file path=ppt/slides/slide9.xml><?xml version="1.0" encoding="utf-8"?>
-<p:sld xmlns:a="http://schemas.openxmlformats.org/drawingml/2006/main" xmlns:r="http://schemas.openxmlformats.org/officeDocument/2006/relationships" xmlns:p="http://schemas.openxmlformats.org/presentationml/2006/main">
-  <p:cSld>
-    <p:spTree>
-      <p:nvGrpSpPr>
-        <p:cNvPr id="1" name=""/>
-        <p:cNvGrpSpPr/>
-        <p:nvPr/>
-      </p:nvGrpSpPr>
-      <p:grpSpPr>
-        <a:xfrm>
-          <a:off x="0" y="0"/>
-          <a:ext cx="0" cy="0"/>
-          <a:chOff x="0" y="0"/>
-          <a:chExt cx="0" cy="0"/>
-        </a:xfrm>
-      </p:grpSpPr>
-      <p:sp>
-        <p:nvSpPr>
-          <p:cNvPr id="2" name="Titel 1">
-            <a:extLst>
-              <a:ext uri="{FF2B5EF4-FFF2-40B4-BE49-F238E27FC236}">
                 <a16:creationId xmlns:a16="http://schemas.microsoft.com/office/drawing/2014/main" id="{C185E95C-BF9B-FEDE-39A7-C825E1AF4DB1}"/>
               </a:ext>
             </a:extLst>
@@ -14412,16 +13832,18 @@
         </p:nvSpPr>
         <p:spPr>
           <a:xfrm>
-            <a:off x="1440177" y="-15650"/>
+            <a:off x="1096362" y="445823"/>
             <a:ext cx="9076329" cy="1064277"/>
           </a:xfrm>
         </p:spPr>
         <p:txBody>
-          <a:bodyPr/>
+          <a:bodyPr>
+            <a:noAutofit/>
+          </a:bodyPr>
           <a:lstStyle/>
           <a:p>
             <a:r>
-              <a:rPr lang="de-DE" dirty="0"/>
+              <a:rPr lang="de-DE" sz="6600" dirty="0"/>
               <a:t>Sonstiges</a:t>
             </a:r>
           </a:p>
@@ -14445,16 +13867,18 @@
         </p:nvSpPr>
         <p:spPr>
           <a:xfrm>
-            <a:off x="561392" y="1048627"/>
+            <a:off x="920315" y="2398863"/>
             <a:ext cx="9076329" cy="3650155"/>
           </a:xfrm>
         </p:spPr>
         <p:txBody>
-          <a:bodyPr/>
+          <a:bodyPr>
+            <a:normAutofit/>
+          </a:bodyPr>
           <a:lstStyle/>
           <a:p>
             <a:r>
-              <a:rPr lang="de-DE" b="1" dirty="0"/>
+              <a:rPr lang="de-DE" sz="2800" b="1" dirty="0"/>
               <a:t>Kamera: </a:t>
             </a:r>
           </a:p>
@@ -14464,15 +13888,15 @@
               <a:buChar char="Ø"/>
             </a:pPr>
             <a:r>
-              <a:rPr lang="de-DE" dirty="0"/>
+              <a:rPr lang="de-DE" sz="2800" dirty="0"/>
               <a:t>Virtual </a:t>
             </a:r>
             <a:r>
-              <a:rPr lang="de-DE" dirty="0" err="1"/>
+              <a:rPr lang="de-DE" sz="2800" dirty="0" err="1"/>
               <a:t>Camera</a:t>
             </a:r>
             <a:r>
-              <a:rPr lang="de-DE" dirty="0"/>
+              <a:rPr lang="de-DE" sz="2800" dirty="0"/>
               <a:t> Extension</a:t>
             </a:r>
           </a:p>
@@ -14481,15 +13905,15 @@
               <a:buFont typeface="Wingdings" panose="05000000000000000000" pitchFamily="2" charset="2"/>
               <a:buChar char="Ø"/>
             </a:pPr>
-            <a:endParaRPr lang="de-DE" dirty="0"/>
+            <a:endParaRPr lang="de-DE" sz="2800" dirty="0"/>
           </a:p>
           <a:p>
             <a:r>
-              <a:rPr lang="de-DE" b="1" dirty="0" err="1"/>
+              <a:rPr lang="de-DE" sz="2800" b="1" dirty="0" err="1"/>
               <a:t>Texture</a:t>
             </a:r>
             <a:r>
-              <a:rPr lang="de-DE" b="1" dirty="0"/>
+              <a:rPr lang="de-DE" sz="2800" b="1" dirty="0"/>
               <a:t> Pack:</a:t>
             </a:r>
           </a:p>
@@ -14499,7 +13923,7 @@
               <a:buChar char="Ø"/>
             </a:pPr>
             <a:r>
-              <a:rPr lang="de-DE" dirty="0"/>
+              <a:rPr lang="de-DE" sz="2800" dirty="0"/>
               <a:t> Unity Asset Store</a:t>
             </a:r>
           </a:p>
@@ -14507,10 +13931,10 @@
       </p:sp>
       <p:pic>
         <p:nvPicPr>
-          <p:cNvPr id="7" name="Grafik 6">
+          <p:cNvPr id="9" name="Grafik 8">
             <a:extLst>
               <a:ext uri="{FF2B5EF4-FFF2-40B4-BE49-F238E27FC236}">
-                <a16:creationId xmlns:a16="http://schemas.microsoft.com/office/drawing/2014/main" id="{98653DB1-BFBD-2FA3-7FF5-9E0BD9D1DB30}"/>
+                <a16:creationId xmlns:a16="http://schemas.microsoft.com/office/drawing/2014/main" id="{711A1ECC-E765-28EE-ED64-87FF760EAA53}"/>
               </a:ext>
             </a:extLst>
           </p:cNvPr>
@@ -14527,37 +13951,7 @@
         </p:blipFill>
         <p:spPr>
           <a:xfrm>
-            <a:off x="6213655" y="160313"/>
-            <a:ext cx="5765743" cy="2827375"/>
-          </a:xfrm>
-          <a:prstGeom prst="rect">
-            <a:avLst/>
-          </a:prstGeom>
-        </p:spPr>
-      </p:pic>
-      <p:pic>
-        <p:nvPicPr>
-          <p:cNvPr id="9" name="Grafik 8">
-            <a:extLst>
-              <a:ext uri="{FF2B5EF4-FFF2-40B4-BE49-F238E27FC236}">
-                <a16:creationId xmlns:a16="http://schemas.microsoft.com/office/drawing/2014/main" id="{711A1ECC-E765-28EE-ED64-87FF760EAA53}"/>
-              </a:ext>
-            </a:extLst>
-          </p:cNvPr>
-          <p:cNvPicPr>
-            <a:picLocks noChangeAspect="1"/>
-          </p:cNvPicPr>
-          <p:nvPr/>
-        </p:nvPicPr>
-        <p:blipFill>
-          <a:blip r:embed="rId3"/>
-          <a:stretch>
-            <a:fillRect/>
-          </a:stretch>
-        </p:blipFill>
-        <p:spPr>
-          <a:xfrm>
-            <a:off x="212598" y="3308751"/>
+            <a:off x="6322842" y="77771"/>
             <a:ext cx="5765743" cy="3347851"/>
           </a:xfrm>
           <a:prstGeom prst="rect">
@@ -14580,14 +13974,14 @@
           <p:nvPr/>
         </p:nvPicPr>
         <p:blipFill>
-          <a:blip r:embed="rId4"/>
+          <a:blip r:embed="rId3"/>
           <a:stretch>
             <a:fillRect/>
           </a:stretch>
         </p:blipFill>
         <p:spPr>
           <a:xfrm>
-            <a:off x="6213656" y="3308751"/>
+            <a:off x="6322842" y="3429000"/>
             <a:ext cx="5765742" cy="3351229"/>
           </a:xfrm>
           <a:prstGeom prst="rect">
@@ -14617,6 +14011,9 @@
                     <p:cTn id="3" fill="hold">
                       <p:stCondLst>
                         <p:cond delay="indefinite"/>
+                        <p:cond evt="onBegin" delay="0">
+                          <p:tn val="2"/>
+                        </p:cond>
                       </p:stCondLst>
                       <p:childTnLst>
                         <p:par>
@@ -14626,7 +14023,7 @@
                             </p:stCondLst>
                             <p:childTnLst>
                               <p:par>
-                                <p:cTn id="5" presetID="10" presetClass="entr" presetSubtype="0" fill="hold" nodeType="clickEffect">
+                                <p:cTn id="5" presetID="10" presetClass="entr" presetSubtype="0" fill="hold" nodeType="withEffect">
                                   <p:stCondLst>
                                     <p:cond delay="0"/>
                                   </p:stCondLst>
@@ -14634,41 +14031,6 @@
                                     <p:set>
                                       <p:cBhvr>
                                         <p:cTn id="6" dur="1" fill="hold">
-                                          <p:stCondLst>
-                                            <p:cond delay="0"/>
-                                          </p:stCondLst>
-                                        </p:cTn>
-                                        <p:tgtEl>
-                                          <p:spTgt spid="7"/>
-                                        </p:tgtEl>
-                                        <p:attrNameLst>
-                                          <p:attrName>style.visibility</p:attrName>
-                                        </p:attrNameLst>
-                                      </p:cBhvr>
-                                      <p:to>
-                                        <p:strVal val="visible"/>
-                                      </p:to>
-                                    </p:set>
-                                    <p:animEffect transition="in" filter="fade">
-                                      <p:cBhvr>
-                                        <p:cTn id="7" dur="500"/>
-                                        <p:tgtEl>
-                                          <p:spTgt spid="7"/>
-                                        </p:tgtEl>
-                                      </p:cBhvr>
-                                    </p:animEffect>
-                                  </p:childTnLst>
-                                </p:cTn>
-                              </p:par>
-                              <p:par>
-                                <p:cTn id="8" presetID="10" presetClass="entr" presetSubtype="0" fill="hold" nodeType="withEffect">
-                                  <p:stCondLst>
-                                    <p:cond delay="0"/>
-                                  </p:stCondLst>
-                                  <p:childTnLst>
-                                    <p:set>
-                                      <p:cBhvr>
-                                        <p:cTn id="9" dur="1" fill="hold">
                                           <p:stCondLst>
                                             <p:cond delay="0"/>
                                           </p:stCondLst>
@@ -14686,7 +14048,7 @@
                                     </p:set>
                                     <p:animEffect transition="in" filter="fade">
                                       <p:cBhvr>
-                                        <p:cTn id="10" dur="500"/>
+                                        <p:cTn id="7" dur="500"/>
                                         <p:tgtEl>
                                           <p:spTgt spid="11"/>
                                         </p:tgtEl>
@@ -14702,26 +14064,26 @@
                     </p:cTn>
                   </p:par>
                   <p:par>
-                    <p:cTn id="11" fill="hold">
+                    <p:cTn id="8" fill="hold">
                       <p:stCondLst>
                         <p:cond delay="indefinite"/>
                       </p:stCondLst>
                       <p:childTnLst>
                         <p:par>
-                          <p:cTn id="12" fill="hold">
+                          <p:cTn id="9" fill="hold">
                             <p:stCondLst>
                               <p:cond delay="0"/>
                             </p:stCondLst>
                             <p:childTnLst>
                               <p:par>
-                                <p:cTn id="13" presetID="10" presetClass="entr" presetSubtype="0" fill="hold" nodeType="clickEffect">
+                                <p:cTn id="10" presetID="10" presetClass="entr" presetSubtype="0" fill="hold" nodeType="clickEffect">
                                   <p:stCondLst>
                                     <p:cond delay="0"/>
                                   </p:stCondLst>
                                   <p:childTnLst>
                                     <p:set>
                                       <p:cBhvr>
-                                        <p:cTn id="14" dur="1" fill="hold">
+                                        <p:cTn id="11" dur="1" fill="hold">
                                           <p:stCondLst>
                                             <p:cond delay="0"/>
                                           </p:stCondLst>
@@ -14739,7 +14101,7 @@
                                     </p:set>
                                     <p:animEffect transition="in" filter="fade">
                                       <p:cBhvr>
-                                        <p:cTn id="15" dur="500"/>
+                                        <p:cTn id="12" dur="500"/>
                                         <p:tgtEl>
                                           <p:spTgt spid="9"/>
                                         </p:tgtEl>
@@ -14776,6 +14138,180 @@
       </p:par>
     </p:tnLst>
   </p:timing>
+</p:sld>
+</file>
+
+<file path=ppt/slides/slide6.xml><?xml version="1.0" encoding="utf-8"?>
+<p:sld xmlns:a="http://schemas.openxmlformats.org/drawingml/2006/main" xmlns:r="http://schemas.openxmlformats.org/officeDocument/2006/relationships" xmlns:p="http://schemas.openxmlformats.org/presentationml/2006/main">
+  <p:cSld>
+    <p:spTree>
+      <p:nvGrpSpPr>
+        <p:cNvPr id="1" name=""/>
+        <p:cNvGrpSpPr/>
+        <p:nvPr/>
+      </p:nvGrpSpPr>
+      <p:grpSpPr>
+        <a:xfrm>
+          <a:off x="0" y="0"/>
+          <a:ext cx="0" cy="0"/>
+          <a:chOff x="0" y="0"/>
+          <a:chExt cx="0" cy="0"/>
+        </a:xfrm>
+      </p:grpSpPr>
+      <p:sp>
+        <p:nvSpPr>
+          <p:cNvPr id="2" name="Titel 1">
+            <a:extLst>
+              <a:ext uri="{FF2B5EF4-FFF2-40B4-BE49-F238E27FC236}">
+                <a16:creationId xmlns:a16="http://schemas.microsoft.com/office/drawing/2014/main" id="{641AC91C-2C8B-F45B-2307-635DEE20B586}"/>
+              </a:ext>
+            </a:extLst>
+          </p:cNvPr>
+          <p:cNvSpPr>
+            <a:spLocks noGrp="1"/>
+          </p:cNvSpPr>
+          <p:nvPr>
+            <p:ph type="title"/>
+          </p:nvPr>
+        </p:nvSpPr>
+        <p:spPr>
+          <a:xfrm>
+            <a:off x="597468" y="493595"/>
+            <a:ext cx="9076329" cy="1064277"/>
+          </a:xfrm>
+        </p:spPr>
+        <p:txBody>
+          <a:bodyPr/>
+          <a:lstStyle/>
+          <a:p>
+            <a:r>
+              <a:rPr lang="de-DE" dirty="0"/>
+              <a:t>Links:</a:t>
+            </a:r>
+          </a:p>
+        </p:txBody>
+      </p:sp>
+      <p:sp>
+        <p:nvSpPr>
+          <p:cNvPr id="3" name="Inhaltsplatzhalter 2">
+            <a:extLst>
+              <a:ext uri="{FF2B5EF4-FFF2-40B4-BE49-F238E27FC236}">
+                <a16:creationId xmlns:a16="http://schemas.microsoft.com/office/drawing/2014/main" id="{42769C6D-2870-08D8-2190-5AB1494C17AA}"/>
+              </a:ext>
+            </a:extLst>
+          </p:cNvPr>
+          <p:cNvSpPr>
+            <a:spLocks noGrp="1"/>
+          </p:cNvSpPr>
+          <p:nvPr>
+            <p:ph idx="1"/>
+          </p:nvPr>
+        </p:nvSpPr>
+        <p:spPr>
+          <a:xfrm>
+            <a:off x="741279" y="1999576"/>
+            <a:ext cx="10709441" cy="3979193"/>
+          </a:xfrm>
+        </p:spPr>
+        <p:txBody>
+          <a:bodyPr/>
+          <a:lstStyle/>
+          <a:p>
+            <a:r>
+              <a:rPr lang="de-DE" dirty="0"/>
+              <a:t>Bilder:</a:t>
+            </a:r>
+          </a:p>
+          <a:p>
+            <a:pPr lvl="2"/>
+            <a:r>
+              <a:rPr lang="de-DE" dirty="0">
+                <a:hlinkClick r:id="rId2"/>
+              </a:rPr>
+              <a:t>https://play.google.com/store/apps/details?id=com.github.android&amp;hl=en_US&amp;gl=US&amp;pli=1</a:t>
+            </a:r>
+            <a:r>
+              <a:rPr lang="de-DE" dirty="0"/>
+              <a:t> (GitHub Logo)</a:t>
+            </a:r>
+          </a:p>
+          <a:p>
+            <a:pPr lvl="2"/>
+            <a:r>
+              <a:rPr lang="de-DE" dirty="0">
+                <a:hlinkClick r:id="rId3"/>
+              </a:rPr>
+              <a:t>https://licendi.com/de/blog/tipps-fuer-microsoft-visual-studio/</a:t>
+            </a:r>
+            <a:r>
+              <a:rPr lang="de-DE" dirty="0"/>
+              <a:t> (VS Logo)</a:t>
+            </a:r>
+          </a:p>
+          <a:p>
+            <a:pPr lvl="2"/>
+            <a:r>
+              <a:rPr lang="de-DE" dirty="0">
+                <a:hlinkClick r:id="rId4"/>
+              </a:rPr>
+              <a:t>https://de.wikipedia.org/wiki/Unity_%28Spiel-Engine%29</a:t>
+            </a:r>
+            <a:r>
+              <a:rPr lang="de-DE" dirty="0"/>
+              <a:t> (Unity Logo)</a:t>
+            </a:r>
+          </a:p>
+          <a:p>
+            <a:pPr marL="320040" lvl="2" indent="0">
+              <a:buNone/>
+            </a:pPr>
+            <a:endParaRPr lang="de-DE" dirty="0"/>
+          </a:p>
+          <a:p>
+            <a:pPr marL="0"/>
+            <a:r>
+              <a:rPr lang="de-DE" dirty="0"/>
+              <a:t>Assets</a:t>
+            </a:r>
+          </a:p>
+          <a:p>
+            <a:pPr marL="594360" lvl="4"/>
+            <a:r>
+              <a:rPr lang="de-DE" sz="1600" dirty="0">
+                <a:hlinkClick r:id="rId5"/>
+              </a:rPr>
+              <a:t>https://assetstore.unity.com/packages/2d/characters/pixel-adventure-1-155360</a:t>
+            </a:r>
+            <a:r>
+              <a:rPr lang="de-DE" sz="1600" dirty="0"/>
+              <a:t> (Pixel Adventure 1)</a:t>
+            </a:r>
+          </a:p>
+          <a:p>
+            <a:pPr marL="594360" lvl="4"/>
+            <a:r>
+              <a:rPr lang="de-DE" sz="1600" dirty="0">
+                <a:hlinkClick r:id="rId6"/>
+              </a:rPr>
+              <a:t>https://assetstore.unity.com/packages/2d/characters/pixel-adventure-2-155418</a:t>
+            </a:r>
+            <a:r>
+              <a:rPr lang="de-DE" sz="1600" dirty="0"/>
+              <a:t> (Pixel Adventure 2)</a:t>
+            </a:r>
+          </a:p>
+        </p:txBody>
+      </p:sp>
+    </p:spTree>
+    <p:extLst>
+      <p:ext uri="{BB962C8B-B14F-4D97-AF65-F5344CB8AC3E}">
+        <p14:creationId xmlns:p14="http://schemas.microsoft.com/office/powerpoint/2010/main" val="3212899767"/>
+      </p:ext>
+    </p:extLst>
+  </p:cSld>
+  <p:clrMapOvr>
+    <a:masterClrMapping/>
+  </p:clrMapOvr>
 </p:sld>
 </file>
 

--- a/Stand der Dinge.pptx
+++ b/Stand der Dinge.pptx
@@ -9,8 +9,11 @@
     <p:sldId id="257" r:id="rId3"/>
     <p:sldId id="259" r:id="rId4"/>
     <p:sldId id="258" r:id="rId5"/>
-    <p:sldId id="262" r:id="rId6"/>
-    <p:sldId id="265" r:id="rId7"/>
+    <p:sldId id="266" r:id="rId6"/>
+    <p:sldId id="268" r:id="rId7"/>
+    <p:sldId id="262" r:id="rId8"/>
+    <p:sldId id="267" r:id="rId9"/>
+    <p:sldId id="265" r:id="rId10"/>
   </p:sldIdLst>
   <p:sldSz cx="12192000" cy="6858000"/>
   <p:notesSz cx="6858000" cy="9144000"/>
@@ -115,6 +118,3364 @@
     </p:ext>
   </p:extLst>
 </p:presentation>
+</file>
+
+<file path=ppt/diagrams/colors1.xml><?xml version="1.0" encoding="utf-8"?>
+<dgm:colorsDef xmlns:dgm="http://schemas.openxmlformats.org/drawingml/2006/diagram" xmlns:a="http://schemas.openxmlformats.org/drawingml/2006/main" uniqueId="urn:microsoft.com/office/officeart/2005/8/colors/colorful2">
+  <dgm:title val=""/>
+  <dgm:desc val=""/>
+  <dgm:catLst>
+    <dgm:cat type="colorful" pri="10200"/>
+  </dgm:catLst>
+  <dgm:styleLbl name="node0">
+    <dgm:fillClrLst meth="repeat">
+      <a:schemeClr val="accent1"/>
+    </dgm:fillClrLst>
+    <dgm:linClrLst meth="repeat">
+      <a:schemeClr val="lt1"/>
+    </dgm:linClrLst>
+    <dgm:effectClrLst/>
+    <dgm:txLinClrLst/>
+    <dgm:txFillClrLst/>
+    <dgm:txEffectClrLst/>
+  </dgm:styleLbl>
+  <dgm:styleLbl name="node1">
+    <dgm:fillClrLst>
+      <a:schemeClr val="accent2"/>
+      <a:schemeClr val="accent3"/>
+    </dgm:fillClrLst>
+    <dgm:linClrLst meth="repeat">
+      <a:schemeClr val="lt1"/>
+    </dgm:linClrLst>
+    <dgm:effectClrLst/>
+    <dgm:txLinClrLst/>
+    <dgm:txFillClrLst/>
+    <dgm:txEffectClrLst/>
+  </dgm:styleLbl>
+  <dgm:styleLbl name="alignNode1">
+    <dgm:fillClrLst>
+      <a:schemeClr val="accent2"/>
+      <a:schemeClr val="accent3"/>
+    </dgm:fillClrLst>
+    <dgm:linClrLst>
+      <a:schemeClr val="accent2"/>
+      <a:schemeClr val="accent3"/>
+    </dgm:linClrLst>
+    <dgm:effectClrLst/>
+    <dgm:txLinClrLst/>
+    <dgm:txFillClrLst/>
+    <dgm:txEffectClrLst/>
+  </dgm:styleLbl>
+  <dgm:styleLbl name="lnNode1">
+    <dgm:fillClrLst>
+      <a:schemeClr val="accent2"/>
+      <a:schemeClr val="accent3"/>
+    </dgm:fillClrLst>
+    <dgm:linClrLst meth="repeat">
+      <a:schemeClr val="lt1"/>
+    </dgm:linClrLst>
+    <dgm:effectClrLst/>
+    <dgm:txLinClrLst/>
+    <dgm:txFillClrLst/>
+    <dgm:txEffectClrLst/>
+  </dgm:styleLbl>
+  <dgm:styleLbl name="vennNode1">
+    <dgm:fillClrLst>
+      <a:schemeClr val="accent2">
+        <a:alpha val="50000"/>
+      </a:schemeClr>
+      <a:schemeClr val="accent3">
+        <a:alpha val="50000"/>
+      </a:schemeClr>
+    </dgm:fillClrLst>
+    <dgm:linClrLst meth="repeat">
+      <a:schemeClr val="lt1"/>
+    </dgm:linClrLst>
+    <dgm:effectClrLst/>
+    <dgm:txLinClrLst/>
+    <dgm:txFillClrLst/>
+    <dgm:txEffectClrLst/>
+  </dgm:styleLbl>
+  <dgm:styleLbl name="node2">
+    <dgm:fillClrLst>
+      <a:schemeClr val="accent3"/>
+    </dgm:fillClrLst>
+    <dgm:linClrLst meth="repeat">
+      <a:schemeClr val="lt1"/>
+    </dgm:linClrLst>
+    <dgm:effectClrLst/>
+    <dgm:txLinClrLst/>
+    <dgm:txFillClrLst/>
+    <dgm:txEffectClrLst/>
+  </dgm:styleLbl>
+  <dgm:styleLbl name="node3">
+    <dgm:fillClrLst>
+      <a:schemeClr val="accent4"/>
+    </dgm:fillClrLst>
+    <dgm:linClrLst meth="repeat">
+      <a:schemeClr val="lt1"/>
+    </dgm:linClrLst>
+    <dgm:effectClrLst/>
+    <dgm:txLinClrLst/>
+    <dgm:txFillClrLst/>
+    <dgm:txEffectClrLst/>
+  </dgm:styleLbl>
+  <dgm:styleLbl name="node4">
+    <dgm:fillClrLst>
+      <a:schemeClr val="accent5"/>
+    </dgm:fillClrLst>
+    <dgm:linClrLst meth="repeat">
+      <a:schemeClr val="lt1"/>
+    </dgm:linClrLst>
+    <dgm:effectClrLst/>
+    <dgm:txLinClrLst/>
+    <dgm:txFillClrLst/>
+    <dgm:txEffectClrLst/>
+  </dgm:styleLbl>
+  <dgm:styleLbl name="fgImgPlace1">
+    <dgm:fillClrLst>
+      <a:schemeClr val="accent2">
+        <a:tint val="50000"/>
+      </a:schemeClr>
+      <a:schemeClr val="accent3">
+        <a:tint val="50000"/>
+      </a:schemeClr>
+    </dgm:fillClrLst>
+    <dgm:linClrLst meth="repeat">
+      <a:schemeClr val="lt1"/>
+    </dgm:linClrLst>
+    <dgm:effectClrLst/>
+    <dgm:txLinClrLst/>
+    <dgm:txFillClrLst meth="repeat">
+      <a:schemeClr val="lt1"/>
+    </dgm:txFillClrLst>
+    <dgm:txEffectClrLst/>
+  </dgm:styleLbl>
+  <dgm:styleLbl name="alignImgPlace1">
+    <dgm:fillClrLst>
+      <a:schemeClr val="accent2">
+        <a:tint val="50000"/>
+      </a:schemeClr>
+      <a:schemeClr val="accent3">
+        <a:tint val="20000"/>
+      </a:schemeClr>
+    </dgm:fillClrLst>
+    <dgm:linClrLst meth="repeat">
+      <a:schemeClr val="lt1"/>
+    </dgm:linClrLst>
+    <dgm:effectClrLst/>
+    <dgm:txLinClrLst/>
+    <dgm:txFillClrLst meth="repeat">
+      <a:schemeClr val="lt1"/>
+    </dgm:txFillClrLst>
+    <dgm:txEffectClrLst/>
+  </dgm:styleLbl>
+  <dgm:styleLbl name="bgImgPlace1">
+    <dgm:fillClrLst>
+      <a:schemeClr val="accent2">
+        <a:tint val="50000"/>
+      </a:schemeClr>
+      <a:schemeClr val="accent3">
+        <a:tint val="20000"/>
+      </a:schemeClr>
+    </dgm:fillClrLst>
+    <dgm:linClrLst meth="repeat">
+      <a:schemeClr val="lt1"/>
+    </dgm:linClrLst>
+    <dgm:effectClrLst/>
+    <dgm:txLinClrLst/>
+    <dgm:txFillClrLst meth="repeat">
+      <a:schemeClr val="lt1"/>
+    </dgm:txFillClrLst>
+    <dgm:txEffectClrLst/>
+  </dgm:styleLbl>
+  <dgm:styleLbl name="sibTrans2D1">
+    <dgm:fillClrLst>
+      <a:schemeClr val="accent2"/>
+      <a:schemeClr val="accent3"/>
+    </dgm:fillClrLst>
+    <dgm:linClrLst meth="repeat">
+      <a:schemeClr val="lt1"/>
+    </dgm:linClrLst>
+    <dgm:effectClrLst/>
+    <dgm:txLinClrLst/>
+    <dgm:txFillClrLst/>
+    <dgm:txEffectClrLst/>
+  </dgm:styleLbl>
+  <dgm:styleLbl name="fgSibTrans2D1">
+    <dgm:fillClrLst>
+      <a:schemeClr val="accent2"/>
+      <a:schemeClr val="accent3"/>
+    </dgm:fillClrLst>
+    <dgm:linClrLst meth="repeat">
+      <a:schemeClr val="lt1"/>
+    </dgm:linClrLst>
+    <dgm:effectClrLst/>
+    <dgm:txLinClrLst/>
+    <dgm:txFillClrLst meth="repeat">
+      <a:schemeClr val="lt1"/>
+    </dgm:txFillClrLst>
+    <dgm:txEffectClrLst/>
+  </dgm:styleLbl>
+  <dgm:styleLbl name="bgSibTrans2D1">
+    <dgm:fillClrLst>
+      <a:schemeClr val="accent2"/>
+      <a:schemeClr val="accent3"/>
+    </dgm:fillClrLst>
+    <dgm:linClrLst meth="repeat">
+      <a:schemeClr val="lt1"/>
+    </dgm:linClrLst>
+    <dgm:effectClrLst/>
+    <dgm:txLinClrLst/>
+    <dgm:txFillClrLst meth="repeat">
+      <a:schemeClr val="lt1"/>
+    </dgm:txFillClrLst>
+    <dgm:txEffectClrLst/>
+  </dgm:styleLbl>
+  <dgm:styleLbl name="sibTrans1D1">
+    <dgm:fillClrLst/>
+    <dgm:linClrLst>
+      <a:schemeClr val="accent2"/>
+      <a:schemeClr val="accent3"/>
+    </dgm:linClrLst>
+    <dgm:effectClrLst/>
+    <dgm:txLinClrLst/>
+    <dgm:txFillClrLst meth="repeat">
+      <a:schemeClr val="tx1"/>
+    </dgm:txFillClrLst>
+    <dgm:txEffectClrLst/>
+  </dgm:styleLbl>
+  <dgm:styleLbl name="callout">
+    <dgm:fillClrLst meth="repeat">
+      <a:schemeClr val="accent2"/>
+    </dgm:fillClrLst>
+    <dgm:linClrLst meth="repeat">
+      <a:schemeClr val="accent2">
+        <a:tint val="50000"/>
+      </a:schemeClr>
+    </dgm:linClrLst>
+    <dgm:effectClrLst/>
+    <dgm:txLinClrLst/>
+    <dgm:txFillClrLst meth="repeat">
+      <a:schemeClr val="tx1"/>
+    </dgm:txFillClrLst>
+    <dgm:txEffectClrLst/>
+  </dgm:styleLbl>
+  <dgm:styleLbl name="asst0">
+    <dgm:fillClrLst meth="repeat">
+      <a:schemeClr val="accent2"/>
+    </dgm:fillClrLst>
+    <dgm:linClrLst meth="repeat">
+      <a:schemeClr val="lt1">
+        <a:shade val="80000"/>
+      </a:schemeClr>
+    </dgm:linClrLst>
+    <dgm:effectClrLst/>
+    <dgm:txLinClrLst/>
+    <dgm:txFillClrLst/>
+    <dgm:txEffectClrLst/>
+  </dgm:styleLbl>
+  <dgm:styleLbl name="asst1">
+    <dgm:fillClrLst meth="repeat">
+      <a:schemeClr val="accent3"/>
+    </dgm:fillClrLst>
+    <dgm:linClrLst meth="repeat">
+      <a:schemeClr val="lt1">
+        <a:shade val="80000"/>
+      </a:schemeClr>
+    </dgm:linClrLst>
+    <dgm:effectClrLst/>
+    <dgm:txLinClrLst/>
+    <dgm:txFillClrLst/>
+    <dgm:txEffectClrLst/>
+  </dgm:styleLbl>
+  <dgm:styleLbl name="asst2">
+    <dgm:fillClrLst>
+      <a:schemeClr val="accent4"/>
+    </dgm:fillClrLst>
+    <dgm:linClrLst meth="repeat">
+      <a:schemeClr val="lt1"/>
+    </dgm:linClrLst>
+    <dgm:effectClrLst/>
+    <dgm:txLinClrLst/>
+    <dgm:txFillClrLst/>
+    <dgm:txEffectClrLst/>
+  </dgm:styleLbl>
+  <dgm:styleLbl name="asst3">
+    <dgm:fillClrLst>
+      <a:schemeClr val="accent5"/>
+    </dgm:fillClrLst>
+    <dgm:linClrLst meth="repeat">
+      <a:schemeClr val="lt1"/>
+    </dgm:linClrLst>
+    <dgm:effectClrLst/>
+    <dgm:txLinClrLst/>
+    <dgm:txFillClrLst/>
+    <dgm:txEffectClrLst/>
+  </dgm:styleLbl>
+  <dgm:styleLbl name="asst4">
+    <dgm:fillClrLst>
+      <a:schemeClr val="accent6"/>
+    </dgm:fillClrLst>
+    <dgm:linClrLst meth="repeat">
+      <a:schemeClr val="lt1"/>
+    </dgm:linClrLst>
+    <dgm:effectClrLst/>
+    <dgm:txLinClrLst/>
+    <dgm:txFillClrLst/>
+    <dgm:txEffectClrLst/>
+  </dgm:styleLbl>
+  <dgm:styleLbl name="parChTrans2D1">
+    <dgm:fillClrLst meth="repeat">
+      <a:schemeClr val="accent2"/>
+    </dgm:fillClrLst>
+    <dgm:linClrLst meth="repeat">
+      <a:schemeClr val="lt1"/>
+    </dgm:linClrLst>
+    <dgm:effectClrLst/>
+    <dgm:txLinClrLst/>
+    <dgm:txFillClrLst meth="repeat">
+      <a:schemeClr val="lt1"/>
+    </dgm:txFillClrLst>
+    <dgm:txEffectClrLst/>
+  </dgm:styleLbl>
+  <dgm:styleLbl name="parChTrans2D2">
+    <dgm:fillClrLst meth="repeat">
+      <a:schemeClr val="accent3"/>
+    </dgm:fillClrLst>
+    <dgm:linClrLst meth="repeat">
+      <a:schemeClr val="lt1"/>
+    </dgm:linClrLst>
+    <dgm:effectClrLst/>
+    <dgm:txLinClrLst/>
+    <dgm:txFillClrLst/>
+    <dgm:txEffectClrLst/>
+  </dgm:styleLbl>
+  <dgm:styleLbl name="parChTrans2D3">
+    <dgm:fillClrLst meth="repeat">
+      <a:schemeClr val="accent4"/>
+    </dgm:fillClrLst>
+    <dgm:linClrLst meth="repeat">
+      <a:schemeClr val="lt1"/>
+    </dgm:linClrLst>
+    <dgm:effectClrLst/>
+    <dgm:txLinClrLst/>
+    <dgm:txFillClrLst/>
+    <dgm:txEffectClrLst/>
+  </dgm:styleLbl>
+  <dgm:styleLbl name="parChTrans2D4">
+    <dgm:fillClrLst meth="repeat">
+      <a:schemeClr val="accent5"/>
+    </dgm:fillClrLst>
+    <dgm:linClrLst meth="repeat">
+      <a:schemeClr val="lt1"/>
+    </dgm:linClrLst>
+    <dgm:effectClrLst/>
+    <dgm:txLinClrLst/>
+    <dgm:txFillClrLst meth="repeat">
+      <a:schemeClr val="lt1"/>
+    </dgm:txFillClrLst>
+    <dgm:txEffectClrLst/>
+  </dgm:styleLbl>
+  <dgm:styleLbl name="parChTrans1D1">
+    <dgm:fillClrLst meth="repeat">
+      <a:schemeClr val="accent2"/>
+    </dgm:fillClrLst>
+    <dgm:linClrLst meth="repeat">
+      <a:schemeClr val="accent2"/>
+    </dgm:linClrLst>
+    <dgm:effectClrLst/>
+    <dgm:txLinClrLst/>
+    <dgm:txFillClrLst meth="repeat">
+      <a:schemeClr val="tx1"/>
+    </dgm:txFillClrLst>
+    <dgm:txEffectClrLst/>
+  </dgm:styleLbl>
+  <dgm:styleLbl name="parChTrans1D2">
+    <dgm:fillClrLst meth="repeat">
+      <a:schemeClr val="accent2">
+        <a:tint val="90000"/>
+      </a:schemeClr>
+    </dgm:fillClrLst>
+    <dgm:linClrLst meth="repeat">
+      <a:schemeClr val="accent3"/>
+    </dgm:linClrLst>
+    <dgm:effectClrLst/>
+    <dgm:txLinClrLst/>
+    <dgm:txFillClrLst meth="repeat">
+      <a:schemeClr val="tx1"/>
+    </dgm:txFillClrLst>
+    <dgm:txEffectClrLst/>
+  </dgm:styleLbl>
+  <dgm:styleLbl name="parChTrans1D3">
+    <dgm:fillClrLst meth="repeat">
+      <a:schemeClr val="accent2">
+        <a:tint val="70000"/>
+      </a:schemeClr>
+    </dgm:fillClrLst>
+    <dgm:linClrLst meth="repeat">
+      <a:schemeClr val="accent4"/>
+    </dgm:linClrLst>
+    <dgm:effectClrLst/>
+    <dgm:txLinClrLst/>
+    <dgm:txFillClrLst meth="repeat">
+      <a:schemeClr val="tx1"/>
+    </dgm:txFillClrLst>
+    <dgm:txEffectClrLst/>
+  </dgm:styleLbl>
+  <dgm:styleLbl name="parChTrans1D4">
+    <dgm:fillClrLst meth="repeat">
+      <a:schemeClr val="accent2">
+        <a:tint val="50000"/>
+      </a:schemeClr>
+    </dgm:fillClrLst>
+    <dgm:linClrLst meth="repeat">
+      <a:schemeClr val="accent5"/>
+    </dgm:linClrLst>
+    <dgm:effectClrLst/>
+    <dgm:txLinClrLst/>
+    <dgm:txFillClrLst meth="repeat">
+      <a:schemeClr val="tx1"/>
+    </dgm:txFillClrLst>
+    <dgm:txEffectClrLst/>
+  </dgm:styleLbl>
+  <dgm:styleLbl name="fgAcc1">
+    <dgm:fillClrLst meth="repeat">
+      <a:schemeClr val="lt1">
+        <a:alpha val="90000"/>
+      </a:schemeClr>
+    </dgm:fillClrLst>
+    <dgm:linClrLst>
+      <a:schemeClr val="accent2"/>
+      <a:schemeClr val="accent3"/>
+    </dgm:linClrLst>
+    <dgm:effectClrLst/>
+    <dgm:txLinClrLst/>
+    <dgm:txFillClrLst meth="repeat">
+      <a:schemeClr val="dk1"/>
+    </dgm:txFillClrLst>
+    <dgm:txEffectClrLst/>
+  </dgm:styleLbl>
+  <dgm:styleLbl name="conFgAcc1">
+    <dgm:fillClrLst meth="repeat">
+      <a:schemeClr val="lt1">
+        <a:alpha val="90000"/>
+      </a:schemeClr>
+    </dgm:fillClrLst>
+    <dgm:linClrLst>
+      <a:schemeClr val="accent2"/>
+      <a:schemeClr val="accent3"/>
+    </dgm:linClrLst>
+    <dgm:effectClrLst/>
+    <dgm:txLinClrLst/>
+    <dgm:txFillClrLst meth="repeat">
+      <a:schemeClr val="dk1"/>
+    </dgm:txFillClrLst>
+    <dgm:txEffectClrLst/>
+  </dgm:styleLbl>
+  <dgm:styleLbl name="alignAcc1">
+    <dgm:fillClrLst meth="repeat">
+      <a:schemeClr val="lt1">
+        <a:alpha val="90000"/>
+      </a:schemeClr>
+    </dgm:fillClrLst>
+    <dgm:linClrLst>
+      <a:schemeClr val="accent2"/>
+      <a:schemeClr val="accent3"/>
+    </dgm:linClrLst>
+    <dgm:effectClrLst/>
+    <dgm:txLinClrLst/>
+    <dgm:txFillClrLst meth="repeat">
+      <a:schemeClr val="dk1"/>
+    </dgm:txFillClrLst>
+    <dgm:txEffectClrLst/>
+  </dgm:styleLbl>
+  <dgm:styleLbl name="trAlignAcc1">
+    <dgm:fillClrLst meth="repeat">
+      <a:schemeClr val="lt1">
+        <a:alpha val="40000"/>
+      </a:schemeClr>
+    </dgm:fillClrLst>
+    <dgm:linClrLst meth="repeat">
+      <a:schemeClr val="accent2"/>
+    </dgm:linClrLst>
+    <dgm:effectClrLst/>
+    <dgm:txLinClrLst/>
+    <dgm:txFillClrLst meth="repeat">
+      <a:schemeClr val="dk1"/>
+    </dgm:txFillClrLst>
+    <dgm:txEffectClrLst/>
+  </dgm:styleLbl>
+  <dgm:styleLbl name="bgAcc1">
+    <dgm:fillClrLst meth="repeat">
+      <a:schemeClr val="lt1">
+        <a:alpha val="90000"/>
+      </a:schemeClr>
+    </dgm:fillClrLst>
+    <dgm:linClrLst>
+      <a:schemeClr val="accent2"/>
+      <a:schemeClr val="accent3"/>
+    </dgm:linClrLst>
+    <dgm:effectClrLst/>
+    <dgm:txLinClrLst/>
+    <dgm:txFillClrLst meth="repeat">
+      <a:schemeClr val="dk1"/>
+    </dgm:txFillClrLst>
+    <dgm:txEffectClrLst/>
+  </dgm:styleLbl>
+  <dgm:styleLbl name="solidFgAcc1">
+    <dgm:fillClrLst meth="repeat">
+      <a:schemeClr val="lt1"/>
+    </dgm:fillClrLst>
+    <dgm:linClrLst>
+      <a:schemeClr val="accent2"/>
+      <a:schemeClr val="accent3"/>
+    </dgm:linClrLst>
+    <dgm:effectClrLst/>
+    <dgm:txLinClrLst/>
+    <dgm:txFillClrLst meth="repeat">
+      <a:schemeClr val="dk1"/>
+    </dgm:txFillClrLst>
+    <dgm:txEffectClrLst/>
+  </dgm:styleLbl>
+  <dgm:styleLbl name="solidAlignAcc1">
+    <dgm:fillClrLst meth="repeat">
+      <a:schemeClr val="lt1"/>
+    </dgm:fillClrLst>
+    <dgm:linClrLst>
+      <a:schemeClr val="accent2"/>
+      <a:schemeClr val="accent3"/>
+    </dgm:linClrLst>
+    <dgm:effectClrLst/>
+    <dgm:txLinClrLst/>
+    <dgm:txFillClrLst meth="repeat">
+      <a:schemeClr val="dk1"/>
+    </dgm:txFillClrLst>
+    <dgm:txEffectClrLst/>
+  </dgm:styleLbl>
+  <dgm:styleLbl name="solidBgAcc1">
+    <dgm:fillClrLst meth="repeat">
+      <a:schemeClr val="lt1"/>
+    </dgm:fillClrLst>
+    <dgm:linClrLst>
+      <a:schemeClr val="accent2"/>
+      <a:schemeClr val="accent3"/>
+    </dgm:linClrLst>
+    <dgm:effectClrLst/>
+    <dgm:txLinClrLst/>
+    <dgm:txFillClrLst meth="repeat">
+      <a:schemeClr val="dk1"/>
+    </dgm:txFillClrLst>
+    <dgm:txEffectClrLst/>
+  </dgm:styleLbl>
+  <dgm:styleLbl name="fgAccFollowNode1">
+    <dgm:fillClrLst>
+      <a:schemeClr val="accent2">
+        <a:tint val="40000"/>
+        <a:alpha val="90000"/>
+      </a:schemeClr>
+      <a:schemeClr val="accent3">
+        <a:tint val="40000"/>
+        <a:alpha val="90000"/>
+      </a:schemeClr>
+    </dgm:fillClrLst>
+    <dgm:linClrLst>
+      <a:schemeClr val="accent2">
+        <a:tint val="40000"/>
+        <a:alpha val="90000"/>
+      </a:schemeClr>
+      <a:schemeClr val="accent3">
+        <a:tint val="40000"/>
+        <a:alpha val="90000"/>
+      </a:schemeClr>
+    </dgm:linClrLst>
+    <dgm:effectClrLst/>
+    <dgm:txLinClrLst/>
+    <dgm:txFillClrLst meth="repeat">
+      <a:schemeClr val="dk1"/>
+    </dgm:txFillClrLst>
+    <dgm:txEffectClrLst/>
+  </dgm:styleLbl>
+  <dgm:styleLbl name="alignAccFollowNode1">
+    <dgm:fillClrLst>
+      <a:schemeClr val="accent2">
+        <a:tint val="40000"/>
+        <a:alpha val="90000"/>
+      </a:schemeClr>
+      <a:schemeClr val="accent3">
+        <a:tint val="40000"/>
+        <a:alpha val="90000"/>
+      </a:schemeClr>
+    </dgm:fillClrLst>
+    <dgm:linClrLst>
+      <a:schemeClr val="accent2">
+        <a:tint val="40000"/>
+        <a:alpha val="90000"/>
+      </a:schemeClr>
+      <a:schemeClr val="accent3">
+        <a:tint val="40000"/>
+        <a:alpha val="90000"/>
+      </a:schemeClr>
+    </dgm:linClrLst>
+    <dgm:effectClrLst/>
+    <dgm:txLinClrLst/>
+    <dgm:txFillClrLst meth="repeat">
+      <a:schemeClr val="dk1"/>
+    </dgm:txFillClrLst>
+    <dgm:txEffectClrLst/>
+  </dgm:styleLbl>
+  <dgm:styleLbl name="bgAccFollowNode1">
+    <dgm:fillClrLst>
+      <a:schemeClr val="accent2">
+        <a:tint val="40000"/>
+        <a:alpha val="90000"/>
+      </a:schemeClr>
+      <a:schemeClr val="accent3">
+        <a:tint val="40000"/>
+        <a:alpha val="90000"/>
+      </a:schemeClr>
+    </dgm:fillClrLst>
+    <dgm:linClrLst>
+      <a:schemeClr val="accent2">
+        <a:tint val="40000"/>
+        <a:alpha val="90000"/>
+      </a:schemeClr>
+      <a:schemeClr val="accent3">
+        <a:tint val="40000"/>
+        <a:alpha val="90000"/>
+      </a:schemeClr>
+    </dgm:linClrLst>
+    <dgm:effectClrLst/>
+    <dgm:txLinClrLst/>
+    <dgm:txFillClrLst meth="repeat">
+      <a:schemeClr val="dk1"/>
+    </dgm:txFillClrLst>
+    <dgm:txEffectClrLst/>
+  </dgm:styleLbl>
+  <dgm:styleLbl name="fgAcc0">
+    <dgm:fillClrLst meth="repeat">
+      <a:schemeClr val="lt1">
+        <a:alpha val="90000"/>
+      </a:schemeClr>
+    </dgm:fillClrLst>
+    <dgm:linClrLst>
+      <a:schemeClr val="accent1"/>
+    </dgm:linClrLst>
+    <dgm:effectClrLst/>
+    <dgm:txLinClrLst/>
+    <dgm:txFillClrLst meth="repeat">
+      <a:schemeClr val="dk1"/>
+    </dgm:txFillClrLst>
+    <dgm:txEffectClrLst/>
+  </dgm:styleLbl>
+  <dgm:styleLbl name="fgAcc2">
+    <dgm:fillClrLst meth="repeat">
+      <a:schemeClr val="lt1">
+        <a:alpha val="90000"/>
+      </a:schemeClr>
+    </dgm:fillClrLst>
+    <dgm:linClrLst>
+      <a:schemeClr val="accent3"/>
+    </dgm:linClrLst>
+    <dgm:effectClrLst/>
+    <dgm:txLinClrLst/>
+    <dgm:txFillClrLst meth="repeat">
+      <a:schemeClr val="dk1"/>
+    </dgm:txFillClrLst>
+    <dgm:txEffectClrLst/>
+  </dgm:styleLbl>
+  <dgm:styleLbl name="fgAcc3">
+    <dgm:fillClrLst meth="repeat">
+      <a:schemeClr val="lt1">
+        <a:alpha val="90000"/>
+      </a:schemeClr>
+    </dgm:fillClrLst>
+    <dgm:linClrLst>
+      <a:schemeClr val="accent4"/>
+    </dgm:linClrLst>
+    <dgm:effectClrLst/>
+    <dgm:txLinClrLst/>
+    <dgm:txFillClrLst meth="repeat">
+      <a:schemeClr val="dk1"/>
+    </dgm:txFillClrLst>
+    <dgm:txEffectClrLst/>
+  </dgm:styleLbl>
+  <dgm:styleLbl name="fgAcc4">
+    <dgm:fillClrLst meth="repeat">
+      <a:schemeClr val="lt1">
+        <a:alpha val="90000"/>
+      </a:schemeClr>
+    </dgm:fillClrLst>
+    <dgm:linClrLst>
+      <a:schemeClr val="accent5"/>
+    </dgm:linClrLst>
+    <dgm:effectClrLst/>
+    <dgm:txLinClrLst/>
+    <dgm:txFillClrLst meth="repeat">
+      <a:schemeClr val="dk1"/>
+    </dgm:txFillClrLst>
+    <dgm:txEffectClrLst/>
+  </dgm:styleLbl>
+  <dgm:styleLbl name="bgShp">
+    <dgm:fillClrLst meth="repeat">
+      <a:schemeClr val="accent2">
+        <a:tint val="40000"/>
+      </a:schemeClr>
+    </dgm:fillClrLst>
+    <dgm:linClrLst meth="repeat">
+      <a:schemeClr val="dk1"/>
+    </dgm:linClrLst>
+    <dgm:effectClrLst/>
+    <dgm:txLinClrLst/>
+    <dgm:txFillClrLst meth="repeat">
+      <a:schemeClr val="dk1"/>
+    </dgm:txFillClrLst>
+    <dgm:txEffectClrLst/>
+  </dgm:styleLbl>
+  <dgm:styleLbl name="dkBgShp">
+    <dgm:fillClrLst meth="repeat">
+      <a:schemeClr val="accent2">
+        <a:shade val="90000"/>
+      </a:schemeClr>
+    </dgm:fillClrLst>
+    <dgm:linClrLst meth="repeat">
+      <a:schemeClr val="dk1"/>
+    </dgm:linClrLst>
+    <dgm:effectClrLst/>
+    <dgm:txLinClrLst/>
+    <dgm:txFillClrLst meth="repeat">
+      <a:schemeClr val="lt1"/>
+    </dgm:txFillClrLst>
+    <dgm:txEffectClrLst/>
+  </dgm:styleLbl>
+  <dgm:styleLbl name="trBgShp">
+    <dgm:fillClrLst meth="repeat">
+      <a:schemeClr val="accent2">
+        <a:tint val="50000"/>
+        <a:alpha val="40000"/>
+      </a:schemeClr>
+    </dgm:fillClrLst>
+    <dgm:linClrLst meth="repeat">
+      <a:schemeClr val="accent2"/>
+    </dgm:linClrLst>
+    <dgm:effectClrLst/>
+    <dgm:txLinClrLst/>
+    <dgm:txFillClrLst meth="repeat">
+      <a:schemeClr val="lt1"/>
+    </dgm:txFillClrLst>
+    <dgm:txEffectClrLst/>
+  </dgm:styleLbl>
+  <dgm:styleLbl name="fgShp">
+    <dgm:fillClrLst meth="repeat">
+      <a:schemeClr val="accent2">
+        <a:tint val="40000"/>
+      </a:schemeClr>
+    </dgm:fillClrLst>
+    <dgm:linClrLst meth="repeat">
+      <a:schemeClr val="lt1"/>
+    </dgm:linClrLst>
+    <dgm:effectClrLst/>
+    <dgm:txLinClrLst/>
+    <dgm:txFillClrLst meth="repeat">
+      <a:schemeClr val="dk1"/>
+    </dgm:txFillClrLst>
+    <dgm:txEffectClrLst/>
+  </dgm:styleLbl>
+  <dgm:styleLbl name="revTx">
+    <dgm:fillClrLst meth="repeat">
+      <a:schemeClr val="lt1">
+        <a:alpha val="0"/>
+      </a:schemeClr>
+    </dgm:fillClrLst>
+    <dgm:linClrLst meth="repeat">
+      <a:schemeClr val="dk1">
+        <a:alpha val="0"/>
+      </a:schemeClr>
+    </dgm:linClrLst>
+    <dgm:effectClrLst/>
+    <dgm:txLinClrLst/>
+    <dgm:txFillClrLst meth="repeat">
+      <a:schemeClr val="tx1"/>
+    </dgm:txFillClrLst>
+    <dgm:txEffectClrLst/>
+  </dgm:styleLbl>
+</dgm:colorsDef>
+</file>
+
+<file path=ppt/diagrams/data1.xml><?xml version="1.0" encoding="utf-8"?>
+<dgm:dataModel xmlns:dgm="http://schemas.openxmlformats.org/drawingml/2006/diagram" xmlns:a="http://schemas.openxmlformats.org/drawingml/2006/main">
+  <dgm:ptLst>
+    <dgm:pt modelId="{FC54BF56-1F97-4269-A3D7-C924F88E48B0}" type="doc">
+      <dgm:prSet loTypeId="urn:microsoft.com/office/officeart/2008/layout/LinedList" loCatId="list" qsTypeId="urn:microsoft.com/office/officeart/2005/8/quickstyle/simple1" qsCatId="simple" csTypeId="urn:microsoft.com/office/officeart/2005/8/colors/colorful2" csCatId="colorful" phldr="1"/>
+      <dgm:spPr/>
+      <dgm:t>
+        <a:bodyPr/>
+        <a:lstStyle/>
+        <a:p>
+          <a:endParaRPr lang="en-US"/>
+        </a:p>
+      </dgm:t>
+    </dgm:pt>
+    <dgm:pt modelId="{E1330255-6F31-437B-8E24-3473BC7F9CF4}">
+      <dgm:prSet/>
+      <dgm:spPr/>
+      <dgm:t>
+        <a:bodyPr/>
+        <a:lstStyle/>
+        <a:p>
+          <a:r>
+            <a:rPr lang="de-DE" b="0" dirty="0"/>
+            <a:t>Gegner</a:t>
+          </a:r>
+          <a:r>
+            <a:rPr lang="de-DE" b="1" dirty="0"/>
+            <a:t> </a:t>
+          </a:r>
+          <a:endParaRPr lang="en-US" dirty="0"/>
+        </a:p>
+      </dgm:t>
+    </dgm:pt>
+    <dgm:pt modelId="{23CC5217-89EC-41AD-BA31-FDDE583F6DB5}" type="parTrans" cxnId="{DEF1624F-655A-4A01-A9F6-E1613E6137E5}">
+      <dgm:prSet/>
+      <dgm:spPr/>
+      <dgm:t>
+        <a:bodyPr/>
+        <a:lstStyle/>
+        <a:p>
+          <a:endParaRPr lang="en-US"/>
+        </a:p>
+      </dgm:t>
+    </dgm:pt>
+    <dgm:pt modelId="{7B950002-DB06-48AA-82B6-DD0F0B7B637A}" type="sibTrans" cxnId="{DEF1624F-655A-4A01-A9F6-E1613E6137E5}">
+      <dgm:prSet/>
+      <dgm:spPr/>
+      <dgm:t>
+        <a:bodyPr/>
+        <a:lstStyle/>
+        <a:p>
+          <a:endParaRPr lang="en-US"/>
+        </a:p>
+      </dgm:t>
+    </dgm:pt>
+    <dgm:pt modelId="{E4E7B0C8-F0C7-4400-9B43-60789947129B}">
+      <dgm:prSet/>
+      <dgm:spPr/>
+      <dgm:t>
+        <a:bodyPr/>
+        <a:lstStyle/>
+        <a:p>
+          <a:r>
+            <a:rPr lang="de-DE"/>
+            <a:t>Coin System</a:t>
+          </a:r>
+          <a:endParaRPr lang="en-US"/>
+        </a:p>
+      </dgm:t>
+    </dgm:pt>
+    <dgm:pt modelId="{133C60A8-C704-4FE8-ACD1-F2F4D82ACF66}" type="parTrans" cxnId="{D50C34D9-CA86-49E6-BCA1-576636937F21}">
+      <dgm:prSet/>
+      <dgm:spPr/>
+      <dgm:t>
+        <a:bodyPr/>
+        <a:lstStyle/>
+        <a:p>
+          <a:endParaRPr lang="en-US"/>
+        </a:p>
+      </dgm:t>
+    </dgm:pt>
+    <dgm:pt modelId="{478B1D99-B34C-4966-871F-F5908DA3D1AD}" type="sibTrans" cxnId="{D50C34D9-CA86-49E6-BCA1-576636937F21}">
+      <dgm:prSet/>
+      <dgm:spPr/>
+      <dgm:t>
+        <a:bodyPr/>
+        <a:lstStyle/>
+        <a:p>
+          <a:endParaRPr lang="en-US"/>
+        </a:p>
+      </dgm:t>
+    </dgm:pt>
+    <dgm:pt modelId="{0B39366F-F1E1-4B4A-B80C-D415D4E6CB3C}">
+      <dgm:prSet/>
+      <dgm:spPr/>
+      <dgm:t>
+        <a:bodyPr/>
+        <a:lstStyle/>
+        <a:p>
+          <a:r>
+            <a:rPr lang="de-DE"/>
+            <a:t>Mehr Level</a:t>
+          </a:r>
+          <a:endParaRPr lang="en-US"/>
+        </a:p>
+      </dgm:t>
+    </dgm:pt>
+    <dgm:pt modelId="{EC9498E5-6236-43E7-AD23-8370208D6D2B}" type="parTrans" cxnId="{23F7CCB7-5EE1-477F-BE89-A21012666366}">
+      <dgm:prSet/>
+      <dgm:spPr/>
+      <dgm:t>
+        <a:bodyPr/>
+        <a:lstStyle/>
+        <a:p>
+          <a:endParaRPr lang="en-US"/>
+        </a:p>
+      </dgm:t>
+    </dgm:pt>
+    <dgm:pt modelId="{6D3EC5FF-D05B-466E-AE49-3574497F0FF4}" type="sibTrans" cxnId="{23F7CCB7-5EE1-477F-BE89-A21012666366}">
+      <dgm:prSet/>
+      <dgm:spPr/>
+      <dgm:t>
+        <a:bodyPr/>
+        <a:lstStyle/>
+        <a:p>
+          <a:endParaRPr lang="en-US"/>
+        </a:p>
+      </dgm:t>
+    </dgm:pt>
+    <dgm:pt modelId="{0BA00C6A-169F-4BB5-824A-CE2CCF6061AE}">
+      <dgm:prSet/>
+      <dgm:spPr/>
+      <dgm:t>
+        <a:bodyPr/>
+        <a:lstStyle/>
+        <a:p>
+          <a:r>
+            <a:rPr lang="de-DE"/>
+            <a:t>Double/Wall Jump</a:t>
+          </a:r>
+          <a:endParaRPr lang="en-US"/>
+        </a:p>
+      </dgm:t>
+    </dgm:pt>
+    <dgm:pt modelId="{4C492A0C-1992-4838-B8FC-5D3C22AC5E73}" type="parTrans" cxnId="{5F1E8AB5-BFBD-4050-A754-DCCE9C4D8E45}">
+      <dgm:prSet/>
+      <dgm:spPr/>
+      <dgm:t>
+        <a:bodyPr/>
+        <a:lstStyle/>
+        <a:p>
+          <a:endParaRPr lang="en-US"/>
+        </a:p>
+      </dgm:t>
+    </dgm:pt>
+    <dgm:pt modelId="{3D498CBB-22F8-48FD-9CF3-C411141C10EA}" type="sibTrans" cxnId="{5F1E8AB5-BFBD-4050-A754-DCCE9C4D8E45}">
+      <dgm:prSet/>
+      <dgm:spPr/>
+      <dgm:t>
+        <a:bodyPr/>
+        <a:lstStyle/>
+        <a:p>
+          <a:endParaRPr lang="en-US"/>
+        </a:p>
+      </dgm:t>
+    </dgm:pt>
+    <dgm:pt modelId="{7A4F3DD7-DCE3-4D24-B4EE-C53024439236}">
+      <dgm:prSet/>
+      <dgm:spPr/>
+      <dgm:t>
+        <a:bodyPr/>
+        <a:lstStyle/>
+        <a:p>
+          <a:r>
+            <a:rPr lang="de-DE" dirty="0"/>
+            <a:t>Zeit System</a:t>
+          </a:r>
+          <a:endParaRPr lang="en-US" dirty="0"/>
+        </a:p>
+      </dgm:t>
+    </dgm:pt>
+    <dgm:pt modelId="{19161780-7B62-4163-9EF9-CE81E0C6B324}" type="parTrans" cxnId="{EC9C71E1-7B13-47B8-A4BC-7D7ACF8E5156}">
+      <dgm:prSet/>
+      <dgm:spPr/>
+      <dgm:t>
+        <a:bodyPr/>
+        <a:lstStyle/>
+        <a:p>
+          <a:endParaRPr lang="en-US"/>
+        </a:p>
+      </dgm:t>
+    </dgm:pt>
+    <dgm:pt modelId="{1703F546-E340-442B-82CC-75BA715109F0}" type="sibTrans" cxnId="{EC9C71E1-7B13-47B8-A4BC-7D7ACF8E5156}">
+      <dgm:prSet/>
+      <dgm:spPr/>
+      <dgm:t>
+        <a:bodyPr/>
+        <a:lstStyle/>
+        <a:p>
+          <a:endParaRPr lang="en-US"/>
+        </a:p>
+      </dgm:t>
+    </dgm:pt>
+    <dgm:pt modelId="{ABC1F1EE-4AEE-4239-90E8-820E6E3E76AA}">
+      <dgm:prSet/>
+      <dgm:spPr/>
+      <dgm:t>
+        <a:bodyPr/>
+        <a:lstStyle/>
+        <a:p>
+          <a:r>
+            <a:rPr lang="en-US" dirty="0"/>
+            <a:t>Spiel Name</a:t>
+          </a:r>
+        </a:p>
+      </dgm:t>
+    </dgm:pt>
+    <dgm:pt modelId="{770BC133-C695-4D69-8827-11EE293EC1C1}" type="parTrans" cxnId="{A0713AC1-3B1F-463A-8F05-5E7D50DC1F2B}">
+      <dgm:prSet/>
+      <dgm:spPr/>
+      <dgm:t>
+        <a:bodyPr/>
+        <a:lstStyle/>
+        <a:p>
+          <a:endParaRPr lang="de-DE"/>
+        </a:p>
+      </dgm:t>
+    </dgm:pt>
+    <dgm:pt modelId="{80933C18-849E-4E66-B4D5-340230C6A054}" type="sibTrans" cxnId="{A0713AC1-3B1F-463A-8F05-5E7D50DC1F2B}">
+      <dgm:prSet/>
+      <dgm:spPr/>
+      <dgm:t>
+        <a:bodyPr/>
+        <a:lstStyle/>
+        <a:p>
+          <a:endParaRPr lang="de-DE"/>
+        </a:p>
+      </dgm:t>
+    </dgm:pt>
+    <dgm:pt modelId="{052EFA07-BAB8-42F4-BB90-21BB463DE165}" type="pres">
+      <dgm:prSet presAssocID="{FC54BF56-1F97-4269-A3D7-C924F88E48B0}" presName="vert0" presStyleCnt="0">
+        <dgm:presLayoutVars>
+          <dgm:dir/>
+          <dgm:animOne val="branch"/>
+          <dgm:animLvl val="lvl"/>
+        </dgm:presLayoutVars>
+      </dgm:prSet>
+      <dgm:spPr/>
+    </dgm:pt>
+    <dgm:pt modelId="{193E961D-291B-44D7-BCCC-0719B53EA64F}" type="pres">
+      <dgm:prSet presAssocID="{E1330255-6F31-437B-8E24-3473BC7F9CF4}" presName="thickLine" presStyleLbl="alignNode1" presStyleIdx="0" presStyleCnt="6"/>
+      <dgm:spPr/>
+    </dgm:pt>
+    <dgm:pt modelId="{0FEFE805-0179-4A11-B69F-93D9DA30E735}" type="pres">
+      <dgm:prSet presAssocID="{E1330255-6F31-437B-8E24-3473BC7F9CF4}" presName="horz1" presStyleCnt="0"/>
+      <dgm:spPr/>
+    </dgm:pt>
+    <dgm:pt modelId="{D20F330C-0DA4-4913-9A4D-478B4E72236D}" type="pres">
+      <dgm:prSet presAssocID="{E1330255-6F31-437B-8E24-3473BC7F9CF4}" presName="tx1" presStyleLbl="revTx" presStyleIdx="0" presStyleCnt="6"/>
+      <dgm:spPr/>
+    </dgm:pt>
+    <dgm:pt modelId="{E37FF60A-8A81-4BAB-A5F4-B3954196A77D}" type="pres">
+      <dgm:prSet presAssocID="{E1330255-6F31-437B-8E24-3473BC7F9CF4}" presName="vert1" presStyleCnt="0"/>
+      <dgm:spPr/>
+    </dgm:pt>
+    <dgm:pt modelId="{670B19AF-E1A1-40AF-B12D-C057A6D3E0B0}" type="pres">
+      <dgm:prSet presAssocID="{E4E7B0C8-F0C7-4400-9B43-60789947129B}" presName="thickLine" presStyleLbl="alignNode1" presStyleIdx="1" presStyleCnt="6"/>
+      <dgm:spPr/>
+    </dgm:pt>
+    <dgm:pt modelId="{8D88A9E3-E556-46A2-93C3-2F2A1D312201}" type="pres">
+      <dgm:prSet presAssocID="{E4E7B0C8-F0C7-4400-9B43-60789947129B}" presName="horz1" presStyleCnt="0"/>
+      <dgm:spPr/>
+    </dgm:pt>
+    <dgm:pt modelId="{9ECA3B9D-0087-4153-A319-7ED1B01AA296}" type="pres">
+      <dgm:prSet presAssocID="{E4E7B0C8-F0C7-4400-9B43-60789947129B}" presName="tx1" presStyleLbl="revTx" presStyleIdx="1" presStyleCnt="6"/>
+      <dgm:spPr/>
+    </dgm:pt>
+    <dgm:pt modelId="{4238D954-D7DE-4CD7-936F-6396F4D63AF7}" type="pres">
+      <dgm:prSet presAssocID="{E4E7B0C8-F0C7-4400-9B43-60789947129B}" presName="vert1" presStyleCnt="0"/>
+      <dgm:spPr/>
+    </dgm:pt>
+    <dgm:pt modelId="{37E78B73-52A4-423C-97A2-8394E8B210F8}" type="pres">
+      <dgm:prSet presAssocID="{0B39366F-F1E1-4B4A-B80C-D415D4E6CB3C}" presName="thickLine" presStyleLbl="alignNode1" presStyleIdx="2" presStyleCnt="6"/>
+      <dgm:spPr/>
+    </dgm:pt>
+    <dgm:pt modelId="{18111E0C-9AD3-4F6A-8DDE-CF427068BBC2}" type="pres">
+      <dgm:prSet presAssocID="{0B39366F-F1E1-4B4A-B80C-D415D4E6CB3C}" presName="horz1" presStyleCnt="0"/>
+      <dgm:spPr/>
+    </dgm:pt>
+    <dgm:pt modelId="{6AE0615B-8BB6-4378-BD6D-E0C6177E9DE6}" type="pres">
+      <dgm:prSet presAssocID="{0B39366F-F1E1-4B4A-B80C-D415D4E6CB3C}" presName="tx1" presStyleLbl="revTx" presStyleIdx="2" presStyleCnt="6"/>
+      <dgm:spPr/>
+    </dgm:pt>
+    <dgm:pt modelId="{DD68FE41-AA09-4930-AD34-B2183FB5C7DD}" type="pres">
+      <dgm:prSet presAssocID="{0B39366F-F1E1-4B4A-B80C-D415D4E6CB3C}" presName="vert1" presStyleCnt="0"/>
+      <dgm:spPr/>
+    </dgm:pt>
+    <dgm:pt modelId="{A67CBC7C-098C-4BED-B686-CF0DDC5DEDF1}" type="pres">
+      <dgm:prSet presAssocID="{0BA00C6A-169F-4BB5-824A-CE2CCF6061AE}" presName="thickLine" presStyleLbl="alignNode1" presStyleIdx="3" presStyleCnt="6"/>
+      <dgm:spPr/>
+    </dgm:pt>
+    <dgm:pt modelId="{F7313AFF-3E81-4489-BD1D-D431CBACDB0A}" type="pres">
+      <dgm:prSet presAssocID="{0BA00C6A-169F-4BB5-824A-CE2CCF6061AE}" presName="horz1" presStyleCnt="0"/>
+      <dgm:spPr/>
+    </dgm:pt>
+    <dgm:pt modelId="{A3D53EF7-6F4F-4914-9E6F-35D87DBA2DE0}" type="pres">
+      <dgm:prSet presAssocID="{0BA00C6A-169F-4BB5-824A-CE2CCF6061AE}" presName="tx1" presStyleLbl="revTx" presStyleIdx="3" presStyleCnt="6"/>
+      <dgm:spPr/>
+    </dgm:pt>
+    <dgm:pt modelId="{A3676ECC-6666-43D3-8850-15A630A84E75}" type="pres">
+      <dgm:prSet presAssocID="{0BA00C6A-169F-4BB5-824A-CE2CCF6061AE}" presName="vert1" presStyleCnt="0"/>
+      <dgm:spPr/>
+    </dgm:pt>
+    <dgm:pt modelId="{AAEEE499-F448-4442-BAA0-F6DAE71B9E34}" type="pres">
+      <dgm:prSet presAssocID="{7A4F3DD7-DCE3-4D24-B4EE-C53024439236}" presName="thickLine" presStyleLbl="alignNode1" presStyleIdx="4" presStyleCnt="6"/>
+      <dgm:spPr/>
+    </dgm:pt>
+    <dgm:pt modelId="{DE668EEE-451A-4AEB-9622-773890C6DE8D}" type="pres">
+      <dgm:prSet presAssocID="{7A4F3DD7-DCE3-4D24-B4EE-C53024439236}" presName="horz1" presStyleCnt="0"/>
+      <dgm:spPr/>
+    </dgm:pt>
+    <dgm:pt modelId="{D587E9C7-DD12-4393-8F9E-A8F4905E40A9}" type="pres">
+      <dgm:prSet presAssocID="{7A4F3DD7-DCE3-4D24-B4EE-C53024439236}" presName="tx1" presStyleLbl="revTx" presStyleIdx="4" presStyleCnt="6"/>
+      <dgm:spPr/>
+    </dgm:pt>
+    <dgm:pt modelId="{040CE05A-6F71-4E09-9450-E06807777202}" type="pres">
+      <dgm:prSet presAssocID="{7A4F3DD7-DCE3-4D24-B4EE-C53024439236}" presName="vert1" presStyleCnt="0"/>
+      <dgm:spPr/>
+    </dgm:pt>
+    <dgm:pt modelId="{69E31B5A-1ED7-486A-BD47-44EF534C798F}" type="pres">
+      <dgm:prSet presAssocID="{ABC1F1EE-4AEE-4239-90E8-820E6E3E76AA}" presName="thickLine" presStyleLbl="alignNode1" presStyleIdx="5" presStyleCnt="6"/>
+      <dgm:spPr/>
+    </dgm:pt>
+    <dgm:pt modelId="{A8094D6C-F5ED-4838-9EDF-DD74E0F4F0FA}" type="pres">
+      <dgm:prSet presAssocID="{ABC1F1EE-4AEE-4239-90E8-820E6E3E76AA}" presName="horz1" presStyleCnt="0"/>
+      <dgm:spPr/>
+    </dgm:pt>
+    <dgm:pt modelId="{5244B34F-23CA-489B-84DD-A0E44953D21B}" type="pres">
+      <dgm:prSet presAssocID="{ABC1F1EE-4AEE-4239-90E8-820E6E3E76AA}" presName="tx1" presStyleLbl="revTx" presStyleIdx="5" presStyleCnt="6"/>
+      <dgm:spPr/>
+    </dgm:pt>
+    <dgm:pt modelId="{04F4CEF9-DC33-4E99-838F-3C9B76251D98}" type="pres">
+      <dgm:prSet presAssocID="{ABC1F1EE-4AEE-4239-90E8-820E6E3E76AA}" presName="vert1" presStyleCnt="0"/>
+      <dgm:spPr/>
+    </dgm:pt>
+  </dgm:ptLst>
+  <dgm:cxnLst>
+    <dgm:cxn modelId="{8ECDCD43-4565-41E0-9BFB-7D67EF47E4F7}" type="presOf" srcId="{E1330255-6F31-437B-8E24-3473BC7F9CF4}" destId="{D20F330C-0DA4-4913-9A4D-478B4E72236D}" srcOrd="0" destOrd="0" presId="urn:microsoft.com/office/officeart/2008/layout/LinedList"/>
+    <dgm:cxn modelId="{DEF1624F-655A-4A01-A9F6-E1613E6137E5}" srcId="{FC54BF56-1F97-4269-A3D7-C924F88E48B0}" destId="{E1330255-6F31-437B-8E24-3473BC7F9CF4}" srcOrd="0" destOrd="0" parTransId="{23CC5217-89EC-41AD-BA31-FDDE583F6DB5}" sibTransId="{7B950002-DB06-48AA-82B6-DD0F0B7B637A}"/>
+    <dgm:cxn modelId="{94A8C07D-DFB1-4860-8764-10AA7B677A06}" type="presOf" srcId="{0B39366F-F1E1-4B4A-B80C-D415D4E6CB3C}" destId="{6AE0615B-8BB6-4378-BD6D-E0C6177E9DE6}" srcOrd="0" destOrd="0" presId="urn:microsoft.com/office/officeart/2008/layout/LinedList"/>
+    <dgm:cxn modelId="{B3764598-B694-4EB3-AF0C-2E161F7327E2}" type="presOf" srcId="{0BA00C6A-169F-4BB5-824A-CE2CCF6061AE}" destId="{A3D53EF7-6F4F-4914-9E6F-35D87DBA2DE0}" srcOrd="0" destOrd="0" presId="urn:microsoft.com/office/officeart/2008/layout/LinedList"/>
+    <dgm:cxn modelId="{5F1E8AB5-BFBD-4050-A754-DCCE9C4D8E45}" srcId="{FC54BF56-1F97-4269-A3D7-C924F88E48B0}" destId="{0BA00C6A-169F-4BB5-824A-CE2CCF6061AE}" srcOrd="3" destOrd="0" parTransId="{4C492A0C-1992-4838-B8FC-5D3C22AC5E73}" sibTransId="{3D498CBB-22F8-48FD-9CF3-C411141C10EA}"/>
+    <dgm:cxn modelId="{23F7CCB7-5EE1-477F-BE89-A21012666366}" srcId="{FC54BF56-1F97-4269-A3D7-C924F88E48B0}" destId="{0B39366F-F1E1-4B4A-B80C-D415D4E6CB3C}" srcOrd="2" destOrd="0" parTransId="{EC9498E5-6236-43E7-AD23-8370208D6D2B}" sibTransId="{6D3EC5FF-D05B-466E-AE49-3574497F0FF4}"/>
+    <dgm:cxn modelId="{784DEDB7-246F-492F-B8C0-B1DBADBF0EE9}" type="presOf" srcId="{E4E7B0C8-F0C7-4400-9B43-60789947129B}" destId="{9ECA3B9D-0087-4153-A319-7ED1B01AA296}" srcOrd="0" destOrd="0" presId="urn:microsoft.com/office/officeart/2008/layout/LinedList"/>
+    <dgm:cxn modelId="{A0713AC1-3B1F-463A-8F05-5E7D50DC1F2B}" srcId="{FC54BF56-1F97-4269-A3D7-C924F88E48B0}" destId="{ABC1F1EE-4AEE-4239-90E8-820E6E3E76AA}" srcOrd="5" destOrd="0" parTransId="{770BC133-C695-4D69-8827-11EE293EC1C1}" sibTransId="{80933C18-849E-4E66-B4D5-340230C6A054}"/>
+    <dgm:cxn modelId="{D50C34D9-CA86-49E6-BCA1-576636937F21}" srcId="{FC54BF56-1F97-4269-A3D7-C924F88E48B0}" destId="{E4E7B0C8-F0C7-4400-9B43-60789947129B}" srcOrd="1" destOrd="0" parTransId="{133C60A8-C704-4FE8-ACD1-F2F4D82ACF66}" sibTransId="{478B1D99-B34C-4966-871F-F5908DA3D1AD}"/>
+    <dgm:cxn modelId="{EC9C71E1-7B13-47B8-A4BC-7D7ACF8E5156}" srcId="{FC54BF56-1F97-4269-A3D7-C924F88E48B0}" destId="{7A4F3DD7-DCE3-4D24-B4EE-C53024439236}" srcOrd="4" destOrd="0" parTransId="{19161780-7B62-4163-9EF9-CE81E0C6B324}" sibTransId="{1703F546-E340-442B-82CC-75BA715109F0}"/>
+    <dgm:cxn modelId="{07E44DE9-F9AC-4D0C-AD64-4590C837A97A}" type="presOf" srcId="{FC54BF56-1F97-4269-A3D7-C924F88E48B0}" destId="{052EFA07-BAB8-42F4-BB90-21BB463DE165}" srcOrd="0" destOrd="0" presId="urn:microsoft.com/office/officeart/2008/layout/LinedList"/>
+    <dgm:cxn modelId="{70CA17F1-900F-4F34-B051-A4EBCDFA71F4}" type="presOf" srcId="{7A4F3DD7-DCE3-4D24-B4EE-C53024439236}" destId="{D587E9C7-DD12-4393-8F9E-A8F4905E40A9}" srcOrd="0" destOrd="0" presId="urn:microsoft.com/office/officeart/2008/layout/LinedList"/>
+    <dgm:cxn modelId="{DBDB3BFE-E7AB-49D4-BCA2-37192C488822}" type="presOf" srcId="{ABC1F1EE-4AEE-4239-90E8-820E6E3E76AA}" destId="{5244B34F-23CA-489B-84DD-A0E44953D21B}" srcOrd="0" destOrd="0" presId="urn:microsoft.com/office/officeart/2008/layout/LinedList"/>
+    <dgm:cxn modelId="{CBAEB7C1-8AE3-4FA4-AEE6-5CA748EEC8E7}" type="presParOf" srcId="{052EFA07-BAB8-42F4-BB90-21BB463DE165}" destId="{193E961D-291B-44D7-BCCC-0719B53EA64F}" srcOrd="0" destOrd="0" presId="urn:microsoft.com/office/officeart/2008/layout/LinedList"/>
+    <dgm:cxn modelId="{ECBD3607-BEA1-4A9B-AB7E-3A8B25B46B85}" type="presParOf" srcId="{052EFA07-BAB8-42F4-BB90-21BB463DE165}" destId="{0FEFE805-0179-4A11-B69F-93D9DA30E735}" srcOrd="1" destOrd="0" presId="urn:microsoft.com/office/officeart/2008/layout/LinedList"/>
+    <dgm:cxn modelId="{251AF312-53FE-4B27-AD51-ABD520248CFF}" type="presParOf" srcId="{0FEFE805-0179-4A11-B69F-93D9DA30E735}" destId="{D20F330C-0DA4-4913-9A4D-478B4E72236D}" srcOrd="0" destOrd="0" presId="urn:microsoft.com/office/officeart/2008/layout/LinedList"/>
+    <dgm:cxn modelId="{C2123ACB-C111-41E0-B8F6-254CAC97F656}" type="presParOf" srcId="{0FEFE805-0179-4A11-B69F-93D9DA30E735}" destId="{E37FF60A-8A81-4BAB-A5F4-B3954196A77D}" srcOrd="1" destOrd="0" presId="urn:microsoft.com/office/officeart/2008/layout/LinedList"/>
+    <dgm:cxn modelId="{0B5D3F48-C5DA-4190-9749-F7F28413E3A8}" type="presParOf" srcId="{052EFA07-BAB8-42F4-BB90-21BB463DE165}" destId="{670B19AF-E1A1-40AF-B12D-C057A6D3E0B0}" srcOrd="2" destOrd="0" presId="urn:microsoft.com/office/officeart/2008/layout/LinedList"/>
+    <dgm:cxn modelId="{2A79DEA6-3FDD-4DB4-8F1E-561B63BF84D1}" type="presParOf" srcId="{052EFA07-BAB8-42F4-BB90-21BB463DE165}" destId="{8D88A9E3-E556-46A2-93C3-2F2A1D312201}" srcOrd="3" destOrd="0" presId="urn:microsoft.com/office/officeart/2008/layout/LinedList"/>
+    <dgm:cxn modelId="{BCDF5049-0B4A-48EE-A715-2496F9E0611B}" type="presParOf" srcId="{8D88A9E3-E556-46A2-93C3-2F2A1D312201}" destId="{9ECA3B9D-0087-4153-A319-7ED1B01AA296}" srcOrd="0" destOrd="0" presId="urn:microsoft.com/office/officeart/2008/layout/LinedList"/>
+    <dgm:cxn modelId="{5D46A7AC-C526-4288-B175-EE10AED9E31F}" type="presParOf" srcId="{8D88A9E3-E556-46A2-93C3-2F2A1D312201}" destId="{4238D954-D7DE-4CD7-936F-6396F4D63AF7}" srcOrd="1" destOrd="0" presId="urn:microsoft.com/office/officeart/2008/layout/LinedList"/>
+    <dgm:cxn modelId="{D4293A60-E4CA-42B9-8D5F-086859FAF169}" type="presParOf" srcId="{052EFA07-BAB8-42F4-BB90-21BB463DE165}" destId="{37E78B73-52A4-423C-97A2-8394E8B210F8}" srcOrd="4" destOrd="0" presId="urn:microsoft.com/office/officeart/2008/layout/LinedList"/>
+    <dgm:cxn modelId="{34E786AF-4101-445C-857E-F8EAB4CD967F}" type="presParOf" srcId="{052EFA07-BAB8-42F4-BB90-21BB463DE165}" destId="{18111E0C-9AD3-4F6A-8DDE-CF427068BBC2}" srcOrd="5" destOrd="0" presId="urn:microsoft.com/office/officeart/2008/layout/LinedList"/>
+    <dgm:cxn modelId="{4879B8C5-1C25-4EB9-ABD5-6057F348722C}" type="presParOf" srcId="{18111E0C-9AD3-4F6A-8DDE-CF427068BBC2}" destId="{6AE0615B-8BB6-4378-BD6D-E0C6177E9DE6}" srcOrd="0" destOrd="0" presId="urn:microsoft.com/office/officeart/2008/layout/LinedList"/>
+    <dgm:cxn modelId="{54A613B3-A87C-4F79-8EC8-D5582D807123}" type="presParOf" srcId="{18111E0C-9AD3-4F6A-8DDE-CF427068BBC2}" destId="{DD68FE41-AA09-4930-AD34-B2183FB5C7DD}" srcOrd="1" destOrd="0" presId="urn:microsoft.com/office/officeart/2008/layout/LinedList"/>
+    <dgm:cxn modelId="{3393987E-8061-4581-BF5C-6361315D1A04}" type="presParOf" srcId="{052EFA07-BAB8-42F4-BB90-21BB463DE165}" destId="{A67CBC7C-098C-4BED-B686-CF0DDC5DEDF1}" srcOrd="6" destOrd="0" presId="urn:microsoft.com/office/officeart/2008/layout/LinedList"/>
+    <dgm:cxn modelId="{287041BE-F22F-4FAB-A9BC-5056F99B85B7}" type="presParOf" srcId="{052EFA07-BAB8-42F4-BB90-21BB463DE165}" destId="{F7313AFF-3E81-4489-BD1D-D431CBACDB0A}" srcOrd="7" destOrd="0" presId="urn:microsoft.com/office/officeart/2008/layout/LinedList"/>
+    <dgm:cxn modelId="{3ED22710-334E-47F7-AAA3-90CD205EC616}" type="presParOf" srcId="{F7313AFF-3E81-4489-BD1D-D431CBACDB0A}" destId="{A3D53EF7-6F4F-4914-9E6F-35D87DBA2DE0}" srcOrd="0" destOrd="0" presId="urn:microsoft.com/office/officeart/2008/layout/LinedList"/>
+    <dgm:cxn modelId="{6FBF7703-3A71-4379-95EC-FA50400F3E6C}" type="presParOf" srcId="{F7313AFF-3E81-4489-BD1D-D431CBACDB0A}" destId="{A3676ECC-6666-43D3-8850-15A630A84E75}" srcOrd="1" destOrd="0" presId="urn:microsoft.com/office/officeart/2008/layout/LinedList"/>
+    <dgm:cxn modelId="{D509E96A-E274-4927-AA96-86B04FFB5B51}" type="presParOf" srcId="{052EFA07-BAB8-42F4-BB90-21BB463DE165}" destId="{AAEEE499-F448-4442-BAA0-F6DAE71B9E34}" srcOrd="8" destOrd="0" presId="urn:microsoft.com/office/officeart/2008/layout/LinedList"/>
+    <dgm:cxn modelId="{A6C067B1-C59E-4FC7-A509-BBACB56940BE}" type="presParOf" srcId="{052EFA07-BAB8-42F4-BB90-21BB463DE165}" destId="{DE668EEE-451A-4AEB-9622-773890C6DE8D}" srcOrd="9" destOrd="0" presId="urn:microsoft.com/office/officeart/2008/layout/LinedList"/>
+    <dgm:cxn modelId="{672B2CC9-9068-41FF-8B2A-6A923388D1E9}" type="presParOf" srcId="{DE668EEE-451A-4AEB-9622-773890C6DE8D}" destId="{D587E9C7-DD12-4393-8F9E-A8F4905E40A9}" srcOrd="0" destOrd="0" presId="urn:microsoft.com/office/officeart/2008/layout/LinedList"/>
+    <dgm:cxn modelId="{26223470-E183-4E82-B7A8-19E977BBD72E}" type="presParOf" srcId="{DE668EEE-451A-4AEB-9622-773890C6DE8D}" destId="{040CE05A-6F71-4E09-9450-E06807777202}" srcOrd="1" destOrd="0" presId="urn:microsoft.com/office/officeart/2008/layout/LinedList"/>
+    <dgm:cxn modelId="{D0B2566F-35B1-4EF8-92D3-D34744FC5FD1}" type="presParOf" srcId="{052EFA07-BAB8-42F4-BB90-21BB463DE165}" destId="{69E31B5A-1ED7-486A-BD47-44EF534C798F}" srcOrd="10" destOrd="0" presId="urn:microsoft.com/office/officeart/2008/layout/LinedList"/>
+    <dgm:cxn modelId="{11C8763C-619E-4E4F-BE9A-3EE964C3F581}" type="presParOf" srcId="{052EFA07-BAB8-42F4-BB90-21BB463DE165}" destId="{A8094D6C-F5ED-4838-9EDF-DD74E0F4F0FA}" srcOrd="11" destOrd="0" presId="urn:microsoft.com/office/officeart/2008/layout/LinedList"/>
+    <dgm:cxn modelId="{2ECD2566-1A95-4503-9349-16DF561E16CF}" type="presParOf" srcId="{A8094D6C-F5ED-4838-9EDF-DD74E0F4F0FA}" destId="{5244B34F-23CA-489B-84DD-A0E44953D21B}" srcOrd="0" destOrd="0" presId="urn:microsoft.com/office/officeart/2008/layout/LinedList"/>
+    <dgm:cxn modelId="{52D4FA12-5F7C-4883-851C-4CF7487182AF}" type="presParOf" srcId="{A8094D6C-F5ED-4838-9EDF-DD74E0F4F0FA}" destId="{04F4CEF9-DC33-4E99-838F-3C9B76251D98}" srcOrd="1" destOrd="0" presId="urn:microsoft.com/office/officeart/2008/layout/LinedList"/>
+  </dgm:cxnLst>
+  <dgm:bg/>
+  <dgm:whole/>
+  <dgm:extLst>
+    <a:ext uri="http://schemas.microsoft.com/office/drawing/2008/diagram">
+      <dsp:dataModelExt xmlns:dsp="http://schemas.microsoft.com/office/drawing/2008/diagram" relId="rId6" minVer="http://schemas.openxmlformats.org/drawingml/2006/diagram"/>
+    </a:ext>
+  </dgm:extLst>
+</dgm:dataModel>
+</file>
+
+<file path=ppt/diagrams/drawing1.xml><?xml version="1.0" encoding="utf-8"?>
+<dsp:drawing xmlns:dgm="http://schemas.openxmlformats.org/drawingml/2006/diagram" xmlns:dsp="http://schemas.microsoft.com/office/drawing/2008/diagram" xmlns:a="http://schemas.openxmlformats.org/drawingml/2006/main">
+  <dsp:spTree>
+    <dsp:nvGrpSpPr>
+      <dsp:cNvPr id="0" name=""/>
+      <dsp:cNvGrpSpPr/>
+    </dsp:nvGrpSpPr>
+    <dsp:grpSpPr/>
+    <dsp:sp modelId="{193E961D-291B-44D7-BCCC-0719B53EA64F}">
+      <dsp:nvSpPr>
+        <dsp:cNvPr id="0" name=""/>
+        <dsp:cNvSpPr/>
+      </dsp:nvSpPr>
+      <dsp:spPr>
+        <a:xfrm>
+          <a:off x="0" y="2402"/>
+          <a:ext cx="6024561" cy="0"/>
+        </a:xfrm>
+        <a:prstGeom prst="line">
+          <a:avLst/>
+        </a:prstGeom>
+        <a:solidFill>
+          <a:schemeClr val="accent2">
+            <a:hueOff val="0"/>
+            <a:satOff val="0"/>
+            <a:lumOff val="0"/>
+            <a:alphaOff val="0"/>
+          </a:schemeClr>
+        </a:solidFill>
+        <a:ln w="12700" cap="flat" cmpd="sng" algn="ctr">
+          <a:solidFill>
+            <a:schemeClr val="accent2">
+              <a:hueOff val="0"/>
+              <a:satOff val="0"/>
+              <a:lumOff val="0"/>
+              <a:alphaOff val="0"/>
+            </a:schemeClr>
+          </a:solidFill>
+          <a:prstDash val="solid"/>
+          <a:miter lim="800000"/>
+        </a:ln>
+        <a:effectLst/>
+      </dsp:spPr>
+      <dsp:style>
+        <a:lnRef idx="2">
+          <a:scrgbClr r="0" g="0" b="0"/>
+        </a:lnRef>
+        <a:fillRef idx="1">
+          <a:scrgbClr r="0" g="0" b="0"/>
+        </a:fillRef>
+        <a:effectRef idx="0">
+          <a:scrgbClr r="0" g="0" b="0"/>
+        </a:effectRef>
+        <a:fontRef idx="minor">
+          <a:schemeClr val="lt1"/>
+        </a:fontRef>
+      </dsp:style>
+    </dsp:sp>
+    <dsp:sp modelId="{D20F330C-0DA4-4913-9A4D-478B4E72236D}">
+      <dsp:nvSpPr>
+        <dsp:cNvPr id="0" name=""/>
+        <dsp:cNvSpPr/>
+      </dsp:nvSpPr>
+      <dsp:spPr>
+        <a:xfrm>
+          <a:off x="0" y="2402"/>
+          <a:ext cx="6024561" cy="819142"/>
+        </a:xfrm>
+        <a:prstGeom prst="rect">
+          <a:avLst/>
+        </a:prstGeom>
+        <a:noFill/>
+        <a:ln>
+          <a:noFill/>
+        </a:ln>
+        <a:effectLst/>
+      </dsp:spPr>
+      <dsp:style>
+        <a:lnRef idx="0">
+          <a:scrgbClr r="0" g="0" b="0"/>
+        </a:lnRef>
+        <a:fillRef idx="0">
+          <a:scrgbClr r="0" g="0" b="0"/>
+        </a:fillRef>
+        <a:effectRef idx="0">
+          <a:scrgbClr r="0" g="0" b="0"/>
+        </a:effectRef>
+        <a:fontRef idx="minor"/>
+      </dsp:style>
+      <dsp:txBody>
+        <a:bodyPr spcFirstLastPara="0" vert="horz" wrap="square" lIns="144780" tIns="144780" rIns="144780" bIns="144780" numCol="1" spcCol="1270" anchor="t" anchorCtr="0">
+          <a:noAutofit/>
+        </a:bodyPr>
+        <a:lstStyle/>
+        <a:p>
+          <a:pPr marL="0" lvl="0" indent="0" algn="l" defTabSz="1689100">
+            <a:lnSpc>
+              <a:spcPct val="90000"/>
+            </a:lnSpc>
+            <a:spcBef>
+              <a:spcPct val="0"/>
+            </a:spcBef>
+            <a:spcAft>
+              <a:spcPct val="35000"/>
+            </a:spcAft>
+            <a:buNone/>
+          </a:pPr>
+          <a:r>
+            <a:rPr lang="de-DE" sz="3800" b="0" kern="1200" dirty="0"/>
+            <a:t>Gegner</a:t>
+          </a:r>
+          <a:r>
+            <a:rPr lang="de-DE" sz="3800" b="1" kern="1200" dirty="0"/>
+            <a:t> </a:t>
+          </a:r>
+          <a:endParaRPr lang="en-US" sz="3800" kern="1200" dirty="0"/>
+        </a:p>
+      </dsp:txBody>
+      <dsp:txXfrm>
+        <a:off x="0" y="2402"/>
+        <a:ext cx="6024561" cy="819142"/>
+      </dsp:txXfrm>
+    </dsp:sp>
+    <dsp:sp modelId="{670B19AF-E1A1-40AF-B12D-C057A6D3E0B0}">
+      <dsp:nvSpPr>
+        <dsp:cNvPr id="0" name=""/>
+        <dsp:cNvSpPr/>
+      </dsp:nvSpPr>
+      <dsp:spPr>
+        <a:xfrm>
+          <a:off x="0" y="821545"/>
+          <a:ext cx="6024561" cy="0"/>
+        </a:xfrm>
+        <a:prstGeom prst="line">
+          <a:avLst/>
+        </a:prstGeom>
+        <a:solidFill>
+          <a:schemeClr val="accent2">
+            <a:hueOff val="297689"/>
+            <a:satOff val="-186"/>
+            <a:lumOff val="2509"/>
+            <a:alphaOff val="0"/>
+          </a:schemeClr>
+        </a:solidFill>
+        <a:ln w="12700" cap="flat" cmpd="sng" algn="ctr">
+          <a:solidFill>
+            <a:schemeClr val="accent2">
+              <a:hueOff val="297689"/>
+              <a:satOff val="-186"/>
+              <a:lumOff val="2509"/>
+              <a:alphaOff val="0"/>
+            </a:schemeClr>
+          </a:solidFill>
+          <a:prstDash val="solid"/>
+          <a:miter lim="800000"/>
+        </a:ln>
+        <a:effectLst/>
+      </dsp:spPr>
+      <dsp:style>
+        <a:lnRef idx="2">
+          <a:scrgbClr r="0" g="0" b="0"/>
+        </a:lnRef>
+        <a:fillRef idx="1">
+          <a:scrgbClr r="0" g="0" b="0"/>
+        </a:fillRef>
+        <a:effectRef idx="0">
+          <a:scrgbClr r="0" g="0" b="0"/>
+        </a:effectRef>
+        <a:fontRef idx="minor">
+          <a:schemeClr val="lt1"/>
+        </a:fontRef>
+      </dsp:style>
+    </dsp:sp>
+    <dsp:sp modelId="{9ECA3B9D-0087-4153-A319-7ED1B01AA296}">
+      <dsp:nvSpPr>
+        <dsp:cNvPr id="0" name=""/>
+        <dsp:cNvSpPr/>
+      </dsp:nvSpPr>
+      <dsp:spPr>
+        <a:xfrm>
+          <a:off x="0" y="821545"/>
+          <a:ext cx="6024561" cy="819142"/>
+        </a:xfrm>
+        <a:prstGeom prst="rect">
+          <a:avLst/>
+        </a:prstGeom>
+        <a:noFill/>
+        <a:ln>
+          <a:noFill/>
+        </a:ln>
+        <a:effectLst/>
+      </dsp:spPr>
+      <dsp:style>
+        <a:lnRef idx="0">
+          <a:scrgbClr r="0" g="0" b="0"/>
+        </a:lnRef>
+        <a:fillRef idx="0">
+          <a:scrgbClr r="0" g="0" b="0"/>
+        </a:fillRef>
+        <a:effectRef idx="0">
+          <a:scrgbClr r="0" g="0" b="0"/>
+        </a:effectRef>
+        <a:fontRef idx="minor"/>
+      </dsp:style>
+      <dsp:txBody>
+        <a:bodyPr spcFirstLastPara="0" vert="horz" wrap="square" lIns="144780" tIns="144780" rIns="144780" bIns="144780" numCol="1" spcCol="1270" anchor="t" anchorCtr="0">
+          <a:noAutofit/>
+        </a:bodyPr>
+        <a:lstStyle/>
+        <a:p>
+          <a:pPr marL="0" lvl="0" indent="0" algn="l" defTabSz="1689100">
+            <a:lnSpc>
+              <a:spcPct val="90000"/>
+            </a:lnSpc>
+            <a:spcBef>
+              <a:spcPct val="0"/>
+            </a:spcBef>
+            <a:spcAft>
+              <a:spcPct val="35000"/>
+            </a:spcAft>
+            <a:buNone/>
+          </a:pPr>
+          <a:r>
+            <a:rPr lang="de-DE" sz="3800" kern="1200"/>
+            <a:t>Coin System</a:t>
+          </a:r>
+          <a:endParaRPr lang="en-US" sz="3800" kern="1200"/>
+        </a:p>
+      </dsp:txBody>
+      <dsp:txXfrm>
+        <a:off x="0" y="821545"/>
+        <a:ext cx="6024561" cy="819142"/>
+      </dsp:txXfrm>
+    </dsp:sp>
+    <dsp:sp modelId="{37E78B73-52A4-423C-97A2-8394E8B210F8}">
+      <dsp:nvSpPr>
+        <dsp:cNvPr id="0" name=""/>
+        <dsp:cNvSpPr/>
+      </dsp:nvSpPr>
+      <dsp:spPr>
+        <a:xfrm>
+          <a:off x="0" y="1640688"/>
+          <a:ext cx="6024561" cy="0"/>
+        </a:xfrm>
+        <a:prstGeom prst="line">
+          <a:avLst/>
+        </a:prstGeom>
+        <a:solidFill>
+          <a:schemeClr val="accent2">
+            <a:hueOff val="595378"/>
+            <a:satOff val="-372"/>
+            <a:lumOff val="5018"/>
+            <a:alphaOff val="0"/>
+          </a:schemeClr>
+        </a:solidFill>
+        <a:ln w="12700" cap="flat" cmpd="sng" algn="ctr">
+          <a:solidFill>
+            <a:schemeClr val="accent2">
+              <a:hueOff val="595378"/>
+              <a:satOff val="-372"/>
+              <a:lumOff val="5018"/>
+              <a:alphaOff val="0"/>
+            </a:schemeClr>
+          </a:solidFill>
+          <a:prstDash val="solid"/>
+          <a:miter lim="800000"/>
+        </a:ln>
+        <a:effectLst/>
+      </dsp:spPr>
+      <dsp:style>
+        <a:lnRef idx="2">
+          <a:scrgbClr r="0" g="0" b="0"/>
+        </a:lnRef>
+        <a:fillRef idx="1">
+          <a:scrgbClr r="0" g="0" b="0"/>
+        </a:fillRef>
+        <a:effectRef idx="0">
+          <a:scrgbClr r="0" g="0" b="0"/>
+        </a:effectRef>
+        <a:fontRef idx="minor">
+          <a:schemeClr val="lt1"/>
+        </a:fontRef>
+      </dsp:style>
+    </dsp:sp>
+    <dsp:sp modelId="{6AE0615B-8BB6-4378-BD6D-E0C6177E9DE6}">
+      <dsp:nvSpPr>
+        <dsp:cNvPr id="0" name=""/>
+        <dsp:cNvSpPr/>
+      </dsp:nvSpPr>
+      <dsp:spPr>
+        <a:xfrm>
+          <a:off x="0" y="1640688"/>
+          <a:ext cx="6024561" cy="819142"/>
+        </a:xfrm>
+        <a:prstGeom prst="rect">
+          <a:avLst/>
+        </a:prstGeom>
+        <a:noFill/>
+        <a:ln>
+          <a:noFill/>
+        </a:ln>
+        <a:effectLst/>
+      </dsp:spPr>
+      <dsp:style>
+        <a:lnRef idx="0">
+          <a:scrgbClr r="0" g="0" b="0"/>
+        </a:lnRef>
+        <a:fillRef idx="0">
+          <a:scrgbClr r="0" g="0" b="0"/>
+        </a:fillRef>
+        <a:effectRef idx="0">
+          <a:scrgbClr r="0" g="0" b="0"/>
+        </a:effectRef>
+        <a:fontRef idx="minor"/>
+      </dsp:style>
+      <dsp:txBody>
+        <a:bodyPr spcFirstLastPara="0" vert="horz" wrap="square" lIns="144780" tIns="144780" rIns="144780" bIns="144780" numCol="1" spcCol="1270" anchor="t" anchorCtr="0">
+          <a:noAutofit/>
+        </a:bodyPr>
+        <a:lstStyle/>
+        <a:p>
+          <a:pPr marL="0" lvl="0" indent="0" algn="l" defTabSz="1689100">
+            <a:lnSpc>
+              <a:spcPct val="90000"/>
+            </a:lnSpc>
+            <a:spcBef>
+              <a:spcPct val="0"/>
+            </a:spcBef>
+            <a:spcAft>
+              <a:spcPct val="35000"/>
+            </a:spcAft>
+            <a:buNone/>
+          </a:pPr>
+          <a:r>
+            <a:rPr lang="de-DE" sz="3800" kern="1200"/>
+            <a:t>Mehr Level</a:t>
+          </a:r>
+          <a:endParaRPr lang="en-US" sz="3800" kern="1200"/>
+        </a:p>
+      </dsp:txBody>
+      <dsp:txXfrm>
+        <a:off x="0" y="1640688"/>
+        <a:ext cx="6024561" cy="819142"/>
+      </dsp:txXfrm>
+    </dsp:sp>
+    <dsp:sp modelId="{A67CBC7C-098C-4BED-B686-CF0DDC5DEDF1}">
+      <dsp:nvSpPr>
+        <dsp:cNvPr id="0" name=""/>
+        <dsp:cNvSpPr/>
+      </dsp:nvSpPr>
+      <dsp:spPr>
+        <a:xfrm>
+          <a:off x="0" y="2459831"/>
+          <a:ext cx="6024561" cy="0"/>
+        </a:xfrm>
+        <a:prstGeom prst="line">
+          <a:avLst/>
+        </a:prstGeom>
+        <a:solidFill>
+          <a:schemeClr val="accent2">
+            <a:hueOff val="893068"/>
+            <a:satOff val="-557"/>
+            <a:lumOff val="7528"/>
+            <a:alphaOff val="0"/>
+          </a:schemeClr>
+        </a:solidFill>
+        <a:ln w="12700" cap="flat" cmpd="sng" algn="ctr">
+          <a:solidFill>
+            <a:schemeClr val="accent2">
+              <a:hueOff val="893068"/>
+              <a:satOff val="-557"/>
+              <a:lumOff val="7528"/>
+              <a:alphaOff val="0"/>
+            </a:schemeClr>
+          </a:solidFill>
+          <a:prstDash val="solid"/>
+          <a:miter lim="800000"/>
+        </a:ln>
+        <a:effectLst/>
+      </dsp:spPr>
+      <dsp:style>
+        <a:lnRef idx="2">
+          <a:scrgbClr r="0" g="0" b="0"/>
+        </a:lnRef>
+        <a:fillRef idx="1">
+          <a:scrgbClr r="0" g="0" b="0"/>
+        </a:fillRef>
+        <a:effectRef idx="0">
+          <a:scrgbClr r="0" g="0" b="0"/>
+        </a:effectRef>
+        <a:fontRef idx="minor">
+          <a:schemeClr val="lt1"/>
+        </a:fontRef>
+      </dsp:style>
+    </dsp:sp>
+    <dsp:sp modelId="{A3D53EF7-6F4F-4914-9E6F-35D87DBA2DE0}">
+      <dsp:nvSpPr>
+        <dsp:cNvPr id="0" name=""/>
+        <dsp:cNvSpPr/>
+      </dsp:nvSpPr>
+      <dsp:spPr>
+        <a:xfrm>
+          <a:off x="0" y="2459831"/>
+          <a:ext cx="6024561" cy="819142"/>
+        </a:xfrm>
+        <a:prstGeom prst="rect">
+          <a:avLst/>
+        </a:prstGeom>
+        <a:noFill/>
+        <a:ln>
+          <a:noFill/>
+        </a:ln>
+        <a:effectLst/>
+      </dsp:spPr>
+      <dsp:style>
+        <a:lnRef idx="0">
+          <a:scrgbClr r="0" g="0" b="0"/>
+        </a:lnRef>
+        <a:fillRef idx="0">
+          <a:scrgbClr r="0" g="0" b="0"/>
+        </a:fillRef>
+        <a:effectRef idx="0">
+          <a:scrgbClr r="0" g="0" b="0"/>
+        </a:effectRef>
+        <a:fontRef idx="minor"/>
+      </dsp:style>
+      <dsp:txBody>
+        <a:bodyPr spcFirstLastPara="0" vert="horz" wrap="square" lIns="144780" tIns="144780" rIns="144780" bIns="144780" numCol="1" spcCol="1270" anchor="t" anchorCtr="0">
+          <a:noAutofit/>
+        </a:bodyPr>
+        <a:lstStyle/>
+        <a:p>
+          <a:pPr marL="0" lvl="0" indent="0" algn="l" defTabSz="1689100">
+            <a:lnSpc>
+              <a:spcPct val="90000"/>
+            </a:lnSpc>
+            <a:spcBef>
+              <a:spcPct val="0"/>
+            </a:spcBef>
+            <a:spcAft>
+              <a:spcPct val="35000"/>
+            </a:spcAft>
+            <a:buNone/>
+          </a:pPr>
+          <a:r>
+            <a:rPr lang="de-DE" sz="3800" kern="1200"/>
+            <a:t>Double/Wall Jump</a:t>
+          </a:r>
+          <a:endParaRPr lang="en-US" sz="3800" kern="1200"/>
+        </a:p>
+      </dsp:txBody>
+      <dsp:txXfrm>
+        <a:off x="0" y="2459831"/>
+        <a:ext cx="6024561" cy="819142"/>
+      </dsp:txXfrm>
+    </dsp:sp>
+    <dsp:sp modelId="{AAEEE499-F448-4442-BAA0-F6DAE71B9E34}">
+      <dsp:nvSpPr>
+        <dsp:cNvPr id="0" name=""/>
+        <dsp:cNvSpPr/>
+      </dsp:nvSpPr>
+      <dsp:spPr>
+        <a:xfrm>
+          <a:off x="0" y="3278973"/>
+          <a:ext cx="6024561" cy="0"/>
+        </a:xfrm>
+        <a:prstGeom prst="line">
+          <a:avLst/>
+        </a:prstGeom>
+        <a:solidFill>
+          <a:schemeClr val="accent2">
+            <a:hueOff val="1190757"/>
+            <a:satOff val="-743"/>
+            <a:lumOff val="10037"/>
+            <a:alphaOff val="0"/>
+          </a:schemeClr>
+        </a:solidFill>
+        <a:ln w="12700" cap="flat" cmpd="sng" algn="ctr">
+          <a:solidFill>
+            <a:schemeClr val="accent2">
+              <a:hueOff val="1190757"/>
+              <a:satOff val="-743"/>
+              <a:lumOff val="10037"/>
+              <a:alphaOff val="0"/>
+            </a:schemeClr>
+          </a:solidFill>
+          <a:prstDash val="solid"/>
+          <a:miter lim="800000"/>
+        </a:ln>
+        <a:effectLst/>
+      </dsp:spPr>
+      <dsp:style>
+        <a:lnRef idx="2">
+          <a:scrgbClr r="0" g="0" b="0"/>
+        </a:lnRef>
+        <a:fillRef idx="1">
+          <a:scrgbClr r="0" g="0" b="0"/>
+        </a:fillRef>
+        <a:effectRef idx="0">
+          <a:scrgbClr r="0" g="0" b="0"/>
+        </a:effectRef>
+        <a:fontRef idx="minor">
+          <a:schemeClr val="lt1"/>
+        </a:fontRef>
+      </dsp:style>
+    </dsp:sp>
+    <dsp:sp modelId="{D587E9C7-DD12-4393-8F9E-A8F4905E40A9}">
+      <dsp:nvSpPr>
+        <dsp:cNvPr id="0" name=""/>
+        <dsp:cNvSpPr/>
+      </dsp:nvSpPr>
+      <dsp:spPr>
+        <a:xfrm>
+          <a:off x="0" y="3278973"/>
+          <a:ext cx="6024561" cy="819142"/>
+        </a:xfrm>
+        <a:prstGeom prst="rect">
+          <a:avLst/>
+        </a:prstGeom>
+        <a:noFill/>
+        <a:ln>
+          <a:noFill/>
+        </a:ln>
+        <a:effectLst/>
+      </dsp:spPr>
+      <dsp:style>
+        <a:lnRef idx="0">
+          <a:scrgbClr r="0" g="0" b="0"/>
+        </a:lnRef>
+        <a:fillRef idx="0">
+          <a:scrgbClr r="0" g="0" b="0"/>
+        </a:fillRef>
+        <a:effectRef idx="0">
+          <a:scrgbClr r="0" g="0" b="0"/>
+        </a:effectRef>
+        <a:fontRef idx="minor"/>
+      </dsp:style>
+      <dsp:txBody>
+        <a:bodyPr spcFirstLastPara="0" vert="horz" wrap="square" lIns="144780" tIns="144780" rIns="144780" bIns="144780" numCol="1" spcCol="1270" anchor="t" anchorCtr="0">
+          <a:noAutofit/>
+        </a:bodyPr>
+        <a:lstStyle/>
+        <a:p>
+          <a:pPr marL="0" lvl="0" indent="0" algn="l" defTabSz="1689100">
+            <a:lnSpc>
+              <a:spcPct val="90000"/>
+            </a:lnSpc>
+            <a:spcBef>
+              <a:spcPct val="0"/>
+            </a:spcBef>
+            <a:spcAft>
+              <a:spcPct val="35000"/>
+            </a:spcAft>
+            <a:buNone/>
+          </a:pPr>
+          <a:r>
+            <a:rPr lang="de-DE" sz="3800" kern="1200" dirty="0"/>
+            <a:t>Zeit System</a:t>
+          </a:r>
+          <a:endParaRPr lang="en-US" sz="3800" kern="1200" dirty="0"/>
+        </a:p>
+      </dsp:txBody>
+      <dsp:txXfrm>
+        <a:off x="0" y="3278973"/>
+        <a:ext cx="6024561" cy="819142"/>
+      </dsp:txXfrm>
+    </dsp:sp>
+    <dsp:sp modelId="{69E31B5A-1ED7-486A-BD47-44EF534C798F}">
+      <dsp:nvSpPr>
+        <dsp:cNvPr id="0" name=""/>
+        <dsp:cNvSpPr/>
+      </dsp:nvSpPr>
+      <dsp:spPr>
+        <a:xfrm>
+          <a:off x="0" y="4098116"/>
+          <a:ext cx="6024561" cy="0"/>
+        </a:xfrm>
+        <a:prstGeom prst="line">
+          <a:avLst/>
+        </a:prstGeom>
+        <a:solidFill>
+          <a:schemeClr val="accent2">
+            <a:hueOff val="1488446"/>
+            <a:satOff val="-929"/>
+            <a:lumOff val="12546"/>
+            <a:alphaOff val="0"/>
+          </a:schemeClr>
+        </a:solidFill>
+        <a:ln w="12700" cap="flat" cmpd="sng" algn="ctr">
+          <a:solidFill>
+            <a:schemeClr val="accent2">
+              <a:hueOff val="1488446"/>
+              <a:satOff val="-929"/>
+              <a:lumOff val="12546"/>
+              <a:alphaOff val="0"/>
+            </a:schemeClr>
+          </a:solidFill>
+          <a:prstDash val="solid"/>
+          <a:miter lim="800000"/>
+        </a:ln>
+        <a:effectLst/>
+      </dsp:spPr>
+      <dsp:style>
+        <a:lnRef idx="2">
+          <a:scrgbClr r="0" g="0" b="0"/>
+        </a:lnRef>
+        <a:fillRef idx="1">
+          <a:scrgbClr r="0" g="0" b="0"/>
+        </a:fillRef>
+        <a:effectRef idx="0">
+          <a:scrgbClr r="0" g="0" b="0"/>
+        </a:effectRef>
+        <a:fontRef idx="minor">
+          <a:schemeClr val="lt1"/>
+        </a:fontRef>
+      </dsp:style>
+    </dsp:sp>
+    <dsp:sp modelId="{5244B34F-23CA-489B-84DD-A0E44953D21B}">
+      <dsp:nvSpPr>
+        <dsp:cNvPr id="0" name=""/>
+        <dsp:cNvSpPr/>
+      </dsp:nvSpPr>
+      <dsp:spPr>
+        <a:xfrm>
+          <a:off x="0" y="4098116"/>
+          <a:ext cx="6024561" cy="819142"/>
+        </a:xfrm>
+        <a:prstGeom prst="rect">
+          <a:avLst/>
+        </a:prstGeom>
+        <a:noFill/>
+        <a:ln>
+          <a:noFill/>
+        </a:ln>
+        <a:effectLst/>
+      </dsp:spPr>
+      <dsp:style>
+        <a:lnRef idx="0">
+          <a:scrgbClr r="0" g="0" b="0"/>
+        </a:lnRef>
+        <a:fillRef idx="0">
+          <a:scrgbClr r="0" g="0" b="0"/>
+        </a:fillRef>
+        <a:effectRef idx="0">
+          <a:scrgbClr r="0" g="0" b="0"/>
+        </a:effectRef>
+        <a:fontRef idx="minor"/>
+      </dsp:style>
+      <dsp:txBody>
+        <a:bodyPr spcFirstLastPara="0" vert="horz" wrap="square" lIns="144780" tIns="144780" rIns="144780" bIns="144780" numCol="1" spcCol="1270" anchor="t" anchorCtr="0">
+          <a:noAutofit/>
+        </a:bodyPr>
+        <a:lstStyle/>
+        <a:p>
+          <a:pPr marL="0" lvl="0" indent="0" algn="l" defTabSz="1689100">
+            <a:lnSpc>
+              <a:spcPct val="90000"/>
+            </a:lnSpc>
+            <a:spcBef>
+              <a:spcPct val="0"/>
+            </a:spcBef>
+            <a:spcAft>
+              <a:spcPct val="35000"/>
+            </a:spcAft>
+            <a:buNone/>
+          </a:pPr>
+          <a:r>
+            <a:rPr lang="en-US" sz="3800" kern="1200" dirty="0"/>
+            <a:t>Spiel Name</a:t>
+          </a:r>
+        </a:p>
+      </dsp:txBody>
+      <dsp:txXfrm>
+        <a:off x="0" y="4098116"/>
+        <a:ext cx="6024561" cy="819142"/>
+      </dsp:txXfrm>
+    </dsp:sp>
+  </dsp:spTree>
+</dsp:drawing>
+</file>
+
+<file path=ppt/diagrams/layout1.xml><?xml version="1.0" encoding="utf-8"?>
+<dgm:layoutDef xmlns:dgm="http://schemas.openxmlformats.org/drawingml/2006/diagram" xmlns:a="http://schemas.openxmlformats.org/drawingml/2006/main" uniqueId="urn:microsoft.com/office/officeart/2008/layout/LinedList">
+  <dgm:title val=""/>
+  <dgm:desc val=""/>
+  <dgm:catLst>
+    <dgm:cat type="hierarchy" pri="8000"/>
+    <dgm:cat type="list" pri="2500"/>
+  </dgm:catLst>
+  <dgm:sampData>
+    <dgm:dataModel>
+      <dgm:ptLst>
+        <dgm:pt modelId="0" type="doc"/>
+        <dgm:pt modelId="1">
+          <dgm:prSet phldr="1"/>
+        </dgm:pt>
+        <dgm:pt modelId="11">
+          <dgm:prSet phldr="1"/>
+        </dgm:pt>
+        <dgm:pt modelId="12">
+          <dgm:prSet phldr="1"/>
+        </dgm:pt>
+        <dgm:pt modelId="13">
+          <dgm:prSet phldr="1"/>
+        </dgm:pt>
+      </dgm:ptLst>
+      <dgm:cxnLst>
+        <dgm:cxn modelId="2" srcId="0" destId="1" srcOrd="0" destOrd="0"/>
+        <dgm:cxn modelId="3" srcId="1" destId="11" srcOrd="0" destOrd="0"/>
+        <dgm:cxn modelId="4" srcId="1" destId="12" srcOrd="1" destOrd="0"/>
+        <dgm:cxn modelId="5" srcId="1" destId="13" srcOrd="2" destOrd="0"/>
+      </dgm:cxnLst>
+      <dgm:bg/>
+      <dgm:whole/>
+    </dgm:dataModel>
+  </dgm:sampData>
+  <dgm:styleData>
+    <dgm:dataModel>
+      <dgm:ptLst>
+        <dgm:pt modelId="0" type="doc"/>
+        <dgm:pt modelId="1">
+          <dgm:prSet phldr="1"/>
+        </dgm:pt>
+        <dgm:pt modelId="11">
+          <dgm:prSet phldr="1"/>
+        </dgm:pt>
+        <dgm:pt modelId="12">
+          <dgm:prSet phldr="1"/>
+        </dgm:pt>
+      </dgm:ptLst>
+      <dgm:cxnLst>
+        <dgm:cxn modelId="2" srcId="0" destId="1" srcOrd="0" destOrd="0"/>
+        <dgm:cxn modelId="3" srcId="1" destId="11" srcOrd="0" destOrd="0"/>
+        <dgm:cxn modelId="4" srcId="1" destId="12" srcOrd="1" destOrd="0"/>
+      </dgm:cxnLst>
+      <dgm:bg/>
+      <dgm:whole/>
+    </dgm:dataModel>
+  </dgm:styleData>
+  <dgm:clrData>
+    <dgm:dataModel>
+      <dgm:ptLst>
+        <dgm:pt modelId="0" type="doc"/>
+        <dgm:pt modelId="1">
+          <dgm:prSet phldr="1"/>
+        </dgm:pt>
+        <dgm:pt modelId="11">
+          <dgm:prSet phldr="1"/>
+        </dgm:pt>
+        <dgm:pt modelId="12">
+          <dgm:prSet phldr="1"/>
+        </dgm:pt>
+      </dgm:ptLst>
+      <dgm:cxnLst>
+        <dgm:cxn modelId="2" srcId="0" destId="1" srcOrd="0" destOrd="0"/>
+        <dgm:cxn modelId="3" srcId="1" destId="11" srcOrd="0" destOrd="0"/>
+        <dgm:cxn modelId="4" srcId="1" destId="12" srcOrd="1" destOrd="0"/>
+      </dgm:cxnLst>
+      <dgm:bg/>
+      <dgm:whole/>
+    </dgm:dataModel>
+  </dgm:clrData>
+  <dgm:layoutNode name="vert0">
+    <dgm:varLst>
+      <dgm:dir/>
+      <dgm:animOne val="branch"/>
+      <dgm:animLvl val="lvl"/>
+    </dgm:varLst>
+    <dgm:choose name="Name0">
+      <dgm:if name="Name1" func="var" arg="dir" op="equ" val="norm">
+        <dgm:alg type="lin">
+          <dgm:param type="linDir" val="fromT"/>
+          <dgm:param type="nodeHorzAlign" val="l"/>
+        </dgm:alg>
+      </dgm:if>
+      <dgm:else name="Name2">
+        <dgm:alg type="lin">
+          <dgm:param type="linDir" val="fromT"/>
+          <dgm:param type="nodeHorzAlign" val="r"/>
+        </dgm:alg>
+      </dgm:else>
+    </dgm:choose>
+    <dgm:shape xmlns:r="http://schemas.openxmlformats.org/officeDocument/2006/relationships" r:blip="">
+      <dgm:adjLst/>
+    </dgm:shape>
+    <dgm:presOf/>
+    <dgm:constrLst>
+      <dgm:constr type="w" for="ch" forName="horz1" refType="w"/>
+      <dgm:constr type="h" for="ch" forName="horz1" refType="h"/>
+      <dgm:constr type="h" for="des" forName="vert1" refType="h"/>
+      <dgm:constr type="h" for="des" forName="tx1" refType="h"/>
+      <dgm:constr type="h" for="des" forName="horz2" refType="h"/>
+      <dgm:constr type="h" for="des" forName="vert2" refType="h"/>
+      <dgm:constr type="h" for="des" forName="horz3" refType="h"/>
+      <dgm:constr type="h" for="des" forName="vert3" refType="h"/>
+      <dgm:constr type="h" for="des" forName="horz4" refType="h"/>
+      <dgm:constr type="h" for="des" ptType="node" refType="h"/>
+      <dgm:constr type="primFontSz" for="des" forName="tx1" op="equ" val="65"/>
+      <dgm:constr type="primFontSz" for="des" forName="tx2" op="equ" val="65"/>
+      <dgm:constr type="primFontSz" for="des" forName="tx3" op="equ" val="65"/>
+      <dgm:constr type="primFontSz" for="des" forName="tx4" op="equ" val="65"/>
+      <dgm:constr type="w" for="des" forName="thickLine" refType="w"/>
+      <dgm:constr type="h" for="des" forName="thickLine"/>
+      <dgm:constr type="h" for="des" forName="thinLine1"/>
+      <dgm:constr type="h" for="des" forName="thinLine2b"/>
+      <dgm:constr type="h" for="des" forName="thinLine3"/>
+      <dgm:constr type="h" for="des" forName="vertSpace2a" refType="h" fact="0.05"/>
+      <dgm:constr type="h" for="des" forName="vertSpace2b" refType="h" refFor="des" refForName="vertSpace2a"/>
+    </dgm:constrLst>
+    <dgm:forEach name="Name3" axis="ch" ptType="node">
+      <dgm:layoutNode name="thickLine" styleLbl="alignNode1">
+        <dgm:alg type="sp"/>
+        <dgm:shape xmlns:r="http://schemas.openxmlformats.org/officeDocument/2006/relationships" type="line" r:blip="">
+          <dgm:adjLst/>
+        </dgm:shape>
+        <dgm:presOf/>
+      </dgm:layoutNode>
+      <dgm:layoutNode name="horz1">
+        <dgm:choose name="Name4">
+          <dgm:if name="Name5" func="var" arg="dir" op="equ" val="norm">
+            <dgm:alg type="lin">
+              <dgm:param type="linDir" val="fromL"/>
+              <dgm:param type="nodeVertAlign" val="t"/>
+            </dgm:alg>
+          </dgm:if>
+          <dgm:else name="Name6">
+            <dgm:alg type="lin">
+              <dgm:param type="linDir" val="fromR"/>
+              <dgm:param type="nodeVertAlign" val="t"/>
+            </dgm:alg>
+          </dgm:else>
+        </dgm:choose>
+        <dgm:shape xmlns:r="http://schemas.openxmlformats.org/officeDocument/2006/relationships" r:blip="">
+          <dgm:adjLst/>
+        </dgm:shape>
+        <dgm:presOf/>
+        <dgm:choose name="Name7">
+          <dgm:if name="Name8" axis="root des" func="maxDepth" op="equ" val="1">
+            <dgm:constrLst>
+              <dgm:constr type="w" for="ch" forName="tx1" refType="w"/>
+            </dgm:constrLst>
+          </dgm:if>
+          <dgm:if name="Name9" axis="root des" func="maxDepth" op="equ" val="2">
+            <dgm:constrLst>
+              <dgm:constr type="w" for="ch" forName="tx1" refType="w" fact="0.2"/>
+              <dgm:constr type="w" for="des" forName="tx2" refType="w" fact="0.785"/>
+              <dgm:constr type="w" for="des" forName="horzSpace2" refType="w" fact="0.015"/>
+              <dgm:constr type="w" for="des" forName="thinLine2b" refType="w" fact="0.8"/>
+            </dgm:constrLst>
+          </dgm:if>
+          <dgm:if name="Name10" axis="root des" func="maxDepth" op="equ" val="3">
+            <dgm:constrLst>
+              <dgm:constr type="w" for="ch" forName="tx1" refType="w" fact="0.2"/>
+              <dgm:constr type="w" for="des" forName="tx2" refType="w" fact="0.385"/>
+              <dgm:constr type="w" for="des" forName="tx3" refType="w" fact="0.385"/>
+              <dgm:constr type="w" for="des" forName="horzSpace2" refType="w" fact="0.015"/>
+              <dgm:constr type="w" for="des" forName="horzSpace3" refType="w" fact="0.015"/>
+              <dgm:constr type="w" for="des" forName="thinLine2b" refType="w" fact="0.8"/>
+              <dgm:constr type="w" for="des" forName="thinLine3" refType="w" fact="0.385"/>
+            </dgm:constrLst>
+          </dgm:if>
+          <dgm:if name="Name11" axis="root des" func="maxDepth" op="gte" val="4">
+            <dgm:constrLst>
+              <dgm:constr type="w" for="ch" forName="tx1" refType="w" fact="0.2"/>
+              <dgm:constr type="w" for="des" forName="tx2" refType="w" fact="0.2516"/>
+              <dgm:constr type="w" for="des" forName="tx3" refType="w" fact="0.2516"/>
+              <dgm:constr type="w" for="des" forName="tx4" refType="w" fact="0.2516"/>
+              <dgm:constr type="w" for="des" forName="horzSpace2" refType="w" fact="0.015"/>
+              <dgm:constr type="w" for="des" forName="horzSpace3" refType="w" fact="0.015"/>
+              <dgm:constr type="w" for="des" forName="horzSpace4" refType="w" fact="0.015"/>
+              <dgm:constr type="w" for="des" forName="thinLine2b" refType="w" fact="0.8"/>
+              <dgm:constr type="w" for="des" forName="thinLine3" refType="w" fact="0.5332"/>
+            </dgm:constrLst>
+          </dgm:if>
+          <dgm:else name="Name12"/>
+        </dgm:choose>
+        <dgm:layoutNode name="tx1" styleLbl="revTx">
+          <dgm:alg type="tx">
+            <dgm:param type="parTxLTRAlign" val="l"/>
+            <dgm:param type="parTxRTLAlign" val="r"/>
+            <dgm:param type="txAnchorVert" val="t"/>
+          </dgm:alg>
+          <dgm:shape xmlns:r="http://schemas.openxmlformats.org/officeDocument/2006/relationships" type="rect" r:blip="">
+            <dgm:adjLst/>
+          </dgm:shape>
+          <dgm:presOf axis="self"/>
+          <dgm:constrLst>
+            <dgm:constr type="tMarg" refType="primFontSz" fact="0.3"/>
+            <dgm:constr type="bMarg" refType="primFontSz" fact="0.3"/>
+            <dgm:constr type="lMarg" refType="primFontSz" fact="0.3"/>
+            <dgm:constr type="rMarg" refType="primFontSz" fact="0.3"/>
+          </dgm:constrLst>
+          <dgm:ruleLst>
+            <dgm:rule type="primFontSz" val="5" fact="NaN" max="NaN"/>
+          </dgm:ruleLst>
+        </dgm:layoutNode>
+        <dgm:layoutNode name="vert1">
+          <dgm:choose name="Name13">
+            <dgm:if name="Name14" func="var" arg="dir" op="equ" val="norm">
+              <dgm:alg type="lin">
+                <dgm:param type="linDir" val="fromT"/>
+                <dgm:param type="nodeHorzAlign" val="l"/>
+              </dgm:alg>
+            </dgm:if>
+            <dgm:else name="Name15">
+              <dgm:alg type="lin">
+                <dgm:param type="linDir" val="fromT"/>
+                <dgm:param type="nodeHorzAlign" val="r"/>
+              </dgm:alg>
+            </dgm:else>
+          </dgm:choose>
+          <dgm:shape xmlns:r="http://schemas.openxmlformats.org/officeDocument/2006/relationships" r:blip="">
+            <dgm:adjLst/>
+          </dgm:shape>
+          <dgm:presOf/>
+          <dgm:forEach name="Name16" axis="ch" ptType="node">
+            <dgm:choose name="Name17">
+              <dgm:if name="Name18" axis="self" ptType="node" func="pos" op="equ" val="1">
+                <dgm:layoutNode name="vertSpace2a">
+                  <dgm:alg type="sp"/>
+                  <dgm:shape xmlns:r="http://schemas.openxmlformats.org/officeDocument/2006/relationships" r:blip="">
+                    <dgm:adjLst/>
+                  </dgm:shape>
+                  <dgm:presOf/>
+                </dgm:layoutNode>
+              </dgm:if>
+              <dgm:else name="Name19"/>
+            </dgm:choose>
+            <dgm:layoutNode name="horz2">
+              <dgm:choose name="Name20">
+                <dgm:if name="Name21" func="var" arg="dir" op="equ" val="norm">
+                  <dgm:alg type="lin">
+                    <dgm:param type="linDir" val="fromL"/>
+                    <dgm:param type="nodeVertAlign" val="t"/>
+                  </dgm:alg>
+                </dgm:if>
+                <dgm:else name="Name22">
+                  <dgm:alg type="lin">
+                    <dgm:param type="linDir" val="fromR"/>
+                    <dgm:param type="nodeVertAlign" val="t"/>
+                  </dgm:alg>
+                </dgm:else>
+              </dgm:choose>
+              <dgm:shape xmlns:r="http://schemas.openxmlformats.org/officeDocument/2006/relationships" r:blip="">
+                <dgm:adjLst/>
+              </dgm:shape>
+              <dgm:presOf/>
+              <dgm:layoutNode name="horzSpace2">
+                <dgm:alg type="sp"/>
+                <dgm:shape xmlns:r="http://schemas.openxmlformats.org/officeDocument/2006/relationships" r:blip="">
+                  <dgm:adjLst/>
+                </dgm:shape>
+                <dgm:presOf/>
+              </dgm:layoutNode>
+              <dgm:layoutNode name="tx2" styleLbl="revTx">
+                <dgm:alg type="tx">
+                  <dgm:param type="parTxLTRAlign" val="l"/>
+                  <dgm:param type="parTxRTLAlign" val="r"/>
+                  <dgm:param type="txAnchorVert" val="t"/>
+                </dgm:alg>
+                <dgm:shape xmlns:r="http://schemas.openxmlformats.org/officeDocument/2006/relationships" type="rect" r:blip="">
+                  <dgm:adjLst/>
+                </dgm:shape>
+                <dgm:presOf axis="self"/>
+                <dgm:constrLst>
+                  <dgm:constr type="tMarg" refType="primFontSz" fact="0.3"/>
+                  <dgm:constr type="bMarg" refType="primFontSz" fact="0.3"/>
+                  <dgm:constr type="lMarg" refType="primFontSz" fact="0.3"/>
+                  <dgm:constr type="rMarg" refType="primFontSz" fact="0.3"/>
+                </dgm:constrLst>
+                <dgm:ruleLst>
+                  <dgm:rule type="primFontSz" val="5" fact="NaN" max="NaN"/>
+                </dgm:ruleLst>
+              </dgm:layoutNode>
+              <dgm:layoutNode name="vert2">
+                <dgm:choose name="Name23">
+                  <dgm:if name="Name24" func="var" arg="dir" op="equ" val="norm">
+                    <dgm:alg type="lin">
+                      <dgm:param type="linDir" val="fromT"/>
+                      <dgm:param type="nodeHorzAlign" val="l"/>
+                    </dgm:alg>
+                  </dgm:if>
+                  <dgm:else name="Name25">
+                    <dgm:alg type="lin">
+                      <dgm:param type="linDir" val="fromT"/>
+                      <dgm:param type="nodeHorzAlign" val="r"/>
+                    </dgm:alg>
+                  </dgm:else>
+                </dgm:choose>
+                <dgm:shape xmlns:r="http://schemas.openxmlformats.org/officeDocument/2006/relationships" r:blip="">
+                  <dgm:adjLst/>
+                </dgm:shape>
+                <dgm:presOf/>
+                <dgm:forEach name="Name26" axis="ch" ptType="node">
+                  <dgm:layoutNode name="horz3">
+                    <dgm:choose name="Name27">
+                      <dgm:if name="Name28" func="var" arg="dir" op="equ" val="norm">
+                        <dgm:alg type="lin">
+                          <dgm:param type="linDir" val="fromL"/>
+                          <dgm:param type="nodeVertAlign" val="t"/>
+                        </dgm:alg>
+                      </dgm:if>
+                      <dgm:else name="Name29">
+                        <dgm:alg type="lin">
+                          <dgm:param type="linDir" val="fromR"/>
+                          <dgm:param type="nodeVertAlign" val="t"/>
+                        </dgm:alg>
+                      </dgm:else>
+                    </dgm:choose>
+                    <dgm:shape xmlns:r="http://schemas.openxmlformats.org/officeDocument/2006/relationships" r:blip="">
+                      <dgm:adjLst/>
+                    </dgm:shape>
+                    <dgm:presOf/>
+                    <dgm:layoutNode name="horzSpace3">
+                      <dgm:alg type="sp"/>
+                      <dgm:shape xmlns:r="http://schemas.openxmlformats.org/officeDocument/2006/relationships" r:blip="">
+                        <dgm:adjLst/>
+                      </dgm:shape>
+                      <dgm:presOf/>
+                    </dgm:layoutNode>
+                    <dgm:layoutNode name="tx3" styleLbl="revTx">
+                      <dgm:alg type="tx">
+                        <dgm:param type="parTxLTRAlign" val="l"/>
+                        <dgm:param type="parTxRTLAlign" val="r"/>
+                        <dgm:param type="txAnchorVert" val="t"/>
+                      </dgm:alg>
+                      <dgm:shape xmlns:r="http://schemas.openxmlformats.org/officeDocument/2006/relationships" type="rect" r:blip="">
+                        <dgm:adjLst/>
+                      </dgm:shape>
+                      <dgm:presOf axis="self"/>
+                      <dgm:constrLst>
+                        <dgm:constr type="tMarg" refType="primFontSz" fact="0.3"/>
+                        <dgm:constr type="bMarg" refType="primFontSz" fact="0.3"/>
+                        <dgm:constr type="lMarg" refType="primFontSz" fact="0.3"/>
+                        <dgm:constr type="rMarg" refType="primFontSz" fact="0.3"/>
+                      </dgm:constrLst>
+                      <dgm:ruleLst>
+                        <dgm:rule type="primFontSz" val="5" fact="NaN" max="NaN"/>
+                      </dgm:ruleLst>
+                    </dgm:layoutNode>
+                    <dgm:layoutNode name="vert3">
+                      <dgm:choose name="Name30">
+                        <dgm:if name="Name31" func="var" arg="dir" op="equ" val="norm">
+                          <dgm:alg type="lin">
+                            <dgm:param type="linDir" val="fromT"/>
+                            <dgm:param type="nodeHorzAlign" val="l"/>
+                          </dgm:alg>
+                        </dgm:if>
+                        <dgm:else name="Name32">
+                          <dgm:alg type="lin">
+                            <dgm:param type="linDir" val="fromT"/>
+                            <dgm:param type="nodeHorzAlign" val="r"/>
+                          </dgm:alg>
+                        </dgm:else>
+                      </dgm:choose>
+                      <dgm:shape xmlns:r="http://schemas.openxmlformats.org/officeDocument/2006/relationships" r:blip="">
+                        <dgm:adjLst/>
+                      </dgm:shape>
+                      <dgm:presOf/>
+                      <dgm:forEach name="Name33" axis="ch" ptType="node">
+                        <dgm:layoutNode name="horz4">
+                          <dgm:choose name="Name34">
+                            <dgm:if name="Name35" func="var" arg="dir" op="equ" val="norm">
+                              <dgm:alg type="lin">
+                                <dgm:param type="linDir" val="fromL"/>
+                                <dgm:param type="nodeVertAlign" val="t"/>
+                              </dgm:alg>
+                            </dgm:if>
+                            <dgm:else name="Name36">
+                              <dgm:alg type="lin">
+                                <dgm:param type="linDir" val="fromR"/>
+                                <dgm:param type="nodeVertAlign" val="t"/>
+                              </dgm:alg>
+                            </dgm:else>
+                          </dgm:choose>
+                          <dgm:shape xmlns:r="http://schemas.openxmlformats.org/officeDocument/2006/relationships" r:blip="">
+                            <dgm:adjLst/>
+                          </dgm:shape>
+                          <dgm:presOf/>
+                          <dgm:layoutNode name="horzSpace4">
+                            <dgm:alg type="sp"/>
+                            <dgm:shape xmlns:r="http://schemas.openxmlformats.org/officeDocument/2006/relationships" r:blip="">
+                              <dgm:adjLst/>
+                            </dgm:shape>
+                            <dgm:presOf/>
+                          </dgm:layoutNode>
+                          <dgm:layoutNode name="tx4" styleLbl="revTx">
+                            <dgm:varLst>
+                              <dgm:bulletEnabled val="1"/>
+                            </dgm:varLst>
+                            <dgm:alg type="tx">
+                              <dgm:param type="parTxLTRAlign" val="l"/>
+                              <dgm:param type="parTxRTLAlign" val="r"/>
+                              <dgm:param type="txAnchorVert" val="t"/>
+                            </dgm:alg>
+                            <dgm:shape xmlns:r="http://schemas.openxmlformats.org/officeDocument/2006/relationships" type="rect" r:blip="">
+                              <dgm:adjLst/>
+                            </dgm:shape>
+                            <dgm:presOf axis="desOrSelf" ptType="node"/>
+                            <dgm:constrLst>
+                              <dgm:constr type="tMarg" refType="primFontSz" fact="0.3"/>
+                              <dgm:constr type="bMarg" refType="primFontSz" fact="0.3"/>
+                              <dgm:constr type="lMarg" refType="primFontSz" fact="0.3"/>
+                              <dgm:constr type="rMarg" refType="primFontSz" fact="0.3"/>
+                            </dgm:constrLst>
+                            <dgm:ruleLst>
+                              <dgm:rule type="primFontSz" val="5" fact="NaN" max="NaN"/>
+                            </dgm:ruleLst>
+                          </dgm:layoutNode>
+                        </dgm:layoutNode>
+                      </dgm:forEach>
+                    </dgm:layoutNode>
+                  </dgm:layoutNode>
+                  <dgm:forEach name="Name37" axis="followSib" ptType="sibTrans" cnt="1">
+                    <dgm:layoutNode name="thinLine3" styleLbl="callout">
+                      <dgm:alg type="sp"/>
+                      <dgm:shape xmlns:r="http://schemas.openxmlformats.org/officeDocument/2006/relationships" type="line" r:blip="">
+                        <dgm:adjLst/>
+                      </dgm:shape>
+                      <dgm:presOf/>
+                    </dgm:layoutNode>
+                  </dgm:forEach>
+                </dgm:forEach>
+              </dgm:layoutNode>
+            </dgm:layoutNode>
+            <dgm:layoutNode name="thinLine2b" styleLbl="callout">
+              <dgm:alg type="sp"/>
+              <dgm:shape xmlns:r="http://schemas.openxmlformats.org/officeDocument/2006/relationships" type="line" r:blip="">
+                <dgm:adjLst/>
+              </dgm:shape>
+              <dgm:presOf/>
+            </dgm:layoutNode>
+            <dgm:layoutNode name="vertSpace2b">
+              <dgm:alg type="sp"/>
+              <dgm:shape xmlns:r="http://schemas.openxmlformats.org/officeDocument/2006/relationships" r:blip="">
+                <dgm:adjLst/>
+              </dgm:shape>
+              <dgm:presOf/>
+            </dgm:layoutNode>
+          </dgm:forEach>
+        </dgm:layoutNode>
+      </dgm:layoutNode>
+    </dgm:forEach>
+  </dgm:layoutNode>
+</dgm:layoutDef>
+</file>
+
+<file path=ppt/diagrams/quickStyle1.xml><?xml version="1.0" encoding="utf-8"?>
+<dgm:styleDef xmlns:dgm="http://schemas.openxmlformats.org/drawingml/2006/diagram" xmlns:a="http://schemas.openxmlformats.org/drawingml/2006/main" uniqueId="urn:microsoft.com/office/officeart/2005/8/quickstyle/simple1">
+  <dgm:title val=""/>
+  <dgm:desc val=""/>
+  <dgm:catLst>
+    <dgm:cat type="simple" pri="10100"/>
+  </dgm:catLst>
+  <dgm:scene3d>
+    <a:camera prst="orthographicFront"/>
+    <a:lightRig rig="threePt" dir="t"/>
+  </dgm:scene3d>
+  <dgm:styleLbl name="node0">
+    <dgm:scene3d>
+      <a:camera prst="orthographicFront"/>
+      <a:lightRig rig="threePt" dir="t"/>
+    </dgm:scene3d>
+    <dgm:sp3d/>
+    <dgm:txPr/>
+    <dgm:style>
+      <a:lnRef idx="2">
+        <a:scrgbClr r="0" g="0" b="0"/>
+      </a:lnRef>
+      <a:fillRef idx="1">
+        <a:scrgbClr r="0" g="0" b="0"/>
+      </a:fillRef>
+      <a:effectRef idx="0">
+        <a:scrgbClr r="0" g="0" b="0"/>
+      </a:effectRef>
+      <a:fontRef idx="minor">
+        <a:schemeClr val="lt1"/>
+      </a:fontRef>
+    </dgm:style>
+  </dgm:styleLbl>
+  <dgm:styleLbl name="lnNode1">
+    <dgm:scene3d>
+      <a:camera prst="orthographicFront"/>
+      <a:lightRig rig="threePt" dir="t"/>
+    </dgm:scene3d>
+    <dgm:sp3d/>
+    <dgm:txPr/>
+    <dgm:style>
+      <a:lnRef idx="2">
+        <a:scrgbClr r="0" g="0" b="0"/>
+      </a:lnRef>
+      <a:fillRef idx="1">
+        <a:scrgbClr r="0" g="0" b="0"/>
+      </a:fillRef>
+      <a:effectRef idx="0">
+        <a:scrgbClr r="0" g="0" b="0"/>
+      </a:effectRef>
+      <a:fontRef idx="minor">
+        <a:schemeClr val="lt1"/>
+      </a:fontRef>
+    </dgm:style>
+  </dgm:styleLbl>
+  <dgm:styleLbl name="vennNode1">
+    <dgm:scene3d>
+      <a:camera prst="orthographicFront"/>
+      <a:lightRig rig="threePt" dir="t"/>
+    </dgm:scene3d>
+    <dgm:sp3d/>
+    <dgm:txPr/>
+    <dgm:style>
+      <a:lnRef idx="2">
+        <a:scrgbClr r="0" g="0" b="0"/>
+      </a:lnRef>
+      <a:fillRef idx="1">
+        <a:scrgbClr r="0" g="0" b="0"/>
+      </a:fillRef>
+      <a:effectRef idx="0">
+        <a:scrgbClr r="0" g="0" b="0"/>
+      </a:effectRef>
+      <a:fontRef idx="minor">
+        <a:schemeClr val="tx1"/>
+      </a:fontRef>
+    </dgm:style>
+  </dgm:styleLbl>
+  <dgm:styleLbl name="alignNode1">
+    <dgm:scene3d>
+      <a:camera prst="orthographicFront"/>
+      <a:lightRig rig="threePt" dir="t"/>
+    </dgm:scene3d>
+    <dgm:sp3d/>
+    <dgm:txPr/>
+    <dgm:style>
+      <a:lnRef idx="2">
+        <a:scrgbClr r="0" g="0" b="0"/>
+      </a:lnRef>
+      <a:fillRef idx="1">
+        <a:scrgbClr r="0" g="0" b="0"/>
+      </a:fillRef>
+      <a:effectRef idx="0">
+        <a:scrgbClr r="0" g="0" b="0"/>
+      </a:effectRef>
+      <a:fontRef idx="minor">
+        <a:schemeClr val="lt1"/>
+      </a:fontRef>
+    </dgm:style>
+  </dgm:styleLbl>
+  <dgm:styleLbl name="node1">
+    <dgm:scene3d>
+      <a:camera prst="orthographicFront"/>
+      <a:lightRig rig="threePt" dir="t"/>
+    </dgm:scene3d>
+    <dgm:sp3d/>
+    <dgm:txPr/>
+    <dgm:style>
+      <a:lnRef idx="2">
+        <a:scrgbClr r="0" g="0" b="0"/>
+      </a:lnRef>
+      <a:fillRef idx="1">
+        <a:scrgbClr r="0" g="0" b="0"/>
+      </a:fillRef>
+      <a:effectRef idx="0">
+        <a:scrgbClr r="0" g="0" b="0"/>
+      </a:effectRef>
+      <a:fontRef idx="minor">
+        <a:schemeClr val="lt1"/>
+      </a:fontRef>
+    </dgm:style>
+  </dgm:styleLbl>
+  <dgm:styleLbl name="node2">
+    <dgm:scene3d>
+      <a:camera prst="orthographicFront"/>
+      <a:lightRig rig="threePt" dir="t"/>
+    </dgm:scene3d>
+    <dgm:sp3d/>
+    <dgm:txPr/>
+    <dgm:style>
+      <a:lnRef idx="2">
+        <a:scrgbClr r="0" g="0" b="0"/>
+      </a:lnRef>
+      <a:fillRef idx="1">
+        <a:scrgbClr r="0" g="0" b="0"/>
+      </a:fillRef>
+      <a:effectRef idx="0">
+        <a:scrgbClr r="0" g="0" b="0"/>
+      </a:effectRef>
+      <a:fontRef idx="minor">
+        <a:schemeClr val="lt1"/>
+      </a:fontRef>
+    </dgm:style>
+  </dgm:styleLbl>
+  <dgm:styleLbl name="node3">
+    <dgm:scene3d>
+      <a:camera prst="orthographicFront"/>
+      <a:lightRig rig="threePt" dir="t"/>
+    </dgm:scene3d>
+    <dgm:sp3d/>
+    <dgm:txPr/>
+    <dgm:style>
+      <a:lnRef idx="2">
+        <a:scrgbClr r="0" g="0" b="0"/>
+      </a:lnRef>
+      <a:fillRef idx="1">
+        <a:scrgbClr r="0" g="0" b="0"/>
+      </a:fillRef>
+      <a:effectRef idx="0">
+        <a:scrgbClr r="0" g="0" b="0"/>
+      </a:effectRef>
+      <a:fontRef idx="minor">
+        <a:schemeClr val="lt1"/>
+      </a:fontRef>
+    </dgm:style>
+  </dgm:styleLbl>
+  <dgm:styleLbl name="node4">
+    <dgm:scene3d>
+      <a:camera prst="orthographicFront"/>
+      <a:lightRig rig="threePt" dir="t"/>
+    </dgm:scene3d>
+    <dgm:sp3d/>
+    <dgm:txPr/>
+    <dgm:style>
+      <a:lnRef idx="2">
+        <a:scrgbClr r="0" g="0" b="0"/>
+      </a:lnRef>
+      <a:fillRef idx="1">
+        <a:scrgbClr r="0" g="0" b="0"/>
+      </a:fillRef>
+      <a:effectRef idx="0">
+        <a:scrgbClr r="0" g="0" b="0"/>
+      </a:effectRef>
+      <a:fontRef idx="minor">
+        <a:schemeClr val="lt1"/>
+      </a:fontRef>
+    </dgm:style>
+  </dgm:styleLbl>
+  <dgm:styleLbl name="fgImgPlace1">
+    <dgm:scene3d>
+      <a:camera prst="orthographicFront"/>
+      <a:lightRig rig="threePt" dir="t"/>
+    </dgm:scene3d>
+    <dgm:sp3d/>
+    <dgm:txPr/>
+    <dgm:style>
+      <a:lnRef idx="2">
+        <a:scrgbClr r="0" g="0" b="0"/>
+      </a:lnRef>
+      <a:fillRef idx="1">
+        <a:scrgbClr r="0" g="0" b="0"/>
+      </a:fillRef>
+      <a:effectRef idx="0">
+        <a:scrgbClr r="0" g="0" b="0"/>
+      </a:effectRef>
+      <a:fontRef idx="minor"/>
+    </dgm:style>
+  </dgm:styleLbl>
+  <dgm:styleLbl name="alignImgPlace1">
+    <dgm:scene3d>
+      <a:camera prst="orthographicFront"/>
+      <a:lightRig rig="threePt" dir="t"/>
+    </dgm:scene3d>
+    <dgm:sp3d/>
+    <dgm:txPr/>
+    <dgm:style>
+      <a:lnRef idx="2">
+        <a:scrgbClr r="0" g="0" b="0"/>
+      </a:lnRef>
+      <a:fillRef idx="1">
+        <a:scrgbClr r="0" g="0" b="0"/>
+      </a:fillRef>
+      <a:effectRef idx="0">
+        <a:scrgbClr r="0" g="0" b="0"/>
+      </a:effectRef>
+      <a:fontRef idx="minor"/>
+    </dgm:style>
+  </dgm:styleLbl>
+  <dgm:styleLbl name="bgImgPlace1">
+    <dgm:scene3d>
+      <a:camera prst="orthographicFront"/>
+      <a:lightRig rig="threePt" dir="t"/>
+    </dgm:scene3d>
+    <dgm:sp3d/>
+    <dgm:txPr/>
+    <dgm:style>
+      <a:lnRef idx="2">
+        <a:scrgbClr r="0" g="0" b="0"/>
+      </a:lnRef>
+      <a:fillRef idx="1">
+        <a:scrgbClr r="0" g="0" b="0"/>
+      </a:fillRef>
+      <a:effectRef idx="0">
+        <a:scrgbClr r="0" g="0" b="0"/>
+      </a:effectRef>
+      <a:fontRef idx="minor"/>
+    </dgm:style>
+  </dgm:styleLbl>
+  <dgm:styleLbl name="sibTrans2D1">
+    <dgm:scene3d>
+      <a:camera prst="orthographicFront"/>
+      <a:lightRig rig="threePt" dir="t"/>
+    </dgm:scene3d>
+    <dgm:sp3d/>
+    <dgm:txPr/>
+    <dgm:style>
+      <a:lnRef idx="0">
+        <a:scrgbClr r="0" g="0" b="0"/>
+      </a:lnRef>
+      <a:fillRef idx="1">
+        <a:scrgbClr r="0" g="0" b="0"/>
+      </a:fillRef>
+      <a:effectRef idx="0">
+        <a:scrgbClr r="0" g="0" b="0"/>
+      </a:effectRef>
+      <a:fontRef idx="minor">
+        <a:schemeClr val="lt1"/>
+      </a:fontRef>
+    </dgm:style>
+  </dgm:styleLbl>
+  <dgm:styleLbl name="fgSibTrans2D1">
+    <dgm:scene3d>
+      <a:camera prst="orthographicFront"/>
+      <a:lightRig rig="threePt" dir="t"/>
+    </dgm:scene3d>
+    <dgm:sp3d/>
+    <dgm:txPr/>
+    <dgm:style>
+      <a:lnRef idx="0">
+        <a:scrgbClr r="0" g="0" b="0"/>
+      </a:lnRef>
+      <a:fillRef idx="1">
+        <a:scrgbClr r="0" g="0" b="0"/>
+      </a:fillRef>
+      <a:effectRef idx="0">
+        <a:scrgbClr r="0" g="0" b="0"/>
+      </a:effectRef>
+      <a:fontRef idx="minor">
+        <a:schemeClr val="lt1"/>
+      </a:fontRef>
+    </dgm:style>
+  </dgm:styleLbl>
+  <dgm:styleLbl name="bgSibTrans2D1">
+    <dgm:scene3d>
+      <a:camera prst="orthographicFront"/>
+      <a:lightRig rig="threePt" dir="t"/>
+    </dgm:scene3d>
+    <dgm:sp3d/>
+    <dgm:txPr/>
+    <dgm:style>
+      <a:lnRef idx="0">
+        <a:scrgbClr r="0" g="0" b="0"/>
+      </a:lnRef>
+      <a:fillRef idx="1">
+        <a:scrgbClr r="0" g="0" b="0"/>
+      </a:fillRef>
+      <a:effectRef idx="0">
+        <a:scrgbClr r="0" g="0" b="0"/>
+      </a:effectRef>
+      <a:fontRef idx="minor">
+        <a:schemeClr val="lt1"/>
+      </a:fontRef>
+    </dgm:style>
+  </dgm:styleLbl>
+  <dgm:styleLbl name="sibTrans1D1">
+    <dgm:scene3d>
+      <a:camera prst="orthographicFront"/>
+      <a:lightRig rig="threePt" dir="t"/>
+    </dgm:scene3d>
+    <dgm:sp3d/>
+    <dgm:txPr/>
+    <dgm:style>
+      <a:lnRef idx="1">
+        <a:scrgbClr r="0" g="0" b="0"/>
+      </a:lnRef>
+      <a:fillRef idx="0">
+        <a:scrgbClr r="0" g="0" b="0"/>
+      </a:fillRef>
+      <a:effectRef idx="0">
+        <a:scrgbClr r="0" g="0" b="0"/>
+      </a:effectRef>
+      <a:fontRef idx="minor"/>
+    </dgm:style>
+  </dgm:styleLbl>
+  <dgm:styleLbl name="callout">
+    <dgm:scene3d>
+      <a:camera prst="orthographicFront"/>
+      <a:lightRig rig="threePt" dir="t"/>
+    </dgm:scene3d>
+    <dgm:sp3d/>
+    <dgm:txPr/>
+    <dgm:style>
+      <a:lnRef idx="2">
+        <a:scrgbClr r="0" g="0" b="0"/>
+      </a:lnRef>
+      <a:fillRef idx="1">
+        <a:scrgbClr r="0" g="0" b="0"/>
+      </a:fillRef>
+      <a:effectRef idx="0">
+        <a:scrgbClr r="0" g="0" b="0"/>
+      </a:effectRef>
+      <a:fontRef idx="minor"/>
+    </dgm:style>
+  </dgm:styleLbl>
+  <dgm:styleLbl name="asst0">
+    <dgm:scene3d>
+      <a:camera prst="orthographicFront"/>
+      <a:lightRig rig="threePt" dir="t"/>
+    </dgm:scene3d>
+    <dgm:sp3d/>
+    <dgm:txPr/>
+    <dgm:style>
+      <a:lnRef idx="2">
+        <a:scrgbClr r="0" g="0" b="0"/>
+      </a:lnRef>
+      <a:fillRef idx="1">
+        <a:scrgbClr r="0" g="0" b="0"/>
+      </a:fillRef>
+      <a:effectRef idx="0">
+        <a:scrgbClr r="0" g="0" b="0"/>
+      </a:effectRef>
+      <a:fontRef idx="minor">
+        <a:schemeClr val="lt1"/>
+      </a:fontRef>
+    </dgm:style>
+  </dgm:styleLbl>
+  <dgm:styleLbl name="asst1">
+    <dgm:scene3d>
+      <a:camera prst="orthographicFront"/>
+      <a:lightRig rig="threePt" dir="t"/>
+    </dgm:scene3d>
+    <dgm:sp3d/>
+    <dgm:txPr/>
+    <dgm:style>
+      <a:lnRef idx="2">
+        <a:scrgbClr r="0" g="0" b="0"/>
+      </a:lnRef>
+      <a:fillRef idx="1">
+        <a:scrgbClr r="0" g="0" b="0"/>
+      </a:fillRef>
+      <a:effectRef idx="0">
+        <a:scrgbClr r="0" g="0" b="0"/>
+      </a:effectRef>
+      <a:fontRef idx="minor">
+        <a:schemeClr val="lt1"/>
+      </a:fontRef>
+    </dgm:style>
+  </dgm:styleLbl>
+  <dgm:styleLbl name="asst2">
+    <dgm:scene3d>
+      <a:camera prst="orthographicFront"/>
+      <a:lightRig rig="threePt" dir="t"/>
+    </dgm:scene3d>
+    <dgm:sp3d/>
+    <dgm:txPr/>
+    <dgm:style>
+      <a:lnRef idx="2">
+        <a:scrgbClr r="0" g="0" b="0"/>
+      </a:lnRef>
+      <a:fillRef idx="1">
+        <a:scrgbClr r="0" g="0" b="0"/>
+      </a:fillRef>
+      <a:effectRef idx="0">
+        <a:scrgbClr r="0" g="0" b="0"/>
+      </a:effectRef>
+      <a:fontRef idx="minor">
+        <a:schemeClr val="lt1"/>
+      </a:fontRef>
+    </dgm:style>
+  </dgm:styleLbl>
+  <dgm:styleLbl name="asst3">
+    <dgm:scene3d>
+      <a:camera prst="orthographicFront"/>
+      <a:lightRig rig="threePt" dir="t"/>
+    </dgm:scene3d>
+    <dgm:sp3d/>
+    <dgm:txPr/>
+    <dgm:style>
+      <a:lnRef idx="2">
+        <a:scrgbClr r="0" g="0" b="0"/>
+      </a:lnRef>
+      <a:fillRef idx="1">
+        <a:scrgbClr r="0" g="0" b="0"/>
+      </a:fillRef>
+      <a:effectRef idx="0">
+        <a:scrgbClr r="0" g="0" b="0"/>
+      </a:effectRef>
+      <a:fontRef idx="minor">
+        <a:schemeClr val="lt1"/>
+      </a:fontRef>
+    </dgm:style>
+  </dgm:styleLbl>
+  <dgm:styleLbl name="asst4">
+    <dgm:scene3d>
+      <a:camera prst="orthographicFront"/>
+      <a:lightRig rig="threePt" dir="t"/>
+    </dgm:scene3d>
+    <dgm:sp3d/>
+    <dgm:txPr/>
+    <dgm:style>
+      <a:lnRef idx="2">
+        <a:scrgbClr r="0" g="0" b="0"/>
+      </a:lnRef>
+      <a:fillRef idx="1">
+        <a:scrgbClr r="0" g="0" b="0"/>
+      </a:fillRef>
+      <a:effectRef idx="0">
+        <a:scrgbClr r="0" g="0" b="0"/>
+      </a:effectRef>
+      <a:fontRef idx="minor">
+        <a:schemeClr val="lt1"/>
+      </a:fontRef>
+    </dgm:style>
+  </dgm:styleLbl>
+  <dgm:styleLbl name="parChTrans2D1">
+    <dgm:scene3d>
+      <a:camera prst="orthographicFront"/>
+      <a:lightRig rig="threePt" dir="t"/>
+    </dgm:scene3d>
+    <dgm:sp3d/>
+    <dgm:txPr/>
+    <dgm:style>
+      <a:lnRef idx="2">
+        <a:scrgbClr r="0" g="0" b="0"/>
+      </a:lnRef>
+      <a:fillRef idx="1">
+        <a:scrgbClr r="0" g="0" b="0"/>
+      </a:fillRef>
+      <a:effectRef idx="0">
+        <a:scrgbClr r="0" g="0" b="0"/>
+      </a:effectRef>
+      <a:fontRef idx="minor">
+        <a:schemeClr val="lt1"/>
+      </a:fontRef>
+    </dgm:style>
+  </dgm:styleLbl>
+  <dgm:styleLbl name="parChTrans2D2">
+    <dgm:scene3d>
+      <a:camera prst="orthographicFront"/>
+      <a:lightRig rig="threePt" dir="t"/>
+    </dgm:scene3d>
+    <dgm:sp3d/>
+    <dgm:txPr/>
+    <dgm:style>
+      <a:lnRef idx="2">
+        <a:scrgbClr r="0" g="0" b="0"/>
+      </a:lnRef>
+      <a:fillRef idx="1">
+        <a:scrgbClr r="0" g="0" b="0"/>
+      </a:fillRef>
+      <a:effectRef idx="0">
+        <a:scrgbClr r="0" g="0" b="0"/>
+      </a:effectRef>
+      <a:fontRef idx="minor">
+        <a:schemeClr val="lt1"/>
+      </a:fontRef>
+    </dgm:style>
+  </dgm:styleLbl>
+  <dgm:styleLbl name="parChTrans2D3">
+    <dgm:scene3d>
+      <a:camera prst="orthographicFront"/>
+      <a:lightRig rig="threePt" dir="t"/>
+    </dgm:scene3d>
+    <dgm:sp3d/>
+    <dgm:txPr/>
+    <dgm:style>
+      <a:lnRef idx="2">
+        <a:scrgbClr r="0" g="0" b="0"/>
+      </a:lnRef>
+      <a:fillRef idx="1">
+        <a:scrgbClr r="0" g="0" b="0"/>
+      </a:fillRef>
+      <a:effectRef idx="0">
+        <a:scrgbClr r="0" g="0" b="0"/>
+      </a:effectRef>
+      <a:fontRef idx="minor">
+        <a:schemeClr val="lt1"/>
+      </a:fontRef>
+    </dgm:style>
+  </dgm:styleLbl>
+  <dgm:styleLbl name="parChTrans2D4">
+    <dgm:scene3d>
+      <a:camera prst="orthographicFront"/>
+      <a:lightRig rig="threePt" dir="t"/>
+    </dgm:scene3d>
+    <dgm:sp3d/>
+    <dgm:txPr/>
+    <dgm:style>
+      <a:lnRef idx="2">
+        <a:scrgbClr r="0" g="0" b="0"/>
+      </a:lnRef>
+      <a:fillRef idx="1">
+        <a:scrgbClr r="0" g="0" b="0"/>
+      </a:fillRef>
+      <a:effectRef idx="0">
+        <a:scrgbClr r="0" g="0" b="0"/>
+      </a:effectRef>
+      <a:fontRef idx="minor">
+        <a:schemeClr val="lt1"/>
+      </a:fontRef>
+    </dgm:style>
+  </dgm:styleLbl>
+  <dgm:styleLbl name="parChTrans1D1">
+    <dgm:scene3d>
+      <a:camera prst="orthographicFront"/>
+      <a:lightRig rig="threePt" dir="t"/>
+    </dgm:scene3d>
+    <dgm:sp3d/>
+    <dgm:txPr/>
+    <dgm:style>
+      <a:lnRef idx="2">
+        <a:scrgbClr r="0" g="0" b="0"/>
+      </a:lnRef>
+      <a:fillRef idx="0">
+        <a:scrgbClr r="0" g="0" b="0"/>
+      </a:fillRef>
+      <a:effectRef idx="0">
+        <a:scrgbClr r="0" g="0" b="0"/>
+      </a:effectRef>
+      <a:fontRef idx="minor"/>
+    </dgm:style>
+  </dgm:styleLbl>
+  <dgm:styleLbl name="parChTrans1D2">
+    <dgm:scene3d>
+      <a:camera prst="orthographicFront"/>
+      <a:lightRig rig="threePt" dir="t"/>
+    </dgm:scene3d>
+    <dgm:sp3d/>
+    <dgm:txPr/>
+    <dgm:style>
+      <a:lnRef idx="2">
+        <a:scrgbClr r="0" g="0" b="0"/>
+      </a:lnRef>
+      <a:fillRef idx="0">
+        <a:scrgbClr r="0" g="0" b="0"/>
+      </a:fillRef>
+      <a:effectRef idx="0">
+        <a:scrgbClr r="0" g="0" b="0"/>
+      </a:effectRef>
+      <a:fontRef idx="minor"/>
+    </dgm:style>
+  </dgm:styleLbl>
+  <dgm:styleLbl name="parChTrans1D3">
+    <dgm:scene3d>
+      <a:camera prst="orthographicFront"/>
+      <a:lightRig rig="threePt" dir="t"/>
+    </dgm:scene3d>
+    <dgm:sp3d/>
+    <dgm:txPr/>
+    <dgm:style>
+      <a:lnRef idx="2">
+        <a:scrgbClr r="0" g="0" b="0"/>
+      </a:lnRef>
+      <a:fillRef idx="0">
+        <a:scrgbClr r="0" g="0" b="0"/>
+      </a:fillRef>
+      <a:effectRef idx="0">
+        <a:scrgbClr r="0" g="0" b="0"/>
+      </a:effectRef>
+      <a:fontRef idx="minor"/>
+    </dgm:style>
+  </dgm:styleLbl>
+  <dgm:styleLbl name="parChTrans1D4">
+    <dgm:scene3d>
+      <a:camera prst="orthographicFront"/>
+      <a:lightRig rig="threePt" dir="t"/>
+    </dgm:scene3d>
+    <dgm:sp3d/>
+    <dgm:txPr/>
+    <dgm:style>
+      <a:lnRef idx="2">
+        <a:scrgbClr r="0" g="0" b="0"/>
+      </a:lnRef>
+      <a:fillRef idx="0">
+        <a:scrgbClr r="0" g="0" b="0"/>
+      </a:fillRef>
+      <a:effectRef idx="0">
+        <a:scrgbClr r="0" g="0" b="0"/>
+      </a:effectRef>
+      <a:fontRef idx="minor"/>
+    </dgm:style>
+  </dgm:styleLbl>
+  <dgm:styleLbl name="fgAcc1">
+    <dgm:scene3d>
+      <a:camera prst="orthographicFront"/>
+      <a:lightRig rig="threePt" dir="t"/>
+    </dgm:scene3d>
+    <dgm:sp3d/>
+    <dgm:txPr/>
+    <dgm:style>
+      <a:lnRef idx="2">
+        <a:scrgbClr r="0" g="0" b="0"/>
+      </a:lnRef>
+      <a:fillRef idx="1">
+        <a:scrgbClr r="0" g="0" b="0"/>
+      </a:fillRef>
+      <a:effectRef idx="0">
+        <a:scrgbClr r="0" g="0" b="0"/>
+      </a:effectRef>
+      <a:fontRef idx="minor"/>
+    </dgm:style>
+  </dgm:styleLbl>
+  <dgm:styleLbl name="conFgAcc1">
+    <dgm:scene3d>
+      <a:camera prst="orthographicFront"/>
+      <a:lightRig rig="threePt" dir="t"/>
+    </dgm:scene3d>
+    <dgm:sp3d/>
+    <dgm:txPr/>
+    <dgm:style>
+      <a:lnRef idx="2">
+        <a:scrgbClr r="0" g="0" b="0"/>
+      </a:lnRef>
+      <a:fillRef idx="1">
+        <a:scrgbClr r="0" g="0" b="0"/>
+      </a:fillRef>
+      <a:effectRef idx="0">
+        <a:scrgbClr r="0" g="0" b="0"/>
+      </a:effectRef>
+      <a:fontRef idx="minor"/>
+    </dgm:style>
+  </dgm:styleLbl>
+  <dgm:styleLbl name="alignAcc1">
+    <dgm:scene3d>
+      <a:camera prst="orthographicFront"/>
+      <a:lightRig rig="threePt" dir="t"/>
+    </dgm:scene3d>
+    <dgm:sp3d/>
+    <dgm:txPr/>
+    <dgm:style>
+      <a:lnRef idx="2">
+        <a:scrgbClr r="0" g="0" b="0"/>
+      </a:lnRef>
+      <a:fillRef idx="1">
+        <a:scrgbClr r="0" g="0" b="0"/>
+      </a:fillRef>
+      <a:effectRef idx="0">
+        <a:scrgbClr r="0" g="0" b="0"/>
+      </a:effectRef>
+      <a:fontRef idx="minor"/>
+    </dgm:style>
+  </dgm:styleLbl>
+  <dgm:styleLbl name="trAlignAcc1">
+    <dgm:scene3d>
+      <a:camera prst="orthographicFront"/>
+      <a:lightRig rig="threePt" dir="t"/>
+    </dgm:scene3d>
+    <dgm:sp3d/>
+    <dgm:txPr/>
+    <dgm:style>
+      <a:lnRef idx="1">
+        <a:scrgbClr r="0" g="0" b="0"/>
+      </a:lnRef>
+      <a:fillRef idx="1">
+        <a:scrgbClr r="0" g="0" b="0"/>
+      </a:fillRef>
+      <a:effectRef idx="0">
+        <a:scrgbClr r="0" g="0" b="0"/>
+      </a:effectRef>
+      <a:fontRef idx="minor"/>
+    </dgm:style>
+  </dgm:styleLbl>
+  <dgm:styleLbl name="bgAcc1">
+    <dgm:scene3d>
+      <a:camera prst="orthographicFront"/>
+      <a:lightRig rig="threePt" dir="t"/>
+    </dgm:scene3d>
+    <dgm:sp3d/>
+    <dgm:txPr/>
+    <dgm:style>
+      <a:lnRef idx="2">
+        <a:scrgbClr r="0" g="0" b="0"/>
+      </a:lnRef>
+      <a:fillRef idx="1">
+        <a:scrgbClr r="0" g="0" b="0"/>
+      </a:fillRef>
+      <a:effectRef idx="0">
+        <a:scrgbClr r="0" g="0" b="0"/>
+      </a:effectRef>
+      <a:fontRef idx="minor"/>
+    </dgm:style>
+  </dgm:styleLbl>
+  <dgm:styleLbl name="solidFgAcc1">
+    <dgm:scene3d>
+      <a:camera prst="orthographicFront"/>
+      <a:lightRig rig="threePt" dir="t"/>
+    </dgm:scene3d>
+    <dgm:sp3d/>
+    <dgm:txPr/>
+    <dgm:style>
+      <a:lnRef idx="2">
+        <a:scrgbClr r="0" g="0" b="0"/>
+      </a:lnRef>
+      <a:fillRef idx="1">
+        <a:scrgbClr r="0" g="0" b="0"/>
+      </a:fillRef>
+      <a:effectRef idx="0">
+        <a:scrgbClr r="0" g="0" b="0"/>
+      </a:effectRef>
+      <a:fontRef idx="minor"/>
+    </dgm:style>
+  </dgm:styleLbl>
+  <dgm:styleLbl name="solidAlignAcc1">
+    <dgm:scene3d>
+      <a:camera prst="orthographicFront"/>
+      <a:lightRig rig="threePt" dir="t"/>
+    </dgm:scene3d>
+    <dgm:sp3d/>
+    <dgm:txPr/>
+    <dgm:style>
+      <a:lnRef idx="2">
+        <a:scrgbClr r="0" g="0" b="0"/>
+      </a:lnRef>
+      <a:fillRef idx="1">
+        <a:scrgbClr r="0" g="0" b="0"/>
+      </a:fillRef>
+      <a:effectRef idx="0">
+        <a:scrgbClr r="0" g="0" b="0"/>
+      </a:effectRef>
+      <a:fontRef idx="minor"/>
+    </dgm:style>
+  </dgm:styleLbl>
+  <dgm:styleLbl name="solidBgAcc1">
+    <dgm:scene3d>
+      <a:camera prst="orthographicFront"/>
+      <a:lightRig rig="threePt" dir="t"/>
+    </dgm:scene3d>
+    <dgm:sp3d/>
+    <dgm:txPr/>
+    <dgm:style>
+      <a:lnRef idx="2">
+        <a:scrgbClr r="0" g="0" b="0"/>
+      </a:lnRef>
+      <a:fillRef idx="1">
+        <a:scrgbClr r="0" g="0" b="0"/>
+      </a:fillRef>
+      <a:effectRef idx="0">
+        <a:scrgbClr r="0" g="0" b="0"/>
+      </a:effectRef>
+      <a:fontRef idx="minor"/>
+    </dgm:style>
+  </dgm:styleLbl>
+  <dgm:styleLbl name="fgAccFollowNode1">
+    <dgm:scene3d>
+      <a:camera prst="orthographicFront"/>
+      <a:lightRig rig="threePt" dir="t"/>
+    </dgm:scene3d>
+    <dgm:sp3d/>
+    <dgm:txPr/>
+    <dgm:style>
+      <a:lnRef idx="2">
+        <a:scrgbClr r="0" g="0" b="0"/>
+      </a:lnRef>
+      <a:fillRef idx="1">
+        <a:scrgbClr r="0" g="0" b="0"/>
+      </a:fillRef>
+      <a:effectRef idx="0">
+        <a:scrgbClr r="0" g="0" b="0"/>
+      </a:effectRef>
+      <a:fontRef idx="minor"/>
+    </dgm:style>
+  </dgm:styleLbl>
+  <dgm:styleLbl name="alignAccFollowNode1">
+    <dgm:scene3d>
+      <a:camera prst="orthographicFront"/>
+      <a:lightRig rig="threePt" dir="t"/>
+    </dgm:scene3d>
+    <dgm:sp3d/>
+    <dgm:txPr/>
+    <dgm:style>
+      <a:lnRef idx="2">
+        <a:scrgbClr r="0" g="0" b="0"/>
+      </a:lnRef>
+      <a:fillRef idx="1">
+        <a:scrgbClr r="0" g="0" b="0"/>
+      </a:fillRef>
+      <a:effectRef idx="0">
+        <a:scrgbClr r="0" g="0" b="0"/>
+      </a:effectRef>
+      <a:fontRef idx="minor"/>
+    </dgm:style>
+  </dgm:styleLbl>
+  <dgm:styleLbl name="bgAccFollowNode1">
+    <dgm:scene3d>
+      <a:camera prst="orthographicFront"/>
+      <a:lightRig rig="threePt" dir="t"/>
+    </dgm:scene3d>
+    <dgm:sp3d/>
+    <dgm:txPr/>
+    <dgm:style>
+      <a:lnRef idx="2">
+        <a:scrgbClr r="0" g="0" b="0"/>
+      </a:lnRef>
+      <a:fillRef idx="1">
+        <a:scrgbClr r="0" g="0" b="0"/>
+      </a:fillRef>
+      <a:effectRef idx="0">
+        <a:scrgbClr r="0" g="0" b="0"/>
+      </a:effectRef>
+      <a:fontRef idx="minor"/>
+    </dgm:style>
+  </dgm:styleLbl>
+  <dgm:styleLbl name="fgAcc0">
+    <dgm:scene3d>
+      <a:camera prst="orthographicFront"/>
+      <a:lightRig rig="threePt" dir="t"/>
+    </dgm:scene3d>
+    <dgm:sp3d/>
+    <dgm:txPr/>
+    <dgm:style>
+      <a:lnRef idx="2">
+        <a:scrgbClr r="0" g="0" b="0"/>
+      </a:lnRef>
+      <a:fillRef idx="1">
+        <a:scrgbClr r="0" g="0" b="0"/>
+      </a:fillRef>
+      <a:effectRef idx="0">
+        <a:scrgbClr r="0" g="0" b="0"/>
+      </a:effectRef>
+      <a:fontRef idx="minor"/>
+    </dgm:style>
+  </dgm:styleLbl>
+  <dgm:styleLbl name="fgAcc2">
+    <dgm:scene3d>
+      <a:camera prst="orthographicFront"/>
+      <a:lightRig rig="threePt" dir="t"/>
+    </dgm:scene3d>
+    <dgm:sp3d/>
+    <dgm:txPr/>
+    <dgm:style>
+      <a:lnRef idx="2">
+        <a:scrgbClr r="0" g="0" b="0"/>
+      </a:lnRef>
+      <a:fillRef idx="1">
+        <a:scrgbClr r="0" g="0" b="0"/>
+      </a:fillRef>
+      <a:effectRef idx="0">
+        <a:scrgbClr r="0" g="0" b="0"/>
+      </a:effectRef>
+      <a:fontRef idx="minor"/>
+    </dgm:style>
+  </dgm:styleLbl>
+  <dgm:styleLbl name="fgAcc3">
+    <dgm:scene3d>
+      <a:camera prst="orthographicFront"/>
+      <a:lightRig rig="threePt" dir="t"/>
+    </dgm:scene3d>
+    <dgm:sp3d/>
+    <dgm:txPr/>
+    <dgm:style>
+      <a:lnRef idx="2">
+        <a:scrgbClr r="0" g="0" b="0"/>
+      </a:lnRef>
+      <a:fillRef idx="1">
+        <a:scrgbClr r="0" g="0" b="0"/>
+      </a:fillRef>
+      <a:effectRef idx="0">
+        <a:scrgbClr r="0" g="0" b="0"/>
+      </a:effectRef>
+      <a:fontRef idx="minor"/>
+    </dgm:style>
+  </dgm:styleLbl>
+  <dgm:styleLbl name="fgAcc4">
+    <dgm:scene3d>
+      <a:camera prst="orthographicFront"/>
+      <a:lightRig rig="threePt" dir="t"/>
+    </dgm:scene3d>
+    <dgm:sp3d/>
+    <dgm:txPr/>
+    <dgm:style>
+      <a:lnRef idx="2">
+        <a:scrgbClr r="0" g="0" b="0"/>
+      </a:lnRef>
+      <a:fillRef idx="1">
+        <a:scrgbClr r="0" g="0" b="0"/>
+      </a:fillRef>
+      <a:effectRef idx="0">
+        <a:scrgbClr r="0" g="0" b="0"/>
+      </a:effectRef>
+      <a:fontRef idx="minor"/>
+    </dgm:style>
+  </dgm:styleLbl>
+  <dgm:styleLbl name="bgShp">
+    <dgm:scene3d>
+      <a:camera prst="orthographicFront"/>
+      <a:lightRig rig="threePt" dir="t"/>
+    </dgm:scene3d>
+    <dgm:sp3d/>
+    <dgm:txPr/>
+    <dgm:style>
+      <a:lnRef idx="0">
+        <a:scrgbClr r="0" g="0" b="0"/>
+      </a:lnRef>
+      <a:fillRef idx="1">
+        <a:scrgbClr r="0" g="0" b="0"/>
+      </a:fillRef>
+      <a:effectRef idx="0">
+        <a:scrgbClr r="0" g="0" b="0"/>
+      </a:effectRef>
+      <a:fontRef idx="minor"/>
+    </dgm:style>
+  </dgm:styleLbl>
+  <dgm:styleLbl name="dkBgShp">
+    <dgm:scene3d>
+      <a:camera prst="orthographicFront"/>
+      <a:lightRig rig="threePt" dir="t"/>
+    </dgm:scene3d>
+    <dgm:sp3d/>
+    <dgm:txPr/>
+    <dgm:style>
+      <a:lnRef idx="0">
+        <a:scrgbClr r="0" g="0" b="0"/>
+      </a:lnRef>
+      <a:fillRef idx="1">
+        <a:scrgbClr r="0" g="0" b="0"/>
+      </a:fillRef>
+      <a:effectRef idx="0">
+        <a:scrgbClr r="0" g="0" b="0"/>
+      </a:effectRef>
+      <a:fontRef idx="minor"/>
+    </dgm:style>
+  </dgm:styleLbl>
+  <dgm:styleLbl name="trBgShp">
+    <dgm:scene3d>
+      <a:camera prst="orthographicFront"/>
+      <a:lightRig rig="threePt" dir="t"/>
+    </dgm:scene3d>
+    <dgm:sp3d/>
+    <dgm:txPr/>
+    <dgm:style>
+      <a:lnRef idx="0">
+        <a:scrgbClr r="0" g="0" b="0"/>
+      </a:lnRef>
+      <a:fillRef idx="1">
+        <a:scrgbClr r="0" g="0" b="0"/>
+      </a:fillRef>
+      <a:effectRef idx="0">
+        <a:scrgbClr r="0" g="0" b="0"/>
+      </a:effectRef>
+      <a:fontRef idx="minor"/>
+    </dgm:style>
+  </dgm:styleLbl>
+  <dgm:styleLbl name="fgShp">
+    <dgm:scene3d>
+      <a:camera prst="orthographicFront"/>
+      <a:lightRig rig="threePt" dir="t"/>
+    </dgm:scene3d>
+    <dgm:sp3d/>
+    <dgm:txPr/>
+    <dgm:style>
+      <a:lnRef idx="2">
+        <a:scrgbClr r="0" g="0" b="0"/>
+      </a:lnRef>
+      <a:fillRef idx="1">
+        <a:scrgbClr r="0" g="0" b="0"/>
+      </a:fillRef>
+      <a:effectRef idx="0">
+        <a:scrgbClr r="0" g="0" b="0"/>
+      </a:effectRef>
+      <a:fontRef idx="minor"/>
+    </dgm:style>
+  </dgm:styleLbl>
+  <dgm:styleLbl name="revTx">
+    <dgm:scene3d>
+      <a:camera prst="orthographicFront"/>
+      <a:lightRig rig="threePt" dir="t"/>
+    </dgm:scene3d>
+    <dgm:sp3d/>
+    <dgm:txPr/>
+    <dgm:style>
+      <a:lnRef idx="0">
+        <a:scrgbClr r="0" g="0" b="0"/>
+      </a:lnRef>
+      <a:fillRef idx="0">
+        <a:scrgbClr r="0" g="0" b="0"/>
+      </a:fillRef>
+      <a:effectRef idx="0">
+        <a:scrgbClr r="0" g="0" b="0"/>
+      </a:effectRef>
+      <a:fontRef idx="minor"/>
+    </dgm:style>
+  </dgm:styleLbl>
+</dgm:styleDef>
 </file>
 
 <file path=ppt/slideLayouts/slideLayout1.xml><?xml version="1.0" encoding="utf-8"?>
@@ -268,7 +3629,7 @@
           <a:p>
             <a:fld id="{11008460-8B2F-4AAA-A4E2-10730069204C}" type="datetimeFigureOut">
               <a:rPr lang="en-US" smtClean="0"/>
-              <a:t>1/18/2023</a:t>
+              <a:t>1/24/2023</a:t>
             </a:fld>
             <a:endParaRPr lang="en-US"/>
           </a:p>
@@ -2612,7 +5973,7 @@
           <a:p>
             <a:fld id="{11008460-8B2F-4AAA-A4E2-10730069204C}" type="datetimeFigureOut">
               <a:rPr lang="en-US" smtClean="0"/>
-              <a:t>1/18/2023</a:t>
+              <a:t>1/24/2023</a:t>
             </a:fld>
             <a:endParaRPr lang="en-US"/>
           </a:p>
@@ -4956,7 +8317,7 @@
           <a:p>
             <a:fld id="{11008460-8B2F-4AAA-A4E2-10730069204C}" type="datetimeFigureOut">
               <a:rPr lang="en-US" smtClean="0"/>
-              <a:t>1/18/2023</a:t>
+              <a:t>1/24/2023</a:t>
             </a:fld>
             <a:endParaRPr lang="en-US"/>
           </a:p>
@@ -5154,7 +8515,7 @@
           <a:p>
             <a:fld id="{11008460-8B2F-4AAA-A4E2-10730069204C}" type="datetimeFigureOut">
               <a:rPr lang="en-US" smtClean="0"/>
-              <a:t>1/18/2023</a:t>
+              <a:t>1/24/2023</a:t>
             </a:fld>
             <a:endParaRPr lang="en-US"/>
           </a:p>
@@ -5427,7 +8788,7 @@
           <a:p>
             <a:fld id="{11008460-8B2F-4AAA-A4E2-10730069204C}" type="datetimeFigureOut">
               <a:rPr lang="en-US" smtClean="0"/>
-              <a:t>1/18/2023</a:t>
+              <a:t>1/24/2023</a:t>
             </a:fld>
             <a:endParaRPr lang="en-US"/>
           </a:p>
@@ -5692,7 +9053,7 @@
           <a:p>
             <a:fld id="{11008460-8B2F-4AAA-A4E2-10730069204C}" type="datetimeFigureOut">
               <a:rPr lang="en-US" smtClean="0"/>
-              <a:t>1/18/2023</a:t>
+              <a:t>1/24/2023</a:t>
             </a:fld>
             <a:endParaRPr lang="en-US"/>
           </a:p>
@@ -6108,7 +9469,7 @@
           <a:p>
             <a:fld id="{11008460-8B2F-4AAA-A4E2-10730069204C}" type="datetimeFigureOut">
               <a:rPr lang="en-US" smtClean="0"/>
-              <a:t>1/18/2023</a:t>
+              <a:t>1/24/2023</a:t>
             </a:fld>
             <a:endParaRPr lang="en-US"/>
           </a:p>
@@ -6249,7 +9610,7 @@
           <a:p>
             <a:fld id="{11008460-8B2F-4AAA-A4E2-10730069204C}" type="datetimeFigureOut">
               <a:rPr lang="en-US" smtClean="0"/>
-              <a:t>1/18/2023</a:t>
+              <a:t>1/24/2023</a:t>
             </a:fld>
             <a:endParaRPr lang="en-US"/>
           </a:p>
@@ -6362,7 +9723,7 @@
           <a:p>
             <a:fld id="{11008460-8B2F-4AAA-A4E2-10730069204C}" type="datetimeFigureOut">
               <a:rPr lang="en-US" smtClean="0"/>
-              <a:t>1/18/2023</a:t>
+              <a:t>1/24/2023</a:t>
             </a:fld>
             <a:endParaRPr lang="en-US"/>
           </a:p>
@@ -6673,7 +10034,7 @@
           <a:p>
             <a:fld id="{11008460-8B2F-4AAA-A4E2-10730069204C}" type="datetimeFigureOut">
               <a:rPr lang="en-US" smtClean="0"/>
-              <a:t>1/18/2023</a:t>
+              <a:t>1/24/2023</a:t>
             </a:fld>
             <a:endParaRPr lang="en-US"/>
           </a:p>
@@ -6961,7 +10322,7 @@
           <a:p>
             <a:fld id="{11008460-8B2F-4AAA-A4E2-10730069204C}" type="datetimeFigureOut">
               <a:rPr lang="en-US" smtClean="0"/>
-              <a:t>1/18/2023</a:t>
+              <a:t>1/24/2023</a:t>
             </a:fld>
             <a:endParaRPr lang="en-US"/>
           </a:p>
@@ -9339,7 +12700,7 @@
             <a:fld id="{11008460-8B2F-4AAA-A4E2-10730069204C}" type="datetimeFigureOut">
               <a:rPr lang="en-US" smtClean="0"/>
               <a:pPr/>
-              <a:t>1/18/2023</a:t>
+              <a:t>1/24/2023</a:t>
             </a:fld>
             <a:endParaRPr lang="en-US" dirty="0"/>
           </a:p>
@@ -10690,6 +14051,21 @@
               <a:t>GitHub</a:t>
             </a:r>
           </a:p>
+          <a:p>
+            <a:pPr>
+              <a:lnSpc>
+                <a:spcPct val="200000"/>
+              </a:lnSpc>
+            </a:pPr>
+            <a:r>
+              <a:rPr lang="de-DE" dirty="0">
+                <a:solidFill>
+                  <a:schemeClr val="tx1"/>
+                </a:solidFill>
+              </a:rPr>
+              <a:t>Roadmap</a:t>
+            </a:r>
+          </a:p>
         </p:txBody>
       </p:sp>
       <p:sp>
@@ -10760,7 +14136,7 @@
         </p:blipFill>
         <p:spPr>
           <a:xfrm>
-            <a:off x="6218611" y="3002265"/>
+            <a:off x="6218611" y="3077163"/>
             <a:ext cx="5217727" cy="3602196"/>
           </a:xfrm>
           <a:prstGeom prst="rect">
@@ -10768,6 +14144,52 @@
           </a:prstGeom>
         </p:spPr>
       </p:pic>
+      <p:sp>
+        <p:nvSpPr>
+          <p:cNvPr id="10" name="L-Form 9">
+            <a:extLst>
+              <a:ext uri="{FF2B5EF4-FFF2-40B4-BE49-F238E27FC236}">
+                <a16:creationId xmlns:a16="http://schemas.microsoft.com/office/drawing/2014/main" id="{BA54B71D-4507-0461-9E11-6EFA1253EB29}"/>
+              </a:ext>
+            </a:extLst>
+          </p:cNvPr>
+          <p:cNvSpPr/>
+          <p:nvPr/>
+        </p:nvSpPr>
+        <p:spPr>
+          <a:xfrm rot="19268311">
+            <a:off x="4352202" y="3719235"/>
+            <a:ext cx="634918" cy="246297"/>
+          </a:xfrm>
+          <a:prstGeom prst="corner">
+            <a:avLst/>
+          </a:prstGeom>
+        </p:spPr>
+        <p:style>
+          <a:lnRef idx="2">
+            <a:schemeClr val="accent1">
+              <a:shade val="50000"/>
+            </a:schemeClr>
+          </a:lnRef>
+          <a:fillRef idx="1">
+            <a:schemeClr val="accent1"/>
+          </a:fillRef>
+          <a:effectRef idx="0">
+            <a:schemeClr val="accent1"/>
+          </a:effectRef>
+          <a:fontRef idx="minor">
+            <a:schemeClr val="lt1"/>
+          </a:fontRef>
+        </p:style>
+        <p:txBody>
+          <a:bodyPr rtlCol="0" anchor="ctr"/>
+          <a:lstStyle/>
+          <a:p>
+            <a:pPr algn="ctr"/>
+            <a:endParaRPr lang="de-DE" dirty="0"/>
+          </a:p>
+        </p:txBody>
+      </p:sp>
     </p:spTree>
     <p:extLst>
       <p:ext uri="{BB962C8B-B14F-4D97-AF65-F5344CB8AC3E}">
@@ -10903,6 +14325,41 @@
                                   </p:childTnLst>
                                 </p:cTn>
                               </p:par>
+                              <p:par>
+                                <p:cTn id="14" presetID="10" presetClass="entr" presetSubtype="0" fill="hold" grpId="0" nodeType="withEffect">
+                                  <p:stCondLst>
+                                    <p:cond delay="0"/>
+                                  </p:stCondLst>
+                                  <p:childTnLst>
+                                    <p:set>
+                                      <p:cBhvr>
+                                        <p:cTn id="15" dur="1" fill="hold">
+                                          <p:stCondLst>
+                                            <p:cond delay="0"/>
+                                          </p:stCondLst>
+                                        </p:cTn>
+                                        <p:tgtEl>
+                                          <p:spTgt spid="10"/>
+                                        </p:tgtEl>
+                                        <p:attrNameLst>
+                                          <p:attrName>style.visibility</p:attrName>
+                                        </p:attrNameLst>
+                                      </p:cBhvr>
+                                      <p:to>
+                                        <p:strVal val="visible"/>
+                                      </p:to>
+                                    </p:set>
+                                    <p:animEffect transition="in" filter="fade">
+                                      <p:cBhvr>
+                                        <p:cTn id="16" dur="500"/>
+                                        <p:tgtEl>
+                                          <p:spTgt spid="10"/>
+                                        </p:tgtEl>
+                                      </p:cBhvr>
+                                    </p:animEffect>
+                                  </p:childTnLst>
+                                </p:cTn>
+                              </p:par>
                             </p:childTnLst>
                           </p:cTn>
                         </p:par>
@@ -10910,26 +14367,26 @@
                     </p:cTn>
                   </p:par>
                   <p:par>
-                    <p:cTn id="14" fill="hold">
+                    <p:cTn id="17" fill="hold">
                       <p:stCondLst>
                         <p:cond delay="indefinite"/>
                       </p:stCondLst>
                       <p:childTnLst>
                         <p:par>
-                          <p:cTn id="15" fill="hold">
+                          <p:cTn id="18" fill="hold">
                             <p:stCondLst>
                               <p:cond delay="0"/>
                             </p:stCondLst>
                             <p:childTnLst>
                               <p:par>
-                                <p:cTn id="16" presetID="10" presetClass="entr" presetSubtype="0" fill="hold" grpId="0" nodeType="clickEffect">
+                                <p:cTn id="19" presetID="10" presetClass="entr" presetSubtype="0" fill="hold" grpId="0" nodeType="clickEffect">
                                   <p:stCondLst>
                                     <p:cond delay="0"/>
                                   </p:stCondLst>
                                   <p:childTnLst>
                                     <p:set>
                                       <p:cBhvr>
-                                        <p:cTn id="17" dur="1" fill="hold">
+                                        <p:cTn id="20" dur="1" fill="hold">
                                           <p:stCondLst>
                                             <p:cond delay="0"/>
                                           </p:stCondLst>
@@ -10947,7 +14404,7 @@
                                     </p:set>
                                     <p:animEffect transition="in" filter="fade">
                                       <p:cBhvr>
-                                        <p:cTn id="18" dur="500"/>
+                                        <p:cTn id="21" dur="500"/>
                                         <p:tgtEl>
                                           <p:spTgt spid="9"/>
                                         </p:tgtEl>
@@ -10956,33 +14413,15 @@
                                   </p:childTnLst>
                                 </p:cTn>
                               </p:par>
-                            </p:childTnLst>
-                          </p:cTn>
-                        </p:par>
-                      </p:childTnLst>
-                    </p:cTn>
-                  </p:par>
-                  <p:par>
-                    <p:cTn id="19" fill="hold">
-                      <p:stCondLst>
-                        <p:cond delay="indefinite"/>
-                      </p:stCondLst>
-                      <p:childTnLst>
-                        <p:par>
-                          <p:cTn id="20" fill="hold">
-                            <p:stCondLst>
-                              <p:cond delay="0"/>
-                            </p:stCondLst>
-                            <p:childTnLst>
                               <p:par>
-                                <p:cTn id="21" presetID="10" presetClass="entr" presetSubtype="0" fill="hold" nodeType="clickEffect">
+                                <p:cTn id="22" presetID="10" presetClass="entr" presetSubtype="0" fill="hold" nodeType="withEffect">
                                   <p:stCondLst>
                                     <p:cond delay="0"/>
                                   </p:stCondLst>
                                   <p:childTnLst>
                                     <p:set>
                                       <p:cBhvr>
-                                        <p:cTn id="22" dur="1" fill="hold">
+                                        <p:cTn id="23" dur="1" fill="hold">
                                           <p:stCondLst>
                                             <p:cond delay="0"/>
                                           </p:stCondLst>
@@ -11000,7 +14439,7 @@
                                     </p:set>
                                     <p:animEffect transition="in" filter="fade">
                                       <p:cBhvr>
-                                        <p:cTn id="23" dur="500"/>
+                                        <p:cTn id="24" dur="500"/>
                                         <p:tgtEl>
                                           <p:spTgt spid="12"/>
                                         </p:tgtEl>
@@ -11041,6 +14480,7 @@
       <p:bldP spid="5" grpId="0" animBg="1"/>
       <p:bldP spid="6" grpId="0" animBg="1"/>
       <p:bldP spid="9" grpId="0" animBg="1"/>
+      <p:bldP spid="10" grpId="0" animBg="1"/>
     </p:bldLst>
   </p:timing>
 </p:sld>
@@ -11703,10 +15143,10 @@
       </p:sp>
       <p:pic>
         <p:nvPicPr>
-          <p:cNvPr id="13" name="Grafik 12">
+          <p:cNvPr id="12" name="Grafik 11">
             <a:extLst>
               <a:ext uri="{FF2B5EF4-FFF2-40B4-BE49-F238E27FC236}">
-                <a16:creationId xmlns:a16="http://schemas.microsoft.com/office/drawing/2014/main" id="{91CE12D0-FECD-0DF3-6B6B-0E4A0A4BA5F8}"/>
+                <a16:creationId xmlns:a16="http://schemas.microsoft.com/office/drawing/2014/main" id="{2F8180E7-98B4-A228-CFDE-D2878F3E7DA1}"/>
               </a:ext>
             </a:extLst>
           </p:cNvPr>
@@ -11723,8 +15163,8 @@
         </p:blipFill>
         <p:spPr>
           <a:xfrm>
-            <a:off x="692610" y="392164"/>
-            <a:ext cx="5589051" cy="5926015"/>
+            <a:off x="358029" y="211015"/>
+            <a:ext cx="5342364" cy="6137031"/>
           </a:xfrm>
           <a:prstGeom prst="rect">
             <a:avLst/>
@@ -11796,39 +15236,21 @@
                                   </p:childTnLst>
                                 </p:cTn>
                               </p:par>
-                            </p:childTnLst>
-                          </p:cTn>
-                        </p:par>
-                      </p:childTnLst>
-                    </p:cTn>
-                  </p:par>
-                  <p:par>
-                    <p:cTn id="8" fill="hold">
-                      <p:stCondLst>
-                        <p:cond delay="indefinite"/>
-                      </p:stCondLst>
-                      <p:childTnLst>
-                        <p:par>
-                          <p:cTn id="9" fill="hold">
-                            <p:stCondLst>
-                              <p:cond delay="0"/>
-                            </p:stCondLst>
-                            <p:childTnLst>
                               <p:par>
-                                <p:cTn id="10" presetID="10" presetClass="entr" presetSubtype="0" fill="hold" nodeType="clickEffect">
+                                <p:cTn id="8" presetID="10" presetClass="entr" presetSubtype="0" fill="hold" nodeType="withEffect">
                                   <p:stCondLst>
                                     <p:cond delay="0"/>
                                   </p:stCondLst>
                                   <p:childTnLst>
                                     <p:set>
                                       <p:cBhvr>
-                                        <p:cTn id="11" dur="1" fill="hold">
+                                        <p:cTn id="9" dur="1" fill="hold">
                                           <p:stCondLst>
                                             <p:cond delay="0"/>
                                           </p:stCondLst>
                                         </p:cTn>
                                         <p:tgtEl>
-                                          <p:spTgt spid="13"/>
+                                          <p:spTgt spid="12"/>
                                         </p:tgtEl>
                                         <p:attrNameLst>
                                           <p:attrName>style.visibility</p:attrName>
@@ -11840,9 +15262,9 @@
                                     </p:set>
                                     <p:animEffect transition="in" filter="fade">
                                       <p:cBhvr>
-                                        <p:cTn id="12" dur="500"/>
+                                        <p:cTn id="10" dur="500"/>
                                         <p:tgtEl>
-                                          <p:spTgt spid="13"/>
+                                          <p:spTgt spid="12"/>
                                         </p:tgtEl>
                                       </p:cBhvr>
                                     </p:animEffect>
@@ -13819,6 +17241,1101 @@
           <p:cNvPr id="2" name="Titel 1">
             <a:extLst>
               <a:ext uri="{FF2B5EF4-FFF2-40B4-BE49-F238E27FC236}">
+                <a16:creationId xmlns:a16="http://schemas.microsoft.com/office/drawing/2014/main" id="{F69A4D6D-8D59-ADDD-6AFE-02B6A1F484ED}"/>
+              </a:ext>
+            </a:extLst>
+          </p:cNvPr>
+          <p:cNvSpPr>
+            <a:spLocks noGrp="1"/>
+          </p:cNvSpPr>
+          <p:nvPr>
+            <p:ph type="title"/>
+          </p:nvPr>
+        </p:nvSpPr>
+        <p:spPr>
+          <a:xfrm>
+            <a:off x="229815" y="2791287"/>
+            <a:ext cx="3631724" cy="1064277"/>
+          </a:xfrm>
+        </p:spPr>
+        <p:txBody>
+          <a:bodyPr>
+            <a:noAutofit/>
+          </a:bodyPr>
+          <a:lstStyle/>
+          <a:p>
+            <a:r>
+              <a:rPr lang="de-DE" sz="6600" u="sng" dirty="0"/>
+              <a:t>Steuerung</a:t>
+            </a:r>
+          </a:p>
+        </p:txBody>
+      </p:sp>
+      <p:pic>
+        <p:nvPicPr>
+          <p:cNvPr id="5" name="Grafik 4">
+            <a:extLst>
+              <a:ext uri="{FF2B5EF4-FFF2-40B4-BE49-F238E27FC236}">
+                <a16:creationId xmlns:a16="http://schemas.microsoft.com/office/drawing/2014/main" id="{05830B13-2A86-E90A-77AB-C1178BACA454}"/>
+              </a:ext>
+            </a:extLst>
+          </p:cNvPr>
+          <p:cNvPicPr>
+            <a:picLocks noChangeAspect="1"/>
+          </p:cNvPicPr>
+          <p:nvPr/>
+        </p:nvPicPr>
+        <p:blipFill>
+          <a:blip r:embed="rId2"/>
+          <a:stretch>
+            <a:fillRect/>
+          </a:stretch>
+        </p:blipFill>
+        <p:spPr>
+          <a:xfrm>
+            <a:off x="6946709" y="3855564"/>
+            <a:ext cx="5245292" cy="3002436"/>
+          </a:xfrm>
+          <a:prstGeom prst="rect">
+            <a:avLst/>
+          </a:prstGeom>
+        </p:spPr>
+      </p:pic>
+      <p:pic>
+        <p:nvPicPr>
+          <p:cNvPr id="7" name="Grafik 6">
+            <a:extLst>
+              <a:ext uri="{FF2B5EF4-FFF2-40B4-BE49-F238E27FC236}">
+                <a16:creationId xmlns:a16="http://schemas.microsoft.com/office/drawing/2014/main" id="{4902DAD8-DC5E-3DD5-497D-9B7EB3F9E1C4}"/>
+              </a:ext>
+            </a:extLst>
+          </p:cNvPr>
+          <p:cNvPicPr>
+            <a:picLocks noChangeAspect="1"/>
+          </p:cNvPicPr>
+          <p:nvPr/>
+        </p:nvPicPr>
+        <p:blipFill>
+          <a:blip r:embed="rId3"/>
+          <a:stretch>
+            <a:fillRect/>
+          </a:stretch>
+        </p:blipFill>
+        <p:spPr>
+          <a:xfrm>
+            <a:off x="6946709" y="-14176"/>
+            <a:ext cx="5245292" cy="3869740"/>
+          </a:xfrm>
+          <a:prstGeom prst="rect">
+            <a:avLst/>
+          </a:prstGeom>
+        </p:spPr>
+      </p:pic>
+      <p:cxnSp>
+        <p:nvCxnSpPr>
+          <p:cNvPr id="9" name="Gerade Verbindung mit Pfeil 8">
+            <a:extLst>
+              <a:ext uri="{FF2B5EF4-FFF2-40B4-BE49-F238E27FC236}">
+                <a16:creationId xmlns:a16="http://schemas.microsoft.com/office/drawing/2014/main" id="{9F5F29E9-864F-3DF1-5173-E32ADDDD2989}"/>
+              </a:ext>
+            </a:extLst>
+          </p:cNvPr>
+          <p:cNvCxnSpPr>
+            <a:cxnSpLocks/>
+          </p:cNvCxnSpPr>
+          <p:nvPr/>
+        </p:nvCxnSpPr>
+        <p:spPr>
+          <a:xfrm flipV="1">
+            <a:off x="4923692" y="184638"/>
+            <a:ext cx="1925516" cy="1266093"/>
+          </a:xfrm>
+          <a:prstGeom prst="straightConnector1">
+            <a:avLst/>
+          </a:prstGeom>
+          <a:ln w="38100">
+            <a:solidFill>
+              <a:schemeClr val="tx1"/>
+            </a:solidFill>
+            <a:tailEnd type="triangle"/>
+          </a:ln>
+        </p:spPr>
+        <p:style>
+          <a:lnRef idx="1">
+            <a:schemeClr val="accent1"/>
+          </a:lnRef>
+          <a:fillRef idx="0">
+            <a:schemeClr val="accent1"/>
+          </a:fillRef>
+          <a:effectRef idx="0">
+            <a:schemeClr val="accent1"/>
+          </a:effectRef>
+          <a:fontRef idx="minor">
+            <a:schemeClr val="tx1"/>
+          </a:fontRef>
+        </p:style>
+      </p:cxnSp>
+      <p:cxnSp>
+        <p:nvCxnSpPr>
+          <p:cNvPr id="12" name="Gerade Verbindung mit Pfeil 11">
+            <a:extLst>
+              <a:ext uri="{FF2B5EF4-FFF2-40B4-BE49-F238E27FC236}">
+                <a16:creationId xmlns:a16="http://schemas.microsoft.com/office/drawing/2014/main" id="{0B219B18-0DCB-6266-5CD0-9B91BCCEAFC1}"/>
+              </a:ext>
+            </a:extLst>
+          </p:cNvPr>
+          <p:cNvCxnSpPr>
+            <a:cxnSpLocks/>
+          </p:cNvCxnSpPr>
+          <p:nvPr/>
+        </p:nvCxnSpPr>
+        <p:spPr>
+          <a:xfrm>
+            <a:off x="4923692" y="1740877"/>
+            <a:ext cx="1925516" cy="1946030"/>
+          </a:xfrm>
+          <a:prstGeom prst="straightConnector1">
+            <a:avLst/>
+          </a:prstGeom>
+          <a:ln w="38100">
+            <a:solidFill>
+              <a:schemeClr val="tx1"/>
+            </a:solidFill>
+            <a:tailEnd type="triangle"/>
+          </a:ln>
+        </p:spPr>
+        <p:style>
+          <a:lnRef idx="1">
+            <a:schemeClr val="accent1"/>
+          </a:lnRef>
+          <a:fillRef idx="0">
+            <a:schemeClr val="accent1"/>
+          </a:fillRef>
+          <a:effectRef idx="0">
+            <a:schemeClr val="accent1"/>
+          </a:effectRef>
+          <a:fontRef idx="minor">
+            <a:schemeClr val="tx1"/>
+          </a:fontRef>
+        </p:style>
+      </p:cxnSp>
+      <p:sp>
+        <p:nvSpPr>
+          <p:cNvPr id="16" name="Textfeld 15">
+            <a:extLst>
+              <a:ext uri="{FF2B5EF4-FFF2-40B4-BE49-F238E27FC236}">
+                <a16:creationId xmlns:a16="http://schemas.microsoft.com/office/drawing/2014/main" id="{05CBFF68-70B7-CD6A-6373-FC7CB584F7C3}"/>
+              </a:ext>
+            </a:extLst>
+          </p:cNvPr>
+          <p:cNvSpPr txBox="1"/>
+          <p:nvPr/>
+        </p:nvSpPr>
+        <p:spPr>
+          <a:xfrm>
+            <a:off x="1433145" y="1222813"/>
+            <a:ext cx="3715143" cy="584775"/>
+          </a:xfrm>
+          <a:prstGeom prst="rect">
+            <a:avLst/>
+          </a:prstGeom>
+          <a:noFill/>
+        </p:spPr>
+        <p:txBody>
+          <a:bodyPr wrap="square" rtlCol="0">
+            <a:spAutoFit/>
+          </a:bodyPr>
+          <a:lstStyle/>
+          <a:p>
+            <a:r>
+              <a:rPr lang="de-DE" sz="3200" dirty="0"/>
+              <a:t>Unity Physics System </a:t>
+            </a:r>
+          </a:p>
+        </p:txBody>
+      </p:sp>
+      <p:pic>
+        <p:nvPicPr>
+          <p:cNvPr id="20" name="Grafik 19">
+            <a:extLst>
+              <a:ext uri="{FF2B5EF4-FFF2-40B4-BE49-F238E27FC236}">
+                <a16:creationId xmlns:a16="http://schemas.microsoft.com/office/drawing/2014/main" id="{E4D1AA37-3375-1FD7-32CA-8E0EDCE756CE}"/>
+              </a:ext>
+            </a:extLst>
+          </p:cNvPr>
+          <p:cNvPicPr>
+            <a:picLocks noChangeAspect="1"/>
+          </p:cNvPicPr>
+          <p:nvPr/>
+        </p:nvPicPr>
+        <p:blipFill>
+          <a:blip r:embed="rId4">
+            <a:alphaModFix amt="20000"/>
+          </a:blip>
+          <a:stretch>
+            <a:fillRect/>
+          </a:stretch>
+        </p:blipFill>
+        <p:spPr>
+          <a:xfrm>
+            <a:off x="7065010" y="1055388"/>
+            <a:ext cx="5050789" cy="847000"/>
+          </a:xfrm>
+          <a:prstGeom prst="rect">
+            <a:avLst/>
+          </a:prstGeom>
+        </p:spPr>
+      </p:pic>
+      <p:pic>
+        <p:nvPicPr>
+          <p:cNvPr id="21" name="Grafik 20">
+            <a:extLst>
+              <a:ext uri="{FF2B5EF4-FFF2-40B4-BE49-F238E27FC236}">
+                <a16:creationId xmlns:a16="http://schemas.microsoft.com/office/drawing/2014/main" id="{9D21C808-92BF-8091-BE6E-8FCE1D2AA7FE}"/>
+              </a:ext>
+            </a:extLst>
+          </p:cNvPr>
+          <p:cNvPicPr>
+            <a:picLocks noChangeAspect="1"/>
+          </p:cNvPicPr>
+          <p:nvPr/>
+        </p:nvPicPr>
+        <p:blipFill>
+          <a:blip r:embed="rId4">
+            <a:alphaModFix amt="20000"/>
+          </a:blip>
+          <a:stretch>
+            <a:fillRect/>
+          </a:stretch>
+        </p:blipFill>
+        <p:spPr>
+          <a:xfrm>
+            <a:off x="7065010" y="2638498"/>
+            <a:ext cx="3081313" cy="516726"/>
+          </a:xfrm>
+          <a:prstGeom prst="rect">
+            <a:avLst/>
+          </a:prstGeom>
+        </p:spPr>
+      </p:pic>
+      <p:pic>
+        <p:nvPicPr>
+          <p:cNvPr id="22" name="Grafik 21">
+            <a:extLst>
+              <a:ext uri="{FF2B5EF4-FFF2-40B4-BE49-F238E27FC236}">
+                <a16:creationId xmlns:a16="http://schemas.microsoft.com/office/drawing/2014/main" id="{6B70A32B-B1A4-169E-D575-62F5BB20D0E2}"/>
+              </a:ext>
+            </a:extLst>
+          </p:cNvPr>
+          <p:cNvPicPr>
+            <a:picLocks noChangeAspect="1"/>
+          </p:cNvPicPr>
+          <p:nvPr/>
+        </p:nvPicPr>
+        <p:blipFill>
+          <a:blip r:embed="rId4">
+            <a:alphaModFix amt="20000"/>
+          </a:blip>
+          <a:stretch>
+            <a:fillRect/>
+          </a:stretch>
+        </p:blipFill>
+        <p:spPr>
+          <a:xfrm>
+            <a:off x="7141211" y="4626912"/>
+            <a:ext cx="5050789" cy="847000"/>
+          </a:xfrm>
+          <a:prstGeom prst="rect">
+            <a:avLst/>
+          </a:prstGeom>
+        </p:spPr>
+      </p:pic>
+      <p:pic>
+        <p:nvPicPr>
+          <p:cNvPr id="23" name="Grafik 22">
+            <a:extLst>
+              <a:ext uri="{FF2B5EF4-FFF2-40B4-BE49-F238E27FC236}">
+                <a16:creationId xmlns:a16="http://schemas.microsoft.com/office/drawing/2014/main" id="{50A9EBA6-E367-6F5C-73DB-B891F5CEC889}"/>
+              </a:ext>
+            </a:extLst>
+          </p:cNvPr>
+          <p:cNvPicPr>
+            <a:picLocks noChangeAspect="1"/>
+          </p:cNvPicPr>
+          <p:nvPr/>
+        </p:nvPicPr>
+        <p:blipFill>
+          <a:blip r:embed="rId4">
+            <a:alphaModFix amt="20000"/>
+          </a:blip>
+          <a:stretch>
+            <a:fillRect/>
+          </a:stretch>
+        </p:blipFill>
+        <p:spPr>
+          <a:xfrm>
+            <a:off x="7065010" y="6488723"/>
+            <a:ext cx="5050788" cy="290146"/>
+          </a:xfrm>
+          <a:prstGeom prst="rect">
+            <a:avLst/>
+          </a:prstGeom>
+        </p:spPr>
+      </p:pic>
+      <p:cxnSp>
+        <p:nvCxnSpPr>
+          <p:cNvPr id="24" name="Gerade Verbindung mit Pfeil 23">
+            <a:extLst>
+              <a:ext uri="{FF2B5EF4-FFF2-40B4-BE49-F238E27FC236}">
+                <a16:creationId xmlns:a16="http://schemas.microsoft.com/office/drawing/2014/main" id="{EAA1BFC7-4CFB-087D-85C9-7F087F5B8B72}"/>
+              </a:ext>
+            </a:extLst>
+          </p:cNvPr>
+          <p:cNvCxnSpPr>
+            <a:cxnSpLocks/>
+          </p:cNvCxnSpPr>
+          <p:nvPr/>
+        </p:nvCxnSpPr>
+        <p:spPr>
+          <a:xfrm flipV="1">
+            <a:off x="4923692" y="3926280"/>
+            <a:ext cx="1974267" cy="1006205"/>
+          </a:xfrm>
+          <a:prstGeom prst="straightConnector1">
+            <a:avLst/>
+          </a:prstGeom>
+          <a:ln w="38100">
+            <a:solidFill>
+              <a:schemeClr val="tx1"/>
+            </a:solidFill>
+            <a:tailEnd type="triangle"/>
+          </a:ln>
+        </p:spPr>
+        <p:style>
+          <a:lnRef idx="1">
+            <a:schemeClr val="accent1"/>
+          </a:lnRef>
+          <a:fillRef idx="0">
+            <a:schemeClr val="accent1"/>
+          </a:fillRef>
+          <a:effectRef idx="0">
+            <a:schemeClr val="accent1"/>
+          </a:effectRef>
+          <a:fontRef idx="minor">
+            <a:schemeClr val="tx1"/>
+          </a:fontRef>
+        </p:style>
+      </p:cxnSp>
+      <p:cxnSp>
+        <p:nvCxnSpPr>
+          <p:cNvPr id="26" name="Gerade Verbindung mit Pfeil 25">
+            <a:extLst>
+              <a:ext uri="{FF2B5EF4-FFF2-40B4-BE49-F238E27FC236}">
+                <a16:creationId xmlns:a16="http://schemas.microsoft.com/office/drawing/2014/main" id="{B0C977AF-0F5B-B100-D721-1E50F03442E0}"/>
+              </a:ext>
+            </a:extLst>
+          </p:cNvPr>
+          <p:cNvCxnSpPr>
+            <a:cxnSpLocks/>
+          </p:cNvCxnSpPr>
+          <p:nvPr/>
+        </p:nvCxnSpPr>
+        <p:spPr>
+          <a:xfrm>
+            <a:off x="4923692" y="5171858"/>
+            <a:ext cx="1972408" cy="990598"/>
+          </a:xfrm>
+          <a:prstGeom prst="straightConnector1">
+            <a:avLst/>
+          </a:prstGeom>
+          <a:ln w="38100">
+            <a:solidFill>
+              <a:schemeClr val="tx1"/>
+            </a:solidFill>
+            <a:tailEnd type="triangle"/>
+          </a:ln>
+        </p:spPr>
+        <p:style>
+          <a:lnRef idx="1">
+            <a:schemeClr val="accent1"/>
+          </a:lnRef>
+          <a:fillRef idx="0">
+            <a:schemeClr val="accent1"/>
+          </a:fillRef>
+          <a:effectRef idx="0">
+            <a:schemeClr val="accent1"/>
+          </a:effectRef>
+          <a:fontRef idx="minor">
+            <a:schemeClr val="tx1"/>
+          </a:fontRef>
+        </p:style>
+      </p:cxnSp>
+      <p:sp>
+        <p:nvSpPr>
+          <p:cNvPr id="29" name="Textfeld 28">
+            <a:extLst>
+              <a:ext uri="{FF2B5EF4-FFF2-40B4-BE49-F238E27FC236}">
+                <a16:creationId xmlns:a16="http://schemas.microsoft.com/office/drawing/2014/main" id="{5718DB86-0D9B-5E69-8402-A2D80AB910B3}"/>
+              </a:ext>
+            </a:extLst>
+          </p:cNvPr>
+          <p:cNvSpPr txBox="1"/>
+          <p:nvPr/>
+        </p:nvSpPr>
+        <p:spPr>
+          <a:xfrm>
+            <a:off x="1800958" y="4758024"/>
+            <a:ext cx="3495335" cy="584775"/>
+          </a:xfrm>
+          <a:prstGeom prst="rect">
+            <a:avLst/>
+          </a:prstGeom>
+          <a:noFill/>
+        </p:spPr>
+        <p:txBody>
+          <a:bodyPr wrap="square" rtlCol="0">
+            <a:spAutoFit/>
+          </a:bodyPr>
+          <a:lstStyle/>
+          <a:p>
+            <a:r>
+              <a:rPr lang="de-DE" sz="3200" dirty="0"/>
+              <a:t>Movement Scripts </a:t>
+            </a:r>
+          </a:p>
+        </p:txBody>
+      </p:sp>
+    </p:spTree>
+    <p:extLst>
+      <p:ext uri="{BB962C8B-B14F-4D97-AF65-F5344CB8AC3E}">
+        <p14:creationId xmlns:p14="http://schemas.microsoft.com/office/powerpoint/2010/main" val="2489707518"/>
+      </p:ext>
+    </p:extLst>
+  </p:cSld>
+  <p:clrMapOvr>
+    <a:masterClrMapping/>
+  </p:clrMapOvr>
+  <p:timing>
+    <p:tnLst>
+      <p:par>
+        <p:cTn id="1" dur="indefinite" restart="never" nodeType="tmRoot">
+          <p:childTnLst>
+            <p:seq concurrent="1" nextAc="seek">
+              <p:cTn id="2" dur="indefinite" nodeType="mainSeq">
+                <p:childTnLst>
+                  <p:par>
+                    <p:cTn id="3" fill="hold">
+                      <p:stCondLst>
+                        <p:cond delay="indefinite"/>
+                      </p:stCondLst>
+                      <p:childTnLst>
+                        <p:par>
+                          <p:cTn id="4" fill="hold">
+                            <p:stCondLst>
+                              <p:cond delay="0"/>
+                            </p:stCondLst>
+                            <p:childTnLst>
+                              <p:par>
+                                <p:cTn id="5" presetID="10" presetClass="entr" presetSubtype="0" fill="hold" grpId="0" nodeType="clickEffect">
+                                  <p:stCondLst>
+                                    <p:cond delay="0"/>
+                                  </p:stCondLst>
+                                  <p:childTnLst>
+                                    <p:set>
+                                      <p:cBhvr>
+                                        <p:cTn id="6" dur="1" fill="hold">
+                                          <p:stCondLst>
+                                            <p:cond delay="0"/>
+                                          </p:stCondLst>
+                                        </p:cTn>
+                                        <p:tgtEl>
+                                          <p:spTgt spid="16"/>
+                                        </p:tgtEl>
+                                        <p:attrNameLst>
+                                          <p:attrName>style.visibility</p:attrName>
+                                        </p:attrNameLst>
+                                      </p:cBhvr>
+                                      <p:to>
+                                        <p:strVal val="visible"/>
+                                      </p:to>
+                                    </p:set>
+                                    <p:animEffect transition="in" filter="fade">
+                                      <p:cBhvr>
+                                        <p:cTn id="7" dur="500"/>
+                                        <p:tgtEl>
+                                          <p:spTgt spid="16"/>
+                                        </p:tgtEl>
+                                      </p:cBhvr>
+                                    </p:animEffect>
+                                  </p:childTnLst>
+                                </p:cTn>
+                              </p:par>
+                              <p:par>
+                                <p:cTn id="8" presetID="10" presetClass="entr" presetSubtype="0" fill="hold" nodeType="withEffect">
+                                  <p:stCondLst>
+                                    <p:cond delay="0"/>
+                                  </p:stCondLst>
+                                  <p:childTnLst>
+                                    <p:set>
+                                      <p:cBhvr>
+                                        <p:cTn id="9" dur="1" fill="hold">
+                                          <p:stCondLst>
+                                            <p:cond delay="0"/>
+                                          </p:stCondLst>
+                                        </p:cTn>
+                                        <p:tgtEl>
+                                          <p:spTgt spid="9"/>
+                                        </p:tgtEl>
+                                        <p:attrNameLst>
+                                          <p:attrName>style.visibility</p:attrName>
+                                        </p:attrNameLst>
+                                      </p:cBhvr>
+                                      <p:to>
+                                        <p:strVal val="visible"/>
+                                      </p:to>
+                                    </p:set>
+                                    <p:animEffect transition="in" filter="fade">
+                                      <p:cBhvr>
+                                        <p:cTn id="10" dur="500"/>
+                                        <p:tgtEl>
+                                          <p:spTgt spid="9"/>
+                                        </p:tgtEl>
+                                      </p:cBhvr>
+                                    </p:animEffect>
+                                  </p:childTnLst>
+                                </p:cTn>
+                              </p:par>
+                              <p:par>
+                                <p:cTn id="11" presetID="10" presetClass="entr" presetSubtype="0" fill="hold" nodeType="withEffect">
+                                  <p:stCondLst>
+                                    <p:cond delay="0"/>
+                                  </p:stCondLst>
+                                  <p:childTnLst>
+                                    <p:set>
+                                      <p:cBhvr>
+                                        <p:cTn id="12" dur="1" fill="hold">
+                                          <p:stCondLst>
+                                            <p:cond delay="0"/>
+                                          </p:stCondLst>
+                                        </p:cTn>
+                                        <p:tgtEl>
+                                          <p:spTgt spid="12"/>
+                                        </p:tgtEl>
+                                        <p:attrNameLst>
+                                          <p:attrName>style.visibility</p:attrName>
+                                        </p:attrNameLst>
+                                      </p:cBhvr>
+                                      <p:to>
+                                        <p:strVal val="visible"/>
+                                      </p:to>
+                                    </p:set>
+                                    <p:animEffect transition="in" filter="fade">
+                                      <p:cBhvr>
+                                        <p:cTn id="13" dur="500"/>
+                                        <p:tgtEl>
+                                          <p:spTgt spid="12"/>
+                                        </p:tgtEl>
+                                      </p:cBhvr>
+                                    </p:animEffect>
+                                  </p:childTnLst>
+                                </p:cTn>
+                              </p:par>
+                            </p:childTnLst>
+                          </p:cTn>
+                        </p:par>
+                      </p:childTnLst>
+                    </p:cTn>
+                  </p:par>
+                  <p:par>
+                    <p:cTn id="14" fill="hold">
+                      <p:stCondLst>
+                        <p:cond delay="indefinite"/>
+                      </p:stCondLst>
+                      <p:childTnLst>
+                        <p:par>
+                          <p:cTn id="15" fill="hold">
+                            <p:stCondLst>
+                              <p:cond delay="0"/>
+                            </p:stCondLst>
+                            <p:childTnLst>
+                              <p:par>
+                                <p:cTn id="16" presetID="10" presetClass="entr" presetSubtype="0" fill="hold" nodeType="clickEffect">
+                                  <p:stCondLst>
+                                    <p:cond delay="0"/>
+                                  </p:stCondLst>
+                                  <p:childTnLst>
+                                    <p:set>
+                                      <p:cBhvr>
+                                        <p:cTn id="17" dur="1" fill="hold">
+                                          <p:stCondLst>
+                                            <p:cond delay="0"/>
+                                          </p:stCondLst>
+                                        </p:cTn>
+                                        <p:tgtEl>
+                                          <p:spTgt spid="20"/>
+                                        </p:tgtEl>
+                                        <p:attrNameLst>
+                                          <p:attrName>style.visibility</p:attrName>
+                                        </p:attrNameLst>
+                                      </p:cBhvr>
+                                      <p:to>
+                                        <p:strVal val="visible"/>
+                                      </p:to>
+                                    </p:set>
+                                    <p:animEffect transition="in" filter="fade">
+                                      <p:cBhvr>
+                                        <p:cTn id="18" dur="500"/>
+                                        <p:tgtEl>
+                                          <p:spTgt spid="20"/>
+                                        </p:tgtEl>
+                                      </p:cBhvr>
+                                    </p:animEffect>
+                                  </p:childTnLst>
+                                </p:cTn>
+                              </p:par>
+                              <p:par>
+                                <p:cTn id="19" presetID="10" presetClass="entr" presetSubtype="0" fill="hold" nodeType="withEffect">
+                                  <p:stCondLst>
+                                    <p:cond delay="0"/>
+                                  </p:stCondLst>
+                                  <p:childTnLst>
+                                    <p:set>
+                                      <p:cBhvr>
+                                        <p:cTn id="20" dur="1" fill="hold">
+                                          <p:stCondLst>
+                                            <p:cond delay="0"/>
+                                          </p:stCondLst>
+                                        </p:cTn>
+                                        <p:tgtEl>
+                                          <p:spTgt spid="21"/>
+                                        </p:tgtEl>
+                                        <p:attrNameLst>
+                                          <p:attrName>style.visibility</p:attrName>
+                                        </p:attrNameLst>
+                                      </p:cBhvr>
+                                      <p:to>
+                                        <p:strVal val="visible"/>
+                                      </p:to>
+                                    </p:set>
+                                    <p:animEffect transition="in" filter="fade">
+                                      <p:cBhvr>
+                                        <p:cTn id="21" dur="500"/>
+                                        <p:tgtEl>
+                                          <p:spTgt spid="21"/>
+                                        </p:tgtEl>
+                                      </p:cBhvr>
+                                    </p:animEffect>
+                                  </p:childTnLst>
+                                </p:cTn>
+                              </p:par>
+                            </p:childTnLst>
+                          </p:cTn>
+                        </p:par>
+                      </p:childTnLst>
+                    </p:cTn>
+                  </p:par>
+                  <p:par>
+                    <p:cTn id="22" fill="hold">
+                      <p:stCondLst>
+                        <p:cond delay="indefinite"/>
+                      </p:stCondLst>
+                      <p:childTnLst>
+                        <p:par>
+                          <p:cTn id="23" fill="hold">
+                            <p:stCondLst>
+                              <p:cond delay="0"/>
+                            </p:stCondLst>
+                            <p:childTnLst>
+                              <p:par>
+                                <p:cTn id="24" presetID="10" presetClass="entr" presetSubtype="0" fill="hold" grpId="0" nodeType="clickEffect">
+                                  <p:stCondLst>
+                                    <p:cond delay="0"/>
+                                  </p:stCondLst>
+                                  <p:childTnLst>
+                                    <p:set>
+                                      <p:cBhvr>
+                                        <p:cTn id="25" dur="1" fill="hold">
+                                          <p:stCondLst>
+                                            <p:cond delay="0"/>
+                                          </p:stCondLst>
+                                        </p:cTn>
+                                        <p:tgtEl>
+                                          <p:spTgt spid="29"/>
+                                        </p:tgtEl>
+                                        <p:attrNameLst>
+                                          <p:attrName>style.visibility</p:attrName>
+                                        </p:attrNameLst>
+                                      </p:cBhvr>
+                                      <p:to>
+                                        <p:strVal val="visible"/>
+                                      </p:to>
+                                    </p:set>
+                                    <p:animEffect transition="in" filter="fade">
+                                      <p:cBhvr>
+                                        <p:cTn id="26" dur="500"/>
+                                        <p:tgtEl>
+                                          <p:spTgt spid="29"/>
+                                        </p:tgtEl>
+                                      </p:cBhvr>
+                                    </p:animEffect>
+                                  </p:childTnLst>
+                                </p:cTn>
+                              </p:par>
+                              <p:par>
+                                <p:cTn id="27" presetID="10" presetClass="entr" presetSubtype="0" fill="hold" nodeType="withEffect">
+                                  <p:stCondLst>
+                                    <p:cond delay="0"/>
+                                  </p:stCondLst>
+                                  <p:childTnLst>
+                                    <p:set>
+                                      <p:cBhvr>
+                                        <p:cTn id="28" dur="1" fill="hold">
+                                          <p:stCondLst>
+                                            <p:cond delay="0"/>
+                                          </p:stCondLst>
+                                        </p:cTn>
+                                        <p:tgtEl>
+                                          <p:spTgt spid="24"/>
+                                        </p:tgtEl>
+                                        <p:attrNameLst>
+                                          <p:attrName>style.visibility</p:attrName>
+                                        </p:attrNameLst>
+                                      </p:cBhvr>
+                                      <p:to>
+                                        <p:strVal val="visible"/>
+                                      </p:to>
+                                    </p:set>
+                                    <p:animEffect transition="in" filter="fade">
+                                      <p:cBhvr>
+                                        <p:cTn id="29" dur="500"/>
+                                        <p:tgtEl>
+                                          <p:spTgt spid="24"/>
+                                        </p:tgtEl>
+                                      </p:cBhvr>
+                                    </p:animEffect>
+                                  </p:childTnLst>
+                                </p:cTn>
+                              </p:par>
+                              <p:par>
+                                <p:cTn id="30" presetID="10" presetClass="entr" presetSubtype="0" fill="hold" nodeType="withEffect">
+                                  <p:stCondLst>
+                                    <p:cond delay="0"/>
+                                  </p:stCondLst>
+                                  <p:childTnLst>
+                                    <p:set>
+                                      <p:cBhvr>
+                                        <p:cTn id="31" dur="1" fill="hold">
+                                          <p:stCondLst>
+                                            <p:cond delay="0"/>
+                                          </p:stCondLst>
+                                        </p:cTn>
+                                        <p:tgtEl>
+                                          <p:spTgt spid="26"/>
+                                        </p:tgtEl>
+                                        <p:attrNameLst>
+                                          <p:attrName>style.visibility</p:attrName>
+                                        </p:attrNameLst>
+                                      </p:cBhvr>
+                                      <p:to>
+                                        <p:strVal val="visible"/>
+                                      </p:to>
+                                    </p:set>
+                                    <p:animEffect transition="in" filter="fade">
+                                      <p:cBhvr>
+                                        <p:cTn id="32" dur="500"/>
+                                        <p:tgtEl>
+                                          <p:spTgt spid="26"/>
+                                        </p:tgtEl>
+                                      </p:cBhvr>
+                                    </p:animEffect>
+                                  </p:childTnLst>
+                                </p:cTn>
+                              </p:par>
+                            </p:childTnLst>
+                          </p:cTn>
+                        </p:par>
+                      </p:childTnLst>
+                    </p:cTn>
+                  </p:par>
+                  <p:par>
+                    <p:cTn id="33" fill="hold">
+                      <p:stCondLst>
+                        <p:cond delay="indefinite"/>
+                      </p:stCondLst>
+                      <p:childTnLst>
+                        <p:par>
+                          <p:cTn id="34" fill="hold">
+                            <p:stCondLst>
+                              <p:cond delay="0"/>
+                            </p:stCondLst>
+                            <p:childTnLst>
+                              <p:par>
+                                <p:cTn id="35" presetID="10" presetClass="entr" presetSubtype="0" fill="hold" nodeType="clickEffect">
+                                  <p:stCondLst>
+                                    <p:cond delay="0"/>
+                                  </p:stCondLst>
+                                  <p:childTnLst>
+                                    <p:set>
+                                      <p:cBhvr>
+                                        <p:cTn id="36" dur="1" fill="hold">
+                                          <p:stCondLst>
+                                            <p:cond delay="0"/>
+                                          </p:stCondLst>
+                                        </p:cTn>
+                                        <p:tgtEl>
+                                          <p:spTgt spid="22"/>
+                                        </p:tgtEl>
+                                        <p:attrNameLst>
+                                          <p:attrName>style.visibility</p:attrName>
+                                        </p:attrNameLst>
+                                      </p:cBhvr>
+                                      <p:to>
+                                        <p:strVal val="visible"/>
+                                      </p:to>
+                                    </p:set>
+                                    <p:animEffect transition="in" filter="fade">
+                                      <p:cBhvr>
+                                        <p:cTn id="37" dur="500"/>
+                                        <p:tgtEl>
+                                          <p:spTgt spid="22"/>
+                                        </p:tgtEl>
+                                      </p:cBhvr>
+                                    </p:animEffect>
+                                  </p:childTnLst>
+                                </p:cTn>
+                              </p:par>
+                              <p:par>
+                                <p:cTn id="38" presetID="10" presetClass="entr" presetSubtype="0" fill="hold" nodeType="withEffect">
+                                  <p:stCondLst>
+                                    <p:cond delay="0"/>
+                                  </p:stCondLst>
+                                  <p:childTnLst>
+                                    <p:set>
+                                      <p:cBhvr>
+                                        <p:cTn id="39" dur="1" fill="hold">
+                                          <p:stCondLst>
+                                            <p:cond delay="0"/>
+                                          </p:stCondLst>
+                                        </p:cTn>
+                                        <p:tgtEl>
+                                          <p:spTgt spid="23"/>
+                                        </p:tgtEl>
+                                        <p:attrNameLst>
+                                          <p:attrName>style.visibility</p:attrName>
+                                        </p:attrNameLst>
+                                      </p:cBhvr>
+                                      <p:to>
+                                        <p:strVal val="visible"/>
+                                      </p:to>
+                                    </p:set>
+                                    <p:animEffect transition="in" filter="fade">
+                                      <p:cBhvr>
+                                        <p:cTn id="40" dur="500"/>
+                                        <p:tgtEl>
+                                          <p:spTgt spid="23"/>
+                                        </p:tgtEl>
+                                      </p:cBhvr>
+                                    </p:animEffect>
+                                  </p:childTnLst>
+                                </p:cTn>
+                              </p:par>
+                            </p:childTnLst>
+                          </p:cTn>
+                        </p:par>
+                      </p:childTnLst>
+                    </p:cTn>
+                  </p:par>
+                </p:childTnLst>
+              </p:cTn>
+              <p:prevCondLst>
+                <p:cond evt="onPrev" delay="0">
+                  <p:tgtEl>
+                    <p:sldTgt/>
+                  </p:tgtEl>
+                </p:cond>
+              </p:prevCondLst>
+              <p:nextCondLst>
+                <p:cond evt="onNext" delay="0">
+                  <p:tgtEl>
+                    <p:sldTgt/>
+                  </p:tgtEl>
+                </p:cond>
+              </p:nextCondLst>
+            </p:seq>
+          </p:childTnLst>
+        </p:cTn>
+      </p:par>
+    </p:tnLst>
+    <p:bldLst>
+      <p:bldP spid="16" grpId="0"/>
+      <p:bldP spid="29" grpId="0"/>
+    </p:bldLst>
+  </p:timing>
+</p:sld>
+</file>
+
+<file path=ppt/slides/slide6.xml><?xml version="1.0" encoding="utf-8"?>
+<p:sld xmlns:a="http://schemas.openxmlformats.org/drawingml/2006/main" xmlns:r="http://schemas.openxmlformats.org/officeDocument/2006/relationships" xmlns:p="http://schemas.openxmlformats.org/presentationml/2006/main">
+  <p:cSld>
+    <p:spTree>
+      <p:nvGrpSpPr>
+        <p:cNvPr id="1" name=""/>
+        <p:cNvGrpSpPr/>
+        <p:nvPr/>
+      </p:nvGrpSpPr>
+      <p:grpSpPr>
+        <a:xfrm>
+          <a:off x="0" y="0"/>
+          <a:ext cx="0" cy="0"/>
+          <a:chOff x="0" y="0"/>
+          <a:chExt cx="0" cy="0"/>
+        </a:xfrm>
+      </p:grpSpPr>
+      <p:sp>
+        <p:nvSpPr>
+          <p:cNvPr id="2" name="Titel 1">
+            <a:extLst>
+              <a:ext uri="{FF2B5EF4-FFF2-40B4-BE49-F238E27FC236}">
+                <a16:creationId xmlns:a16="http://schemas.microsoft.com/office/drawing/2014/main" id="{D805BC1A-3855-6A8A-0AA5-2A29340E674E}"/>
+              </a:ext>
+            </a:extLst>
+          </p:cNvPr>
+          <p:cNvSpPr>
+            <a:spLocks noGrp="1"/>
+          </p:cNvSpPr>
+          <p:nvPr>
+            <p:ph type="title"/>
+          </p:nvPr>
+        </p:nvSpPr>
+        <p:spPr/>
+        <p:txBody>
+          <a:bodyPr/>
+          <a:lstStyle/>
+          <a:p>
+            <a:endParaRPr lang="de-DE" dirty="0"/>
+          </a:p>
+        </p:txBody>
+      </p:sp>
+      <p:sp>
+        <p:nvSpPr>
+          <p:cNvPr id="3" name="Inhaltsplatzhalter 2">
+            <a:extLst>
+              <a:ext uri="{FF2B5EF4-FFF2-40B4-BE49-F238E27FC236}">
+                <a16:creationId xmlns:a16="http://schemas.microsoft.com/office/drawing/2014/main" id="{30958994-A942-A4EC-D605-63531F1EE77A}"/>
+              </a:ext>
+            </a:extLst>
+          </p:cNvPr>
+          <p:cNvSpPr>
+            <a:spLocks noGrp="1"/>
+          </p:cNvSpPr>
+          <p:nvPr>
+            <p:ph idx="1"/>
+          </p:nvPr>
+        </p:nvSpPr>
+        <p:spPr/>
+        <p:txBody>
+          <a:bodyPr/>
+          <a:lstStyle/>
+          <a:p>
+            <a:endParaRPr lang="de-DE"/>
+          </a:p>
+        </p:txBody>
+      </p:sp>
+      <p:pic>
+        <p:nvPicPr>
+          <p:cNvPr id="5" name="Grafik 4">
+            <a:extLst>
+              <a:ext uri="{FF2B5EF4-FFF2-40B4-BE49-F238E27FC236}">
+                <a16:creationId xmlns:a16="http://schemas.microsoft.com/office/drawing/2014/main" id="{EAD0E857-A909-6ED6-C890-FAE13468C2DC}"/>
+              </a:ext>
+            </a:extLst>
+          </p:cNvPr>
+          <p:cNvPicPr>
+            <a:picLocks noChangeAspect="1"/>
+          </p:cNvPicPr>
+          <p:nvPr/>
+        </p:nvPicPr>
+        <p:blipFill>
+          <a:blip r:embed="rId2"/>
+          <a:stretch>
+            <a:fillRect/>
+          </a:stretch>
+        </p:blipFill>
+        <p:spPr>
+          <a:xfrm>
+            <a:off x="2553456" y="384954"/>
+            <a:ext cx="3238952" cy="5258534"/>
+          </a:xfrm>
+          <a:prstGeom prst="rect">
+            <a:avLst/>
+          </a:prstGeom>
+        </p:spPr>
+      </p:pic>
+      <p:pic>
+        <p:nvPicPr>
+          <p:cNvPr id="7" name="Grafik 6">
+            <a:extLst>
+              <a:ext uri="{FF2B5EF4-FFF2-40B4-BE49-F238E27FC236}">
+                <a16:creationId xmlns:a16="http://schemas.microsoft.com/office/drawing/2014/main" id="{ADB6AADE-2BE0-5300-38F4-A9A126DD74C9}"/>
+              </a:ext>
+            </a:extLst>
+          </p:cNvPr>
+          <p:cNvPicPr>
+            <a:picLocks noChangeAspect="1"/>
+          </p:cNvPicPr>
+          <p:nvPr/>
+        </p:nvPicPr>
+        <p:blipFill>
+          <a:blip r:embed="rId3"/>
+          <a:stretch>
+            <a:fillRect/>
+          </a:stretch>
+        </p:blipFill>
+        <p:spPr>
+          <a:xfrm>
+            <a:off x="5911446" y="384954"/>
+            <a:ext cx="5553850" cy="5858693"/>
+          </a:xfrm>
+          <a:prstGeom prst="rect">
+            <a:avLst/>
+          </a:prstGeom>
+        </p:spPr>
+      </p:pic>
+    </p:spTree>
+    <p:extLst>
+      <p:ext uri="{BB962C8B-B14F-4D97-AF65-F5344CB8AC3E}">
+        <p14:creationId xmlns:p14="http://schemas.microsoft.com/office/powerpoint/2010/main" val="4081868132"/>
+      </p:ext>
+    </p:extLst>
+  </p:cSld>
+  <p:clrMapOvr>
+    <a:masterClrMapping/>
+  </p:clrMapOvr>
+</p:sld>
+</file>
+
+<file path=ppt/slides/slide7.xml><?xml version="1.0" encoding="utf-8"?>
+<p:sld xmlns:a="http://schemas.openxmlformats.org/drawingml/2006/main" xmlns:r="http://schemas.openxmlformats.org/officeDocument/2006/relationships" xmlns:p="http://schemas.openxmlformats.org/presentationml/2006/main">
+  <p:cSld>
+    <p:spTree>
+      <p:nvGrpSpPr>
+        <p:cNvPr id="1" name=""/>
+        <p:cNvGrpSpPr/>
+        <p:nvPr/>
+      </p:nvGrpSpPr>
+      <p:grpSpPr>
+        <a:xfrm>
+          <a:off x="0" y="0"/>
+          <a:ext cx="0" cy="0"/>
+          <a:chOff x="0" y="0"/>
+          <a:chExt cx="0" cy="0"/>
+        </a:xfrm>
+      </p:grpSpPr>
+      <p:sp>
+        <p:nvSpPr>
+          <p:cNvPr id="2" name="Titel 1">
+            <a:extLst>
+              <a:ext uri="{FF2B5EF4-FFF2-40B4-BE49-F238E27FC236}">
                 <a16:creationId xmlns:a16="http://schemas.microsoft.com/office/drawing/2014/main" id="{C185E95C-BF9B-FEDE-39A7-C825E1AF4DB1}"/>
               </a:ext>
             </a:extLst>
@@ -13832,7 +18349,7 @@
         </p:nvSpPr>
         <p:spPr>
           <a:xfrm>
-            <a:off x="1096362" y="445823"/>
+            <a:off x="538385" y="184727"/>
             <a:ext cx="9076329" cy="1064277"/>
           </a:xfrm>
         </p:spPr>
@@ -13867,8 +18384,8 @@
         </p:nvSpPr>
         <p:spPr>
           <a:xfrm>
-            <a:off x="920315" y="2398863"/>
-            <a:ext cx="9076329" cy="3650155"/>
+            <a:off x="538385" y="1396263"/>
+            <a:ext cx="5130107" cy="3429952"/>
           </a:xfrm>
         </p:spPr>
         <p:txBody>
@@ -13983,6 +18500,36 @@
           <a:xfrm>
             <a:off x="6322842" y="3429000"/>
             <a:ext cx="5765742" cy="3351229"/>
+          </a:xfrm>
+          <a:prstGeom prst="rect">
+            <a:avLst/>
+          </a:prstGeom>
+        </p:spPr>
+      </p:pic>
+      <p:pic>
+        <p:nvPicPr>
+          <p:cNvPr id="5" name="Grafik 4">
+            <a:extLst>
+              <a:ext uri="{FF2B5EF4-FFF2-40B4-BE49-F238E27FC236}">
+                <a16:creationId xmlns:a16="http://schemas.microsoft.com/office/drawing/2014/main" id="{E2C4E377-E8C3-55F4-149F-88A719DC5A6D}"/>
+              </a:ext>
+            </a:extLst>
+          </p:cNvPr>
+          <p:cNvPicPr>
+            <a:picLocks noChangeAspect="1"/>
+          </p:cNvPicPr>
+          <p:nvPr/>
+        </p:nvPicPr>
+        <p:blipFill>
+          <a:blip r:embed="rId4"/>
+          <a:stretch>
+            <a:fillRect/>
+          </a:stretch>
+        </p:blipFill>
+        <p:spPr>
+          <a:xfrm>
+            <a:off x="297438" y="4253301"/>
+            <a:ext cx="5886858" cy="2526928"/>
           </a:xfrm>
           <a:prstGeom prst="rect">
             <a:avLst/>
@@ -14141,7 +18688,244 @@
 </p:sld>
 </file>
 
-<file path=ppt/slides/slide6.xml><?xml version="1.0" encoding="utf-8"?>
+<file path=ppt/slides/slide8.xml><?xml version="1.0" encoding="utf-8"?>
+<p:sld xmlns:a="http://schemas.openxmlformats.org/drawingml/2006/main" xmlns:r="http://schemas.openxmlformats.org/officeDocument/2006/relationships" xmlns:p="http://schemas.openxmlformats.org/presentationml/2006/main">
+  <p:cSld>
+    <p:bg>
+      <p:bgPr>
+        <a:solidFill>
+          <a:schemeClr val="bg2"/>
+        </a:solidFill>
+        <a:effectLst/>
+      </p:bgPr>
+    </p:bg>
+    <p:spTree>
+      <p:nvGrpSpPr>
+        <p:cNvPr id="1" name=""/>
+        <p:cNvGrpSpPr/>
+        <p:nvPr/>
+      </p:nvGrpSpPr>
+      <p:grpSpPr>
+        <a:xfrm>
+          <a:off x="0" y="0"/>
+          <a:ext cx="0" cy="0"/>
+          <a:chOff x="0" y="0"/>
+          <a:chExt cx="0" cy="0"/>
+        </a:xfrm>
+      </p:grpSpPr>
+      <p:sp useBgFill="1">
+        <p:nvSpPr>
+          <p:cNvPr id="9" name="Rectangle 8">
+            <a:extLst>
+              <a:ext uri="{FF2B5EF4-FFF2-40B4-BE49-F238E27FC236}">
+                <a16:creationId xmlns:a16="http://schemas.microsoft.com/office/drawing/2014/main" id="{19EC5B12-9FF3-41FE-B789-2696F5195F4E}"/>
+              </a:ext>
+              <a:ext uri="{C183D7F6-B498-43B3-948B-1728B52AA6E4}">
+                <adec:decorative xmlns:adec="http://schemas.microsoft.com/office/drawing/2017/decorative" val="1"/>
+              </a:ext>
+            </a:extLst>
+          </p:cNvPr>
+          <p:cNvSpPr>
+            <a:spLocks noGrp="1" noRot="1" noChangeAspect="1" noMove="1" noResize="1" noEditPoints="1" noAdjustHandles="1" noChangeArrowheads="1" noChangeShapeType="1" noTextEdit="1"/>
+          </p:cNvSpPr>
+          <p:nvPr>
+            <p:extLst>
+              <p:ext uri="{386F3935-93C4-4BCD-93E2-E3B085C9AB24}">
+                <p16:designElem xmlns:p16="http://schemas.microsoft.com/office/powerpoint/2015/main" val="1"/>
+              </p:ext>
+            </p:extLst>
+          </p:nvPr>
+        </p:nvSpPr>
+        <p:spPr>
+          <a:xfrm>
+            <a:off x="0" y="0"/>
+            <a:ext cx="12192000" cy="6858000"/>
+          </a:xfrm>
+          <a:prstGeom prst="rect">
+            <a:avLst/>
+          </a:prstGeom>
+          <a:ln w="12700" cap="flat" cmpd="sng" algn="ctr">
+            <a:noFill/>
+            <a:prstDash val="solid"/>
+            <a:miter lim="800000"/>
+          </a:ln>
+          <a:effectLst/>
+          <a:extLst>
+            <a:ext uri="{91240B29-F687-4F45-9708-019B960494DF}">
+              <a14:hiddenLine xmlns:a14="http://schemas.microsoft.com/office/drawing/2010/main" w="12700" cap="flat" cmpd="sng" algn="ctr">
+                <a:solidFill>
+                  <a:schemeClr val="accent1">
+                    <a:shade val="50000"/>
+                  </a:schemeClr>
+                </a:solidFill>
+                <a:prstDash val="solid"/>
+                <a:miter lim="800000"/>
+              </a14:hiddenLine>
+            </a:ext>
+          </a:extLst>
+        </p:spPr>
+        <p:style>
+          <a:lnRef idx="2">
+            <a:schemeClr val="accent1">
+              <a:shade val="50000"/>
+            </a:schemeClr>
+          </a:lnRef>
+          <a:fillRef idx="1">
+            <a:schemeClr val="accent1"/>
+          </a:fillRef>
+          <a:effectRef idx="0">
+            <a:schemeClr val="accent1"/>
+          </a:effectRef>
+          <a:fontRef idx="minor">
+            <a:schemeClr val="lt1"/>
+          </a:fontRef>
+        </p:style>
+        <p:txBody>
+          <a:bodyPr rtlCol="0" anchor="ctr"/>
+          <a:lstStyle/>
+          <a:p>
+            <a:pPr algn="ctr"/>
+            <a:endParaRPr lang="en-US"/>
+          </a:p>
+        </p:txBody>
+      </p:sp>
+      <p:sp>
+        <p:nvSpPr>
+          <p:cNvPr id="2" name="Titel 1">
+            <a:extLst>
+              <a:ext uri="{FF2B5EF4-FFF2-40B4-BE49-F238E27FC236}">
+                <a16:creationId xmlns:a16="http://schemas.microsoft.com/office/drawing/2014/main" id="{EEED0784-CA01-D95D-EA97-6005F25A220C}"/>
+              </a:ext>
+            </a:extLst>
+          </p:cNvPr>
+          <p:cNvSpPr>
+            <a:spLocks noGrp="1"/>
+          </p:cNvSpPr>
+          <p:nvPr>
+            <p:ph type="title"/>
+          </p:nvPr>
+        </p:nvSpPr>
+        <p:spPr>
+          <a:xfrm>
+            <a:off x="952500" y="1581462"/>
+            <a:ext cx="2959622" cy="3687580"/>
+          </a:xfrm>
+        </p:spPr>
+        <p:txBody>
+          <a:bodyPr>
+            <a:normAutofit/>
+          </a:bodyPr>
+          <a:lstStyle/>
+          <a:p>
+            <a:pPr algn="ctr"/>
+            <a:r>
+              <a:rPr lang="de-DE" dirty="0"/>
+              <a:t>Zukunftsplan</a:t>
+            </a:r>
+          </a:p>
+        </p:txBody>
+      </p:sp>
+      <p:cxnSp>
+        <p:nvCxnSpPr>
+          <p:cNvPr id="11" name="Straight Connector 10">
+            <a:extLst>
+              <a:ext uri="{FF2B5EF4-FFF2-40B4-BE49-F238E27FC236}">
+                <a16:creationId xmlns:a16="http://schemas.microsoft.com/office/drawing/2014/main" id="{4FCEE13B-EFB1-46F2-BC11-110F05BFB691}"/>
+              </a:ext>
+              <a:ext uri="{C183D7F6-B498-43B3-948B-1728B52AA6E4}">
+                <adec:decorative xmlns:adec="http://schemas.microsoft.com/office/drawing/2017/decorative" val="1"/>
+              </a:ext>
+            </a:extLst>
+          </p:cNvPr>
+          <p:cNvCxnSpPr>
+            <a:cxnSpLocks noGrp="1" noRot="1" noChangeAspect="1" noMove="1" noResize="1" noEditPoints="1" noAdjustHandles="1" noChangeArrowheads="1" noChangeShapeType="1"/>
+          </p:cNvCxnSpPr>
+          <p:nvPr>
+            <p:extLst>
+              <p:ext uri="{386F3935-93C4-4BCD-93E2-E3B085C9AB24}">
+                <p16:designElem xmlns:p16="http://schemas.microsoft.com/office/powerpoint/2015/main" val="1"/>
+              </p:ext>
+            </p:extLst>
+          </p:nvPr>
+        </p:nvCxnSpPr>
+        <p:spPr>
+          <a:xfrm>
+            <a:off x="4359630" y="1852474"/>
+            <a:ext cx="0" cy="3394558"/>
+          </a:xfrm>
+          <a:prstGeom prst="line">
+            <a:avLst/>
+          </a:prstGeom>
+          <a:ln w="25400" cap="rnd">
+            <a:solidFill>
+              <a:schemeClr val="bg2">
+                <a:lumMod val="75000"/>
+              </a:schemeClr>
+            </a:solidFill>
+            <a:prstDash val="sysDot"/>
+            <a:round/>
+          </a:ln>
+        </p:spPr>
+        <p:style>
+          <a:lnRef idx="1">
+            <a:schemeClr val="accent1"/>
+          </a:lnRef>
+          <a:fillRef idx="0">
+            <a:schemeClr val="accent1"/>
+          </a:fillRef>
+          <a:effectRef idx="0">
+            <a:schemeClr val="accent1"/>
+          </a:effectRef>
+          <a:fontRef idx="minor">
+            <a:schemeClr val="tx1"/>
+          </a:fontRef>
+        </p:style>
+      </p:cxnSp>
+      <p:graphicFrame>
+        <p:nvGraphicFramePr>
+          <p:cNvPr id="5" name="Inhaltsplatzhalter 2">
+            <a:extLst>
+              <a:ext uri="{FF2B5EF4-FFF2-40B4-BE49-F238E27FC236}">
+                <a16:creationId xmlns:a16="http://schemas.microsoft.com/office/drawing/2014/main" id="{56A86BDE-571F-DE44-5B36-3E6EDFE28950}"/>
+              </a:ext>
+            </a:extLst>
+          </p:cNvPr>
+          <p:cNvGraphicFramePr>
+            <a:graphicFrameLocks noGrp="1"/>
+          </p:cNvGraphicFramePr>
+          <p:nvPr>
+            <p:ph idx="1"/>
+            <p:extLst>
+              <p:ext uri="{D42A27DB-BD31-4B8C-83A1-F6EECF244321}">
+                <p14:modId xmlns:p14="http://schemas.microsoft.com/office/powerpoint/2010/main" val="781038033"/>
+              </p:ext>
+            </p:extLst>
+          </p:nvPr>
+        </p:nvGraphicFramePr>
+        <p:xfrm>
+          <a:off x="5214938" y="985838"/>
+          <a:ext cx="6024561" cy="4919662"/>
+        </p:xfrm>
+        <a:graphic>
+          <a:graphicData uri="http://schemas.openxmlformats.org/drawingml/2006/diagram">
+            <dgm:relIds xmlns:dgm="http://schemas.openxmlformats.org/drawingml/2006/diagram" xmlns:r="http://schemas.openxmlformats.org/officeDocument/2006/relationships" r:dm="rId2" r:lo="rId3" r:qs="rId4" r:cs="rId5"/>
+          </a:graphicData>
+        </a:graphic>
+      </p:graphicFrame>
+    </p:spTree>
+    <p:extLst>
+      <p:ext uri="{BB962C8B-B14F-4D97-AF65-F5344CB8AC3E}">
+        <p14:creationId xmlns:p14="http://schemas.microsoft.com/office/powerpoint/2010/main" val="2305335300"/>
+      </p:ext>
+    </p:extLst>
+  </p:cSld>
+  <p:clrMapOvr>
+    <a:masterClrMapping/>
+  </p:clrMapOvr>
+</p:sld>
+</file>
+
+<file path=ppt/slides/slide9.xml><?xml version="1.0" encoding="utf-8"?>
 <p:sld xmlns:a="http://schemas.openxmlformats.org/drawingml/2006/main" xmlns:r="http://schemas.openxmlformats.org/officeDocument/2006/relationships" xmlns:p="http://schemas.openxmlformats.org/presentationml/2006/main">
   <p:cSld>
     <p:spTree>
@@ -14298,6 +19082,27 @@
             <a:r>
               <a:rPr lang="de-DE" sz="1600" dirty="0"/>
               <a:t> (Pixel Adventure 2)</a:t>
+            </a:r>
+          </a:p>
+          <a:p>
+            <a:pPr marL="594360" lvl="4"/>
+            <a:r>
+              <a:rPr lang="de-DE" sz="1600" dirty="0">
+                <a:hlinkClick r:id="rId7"/>
+              </a:rPr>
+              <a:t>https://assetstore.unity.com/packages/2d/environments/pixel-skies-demo-background-pack-226622</a:t>
+            </a:r>
+            <a:r>
+              <a:rPr lang="de-DE" sz="1600" dirty="0"/>
+              <a:t> (Pixel </a:t>
+            </a:r>
+            <a:r>
+              <a:rPr lang="de-DE" sz="1600" dirty="0" err="1"/>
+              <a:t>Skies</a:t>
+            </a:r>
+            <a:r>
+              <a:rPr lang="de-DE" sz="1600" dirty="0"/>
+              <a:t> Demo)</a:t>
             </a:r>
           </a:p>
         </p:txBody>

--- a/Stand der Dinge.pptx
+++ b/Stand der Dinge.pptx
@@ -18207,12 +18207,20 @@
             <p:ph type="title"/>
           </p:nvPr>
         </p:nvSpPr>
-        <p:spPr/>
+        <p:spPr>
+          <a:xfrm>
+            <a:off x="793023" y="144334"/>
+            <a:ext cx="9076329" cy="1064277"/>
+          </a:xfrm>
+        </p:spPr>
         <p:txBody>
           <a:bodyPr/>
           <a:lstStyle/>
           <a:p>
-            <a:endParaRPr lang="de-DE" dirty="0"/>
+            <a:r>
+              <a:rPr lang="de-DE" u="sng" dirty="0"/>
+              <a:t>Level Management</a:t>
+            </a:r>
           </a:p>
         </p:txBody>
       </p:sp>
@@ -18237,7 +18245,7 @@
           <a:bodyPr/>
           <a:lstStyle/>
           <a:p>
-            <a:endParaRPr lang="de-DE"/>
+            <a:endParaRPr lang="de-DE" dirty="0"/>
           </a:p>
         </p:txBody>
       </p:sp>
@@ -18263,7 +18271,7 @@
         </p:blipFill>
         <p:spPr>
           <a:xfrm>
-            <a:off x="2553456" y="384954"/>
+            <a:off x="1250271" y="1299354"/>
             <a:ext cx="3238952" cy="5258534"/>
           </a:xfrm>
           <a:prstGeom prst="rect">
@@ -18293,8 +18301,40 @@
         </p:blipFill>
         <p:spPr>
           <a:xfrm>
-            <a:off x="5911446" y="384954"/>
+            <a:off x="6007497" y="699195"/>
             <a:ext cx="5553850" cy="5858693"/>
+          </a:xfrm>
+          <a:prstGeom prst="rect">
+            <a:avLst/>
+          </a:prstGeom>
+        </p:spPr>
+      </p:pic>
+      <p:pic>
+        <p:nvPicPr>
+          <p:cNvPr id="4" name="Grafik 3">
+            <a:extLst>
+              <a:ext uri="{FF2B5EF4-FFF2-40B4-BE49-F238E27FC236}">
+                <a16:creationId xmlns:a16="http://schemas.microsoft.com/office/drawing/2014/main" id="{22B5BCFF-C07E-26A0-0EC3-54B75F8C4DFF}"/>
+              </a:ext>
+            </a:extLst>
+          </p:cNvPr>
+          <p:cNvPicPr>
+            <a:picLocks noChangeAspect="1"/>
+          </p:cNvPicPr>
+          <p:nvPr/>
+        </p:nvPicPr>
+        <p:blipFill>
+          <a:blip r:embed="rId4">
+            <a:alphaModFix amt="20000"/>
+          </a:blip>
+          <a:stretch>
+            <a:fillRect/>
+          </a:stretch>
+        </p:blipFill>
+        <p:spPr>
+          <a:xfrm>
+            <a:off x="6225309" y="3275308"/>
+            <a:ext cx="5237018" cy="2623104"/>
           </a:xfrm>
           <a:prstGeom prst="rect">
             <a:avLst/>
@@ -18311,6 +18351,142 @@
   <p:clrMapOvr>
     <a:masterClrMapping/>
   </p:clrMapOvr>
+  <p:timing>
+    <p:tnLst>
+      <p:par>
+        <p:cTn id="1" dur="indefinite" restart="never" nodeType="tmRoot">
+          <p:childTnLst>
+            <p:seq concurrent="1" nextAc="seek">
+              <p:cTn id="2" dur="indefinite" nodeType="mainSeq">
+                <p:childTnLst>
+                  <p:par>
+                    <p:cTn id="3" fill="hold">
+                      <p:stCondLst>
+                        <p:cond delay="indefinite"/>
+                      </p:stCondLst>
+                      <p:childTnLst>
+                        <p:par>
+                          <p:cTn id="4" fill="hold">
+                            <p:stCondLst>
+                              <p:cond delay="0"/>
+                            </p:stCondLst>
+                            <p:childTnLst>
+                              <p:par>
+                                <p:cTn id="5" presetID="10" presetClass="entr" presetSubtype="0" fill="hold" nodeType="clickEffect">
+                                  <p:stCondLst>
+                                    <p:cond delay="0"/>
+                                  </p:stCondLst>
+                                  <p:childTnLst>
+                                    <p:set>
+                                      <p:cBhvr>
+                                        <p:cTn id="6" dur="1" fill="hold">
+                                          <p:stCondLst>
+                                            <p:cond delay="0"/>
+                                          </p:stCondLst>
+                                        </p:cTn>
+                                        <p:tgtEl>
+                                          <p:spTgt spid="7"/>
+                                        </p:tgtEl>
+                                        <p:attrNameLst>
+                                          <p:attrName>style.visibility</p:attrName>
+                                        </p:attrNameLst>
+                                      </p:cBhvr>
+                                      <p:to>
+                                        <p:strVal val="visible"/>
+                                      </p:to>
+                                    </p:set>
+                                    <p:animEffect transition="in" filter="fade">
+                                      <p:cBhvr>
+                                        <p:cTn id="7" dur="500"/>
+                                        <p:tgtEl>
+                                          <p:spTgt spid="7"/>
+                                        </p:tgtEl>
+                                      </p:cBhvr>
+                                    </p:animEffect>
+                                  </p:childTnLst>
+                                </p:cTn>
+                              </p:par>
+                            </p:childTnLst>
+                          </p:cTn>
+                        </p:par>
+                      </p:childTnLst>
+                    </p:cTn>
+                  </p:par>
+                  <p:par>
+                    <p:cTn id="8" fill="hold">
+                      <p:stCondLst>
+                        <p:cond delay="indefinite"/>
+                      </p:stCondLst>
+                      <p:childTnLst>
+                        <p:par>
+                          <p:cTn id="9" fill="hold">
+                            <p:stCondLst>
+                              <p:cond delay="0"/>
+                            </p:stCondLst>
+                            <p:childTnLst>
+                              <p:par>
+                                <p:cTn id="10" presetID="10" presetClass="entr" presetSubtype="0" fill="hold" nodeType="clickEffect">
+                                  <p:stCondLst>
+                                    <p:cond delay="0"/>
+                                  </p:stCondLst>
+                                  <p:childTnLst>
+                                    <p:set>
+                                      <p:cBhvr>
+                                        <p:cTn id="11" dur="1" fill="hold">
+                                          <p:stCondLst>
+                                            <p:cond delay="0"/>
+                                          </p:stCondLst>
+                                        </p:cTn>
+                                        <p:tgtEl>
+                                          <p:spTgt spid="4"/>
+                                        </p:tgtEl>
+                                        <p:attrNameLst>
+                                          <p:attrName>style.visibility</p:attrName>
+                                        </p:attrNameLst>
+                                      </p:cBhvr>
+                                      <p:to>
+                                        <p:strVal val="visible"/>
+                                      </p:to>
+                                    </p:set>
+                                    <p:animEffect transition="in" filter="fade">
+                                      <p:cBhvr>
+                                        <p:cTn id="12" dur="500"/>
+                                        <p:tgtEl>
+                                          <p:spTgt spid="4"/>
+                                        </p:tgtEl>
+                                      </p:cBhvr>
+                                    </p:animEffect>
+                                  </p:childTnLst>
+                                </p:cTn>
+                              </p:par>
+                            </p:childTnLst>
+                          </p:cTn>
+                        </p:par>
+                      </p:childTnLst>
+                    </p:cTn>
+                  </p:par>
+                </p:childTnLst>
+              </p:cTn>
+              <p:prevCondLst>
+                <p:cond evt="onPrev" delay="0">
+                  <p:tgtEl>
+                    <p:sldTgt/>
+                  </p:tgtEl>
+                </p:cond>
+              </p:prevCondLst>
+              <p:nextCondLst>
+                <p:cond evt="onNext" delay="0">
+                  <p:tgtEl>
+                    <p:sldTgt/>
+                  </p:tgtEl>
+                </p:cond>
+              </p:nextCondLst>
+            </p:seq>
+          </p:childTnLst>
+        </p:cTn>
+      </p:par>
+    </p:tnLst>
+  </p:timing>
 </p:sld>
 </file>
 

--- a/Stand der Dinge.pptx
+++ b/Stand der Dinge.pptx
@@ -13,7 +13,8 @@
     <p:sldId id="268" r:id="rId7"/>
     <p:sldId id="262" r:id="rId8"/>
     <p:sldId id="267" r:id="rId9"/>
-    <p:sldId id="265" r:id="rId10"/>
+    <p:sldId id="269" r:id="rId10"/>
+    <p:sldId id="265" r:id="rId11"/>
   </p:sldIdLst>
   <p:sldSz cx="12192000" cy="6858000"/>
   <p:notesSz cx="6858000" cy="9144000"/>
@@ -13496,6 +13497,201 @@
     <p:extLst>
       <p:ext uri="{BB962C8B-B14F-4D97-AF65-F5344CB8AC3E}">
         <p14:creationId xmlns:p14="http://schemas.microsoft.com/office/powerpoint/2010/main" val="779054311"/>
+      </p:ext>
+    </p:extLst>
+  </p:cSld>
+  <p:clrMapOvr>
+    <a:masterClrMapping/>
+  </p:clrMapOvr>
+</p:sld>
+</file>
+
+<file path=ppt/slides/slide10.xml><?xml version="1.0" encoding="utf-8"?>
+<p:sld xmlns:a="http://schemas.openxmlformats.org/drawingml/2006/main" xmlns:r="http://schemas.openxmlformats.org/officeDocument/2006/relationships" xmlns:p="http://schemas.openxmlformats.org/presentationml/2006/main">
+  <p:cSld>
+    <p:spTree>
+      <p:nvGrpSpPr>
+        <p:cNvPr id="1" name=""/>
+        <p:cNvGrpSpPr/>
+        <p:nvPr/>
+      </p:nvGrpSpPr>
+      <p:grpSpPr>
+        <a:xfrm>
+          <a:off x="0" y="0"/>
+          <a:ext cx="0" cy="0"/>
+          <a:chOff x="0" y="0"/>
+          <a:chExt cx="0" cy="0"/>
+        </a:xfrm>
+      </p:grpSpPr>
+      <p:sp>
+        <p:nvSpPr>
+          <p:cNvPr id="2" name="Titel 1">
+            <a:extLst>
+              <a:ext uri="{FF2B5EF4-FFF2-40B4-BE49-F238E27FC236}">
+                <a16:creationId xmlns:a16="http://schemas.microsoft.com/office/drawing/2014/main" id="{641AC91C-2C8B-F45B-2307-635DEE20B586}"/>
+              </a:ext>
+            </a:extLst>
+          </p:cNvPr>
+          <p:cNvSpPr>
+            <a:spLocks noGrp="1"/>
+          </p:cNvSpPr>
+          <p:nvPr>
+            <p:ph type="title"/>
+          </p:nvPr>
+        </p:nvSpPr>
+        <p:spPr>
+          <a:xfrm>
+            <a:off x="597468" y="493595"/>
+            <a:ext cx="9076329" cy="1064277"/>
+          </a:xfrm>
+        </p:spPr>
+        <p:txBody>
+          <a:bodyPr/>
+          <a:lstStyle/>
+          <a:p>
+            <a:r>
+              <a:rPr lang="de-DE" dirty="0"/>
+              <a:t>Links:</a:t>
+            </a:r>
+          </a:p>
+        </p:txBody>
+      </p:sp>
+      <p:sp>
+        <p:nvSpPr>
+          <p:cNvPr id="3" name="Inhaltsplatzhalter 2">
+            <a:extLst>
+              <a:ext uri="{FF2B5EF4-FFF2-40B4-BE49-F238E27FC236}">
+                <a16:creationId xmlns:a16="http://schemas.microsoft.com/office/drawing/2014/main" id="{42769C6D-2870-08D8-2190-5AB1494C17AA}"/>
+              </a:ext>
+            </a:extLst>
+          </p:cNvPr>
+          <p:cNvSpPr>
+            <a:spLocks noGrp="1"/>
+          </p:cNvSpPr>
+          <p:nvPr>
+            <p:ph idx="1"/>
+          </p:nvPr>
+        </p:nvSpPr>
+        <p:spPr>
+          <a:xfrm>
+            <a:off x="741279" y="1999576"/>
+            <a:ext cx="10709441" cy="3979193"/>
+          </a:xfrm>
+        </p:spPr>
+        <p:txBody>
+          <a:bodyPr/>
+          <a:lstStyle/>
+          <a:p>
+            <a:r>
+              <a:rPr lang="de-DE" dirty="0"/>
+              <a:t>Bilder:</a:t>
+            </a:r>
+          </a:p>
+          <a:p>
+            <a:pPr lvl="2"/>
+            <a:r>
+              <a:rPr lang="de-DE" dirty="0">
+                <a:hlinkClick r:id="rId2"/>
+              </a:rPr>
+              <a:t>https://play.google.com/store/apps/details?id=com.github.android&amp;hl=en_US&amp;gl=US&amp;pli=1</a:t>
+            </a:r>
+            <a:r>
+              <a:rPr lang="de-DE" dirty="0"/>
+              <a:t> (GitHub Logo)</a:t>
+            </a:r>
+          </a:p>
+          <a:p>
+            <a:pPr lvl="2"/>
+            <a:r>
+              <a:rPr lang="de-DE" dirty="0">
+                <a:hlinkClick r:id="rId3"/>
+              </a:rPr>
+              <a:t>https://licendi.com/de/blog/tipps-fuer-microsoft-visual-studio/</a:t>
+            </a:r>
+            <a:r>
+              <a:rPr lang="de-DE" dirty="0"/>
+              <a:t> (VS Logo)</a:t>
+            </a:r>
+          </a:p>
+          <a:p>
+            <a:pPr lvl="2"/>
+            <a:r>
+              <a:rPr lang="de-DE" dirty="0">
+                <a:hlinkClick r:id="rId4"/>
+              </a:rPr>
+              <a:t>https://de.wikipedia.org/wiki/Unity_%28Spiel-Engine%29</a:t>
+            </a:r>
+            <a:r>
+              <a:rPr lang="de-DE" dirty="0"/>
+              <a:t> (Unity Logo)</a:t>
+            </a:r>
+          </a:p>
+          <a:p>
+            <a:pPr marL="320040" lvl="2" indent="0">
+              <a:buNone/>
+            </a:pPr>
+            <a:endParaRPr lang="de-DE" dirty="0"/>
+          </a:p>
+          <a:p>
+            <a:pPr marL="0"/>
+            <a:r>
+              <a:rPr lang="de-DE" dirty="0"/>
+              <a:t>Assets</a:t>
+            </a:r>
+          </a:p>
+          <a:p>
+            <a:pPr marL="594360" lvl="4"/>
+            <a:r>
+              <a:rPr lang="de-DE" sz="1600" dirty="0">
+                <a:hlinkClick r:id="rId5"/>
+              </a:rPr>
+              <a:t>https://assetstore.unity.com/packages/2d/characters/pixel-adventure-1-155360</a:t>
+            </a:r>
+            <a:r>
+              <a:rPr lang="de-DE" sz="1600" dirty="0"/>
+              <a:t> (Pixel Adventure 1)</a:t>
+            </a:r>
+          </a:p>
+          <a:p>
+            <a:pPr marL="594360" lvl="4"/>
+            <a:r>
+              <a:rPr lang="de-DE" sz="1600" dirty="0">
+                <a:hlinkClick r:id="rId6"/>
+              </a:rPr>
+              <a:t>https://assetstore.unity.com/packages/2d/characters/pixel-adventure-2-155418</a:t>
+            </a:r>
+            <a:r>
+              <a:rPr lang="de-DE" sz="1600" dirty="0"/>
+              <a:t> (Pixel Adventure 2)</a:t>
+            </a:r>
+          </a:p>
+          <a:p>
+            <a:pPr marL="594360" lvl="4"/>
+            <a:r>
+              <a:rPr lang="de-DE" sz="1600" dirty="0">
+                <a:hlinkClick r:id="rId7"/>
+              </a:rPr>
+              <a:t>https://assetstore.unity.com/packages/2d/environments/pixel-skies-demo-background-pack-226622</a:t>
+            </a:r>
+            <a:r>
+              <a:rPr lang="de-DE" sz="1600" dirty="0"/>
+              <a:t> (Pixel </a:t>
+            </a:r>
+            <a:r>
+              <a:rPr lang="de-DE" sz="1600" dirty="0" err="1"/>
+              <a:t>Skies</a:t>
+            </a:r>
+            <a:r>
+              <a:rPr lang="de-DE" sz="1600" dirty="0"/>
+              <a:t> Demo)</a:t>
+            </a:r>
+          </a:p>
+        </p:txBody>
+      </p:sp>
+    </p:spTree>
+    <p:extLst>
+      <p:ext uri="{BB962C8B-B14F-4D97-AF65-F5344CB8AC3E}">
+        <p14:creationId xmlns:p14="http://schemas.microsoft.com/office/powerpoint/2010/main" val="3212899767"/>
       </p:ext>
     </p:extLst>
   </p:cSld>
@@ -19053,7 +19249,7 @@
           <p:cNvPr id="2" name="Titel 1">
             <a:extLst>
               <a:ext uri="{FF2B5EF4-FFF2-40B4-BE49-F238E27FC236}">
-                <a16:creationId xmlns:a16="http://schemas.microsoft.com/office/drawing/2014/main" id="{641AC91C-2C8B-F45B-2307-635DEE20B586}"/>
+                <a16:creationId xmlns:a16="http://schemas.microsoft.com/office/drawing/2014/main" id="{68CD3BF5-DD5A-BD86-1C4A-003B996DD6E8}"/>
               </a:ext>
             </a:extLst>
           </p:cNvPr>
@@ -19064,19 +19260,15 @@
             <p:ph type="title"/>
           </p:nvPr>
         </p:nvSpPr>
-        <p:spPr>
-          <a:xfrm>
-            <a:off x="597468" y="493595"/>
-            <a:ext cx="9076329" cy="1064277"/>
-          </a:xfrm>
-        </p:spPr>
+        <p:spPr/>
         <p:txBody>
           <a:bodyPr/>
           <a:lstStyle/>
           <a:p>
+            <a:pPr algn="ctr"/>
             <a:r>
               <a:rPr lang="de-DE" dirty="0"/>
-              <a:t>Links:</a:t>
+              <a:t>Wie kann man das Spiel spielen?</a:t>
             </a:r>
           </a:p>
         </p:txBody>
@@ -19086,7 +19278,7 @@
           <p:cNvPr id="3" name="Inhaltsplatzhalter 2">
             <a:extLst>
               <a:ext uri="{FF2B5EF4-FFF2-40B4-BE49-F238E27FC236}">
-                <a16:creationId xmlns:a16="http://schemas.microsoft.com/office/drawing/2014/main" id="{42769C6D-2870-08D8-2190-5AB1494C17AA}"/>
+                <a16:creationId xmlns:a16="http://schemas.microsoft.com/office/drawing/2014/main" id="{65C15B1F-2E39-D7B6-F33E-732F7F9C1526}"/>
               </a:ext>
             </a:extLst>
           </p:cNvPr>
@@ -19099,124 +19291,50 @@
         </p:nvSpPr>
         <p:spPr>
           <a:xfrm>
-            <a:off x="741279" y="1999576"/>
-            <a:ext cx="10709441" cy="3979193"/>
+            <a:off x="973331" y="2444810"/>
+            <a:ext cx="10245338" cy="3650155"/>
           </a:xfrm>
         </p:spPr>
         <p:txBody>
-          <a:bodyPr/>
+          <a:bodyPr>
+            <a:normAutofit/>
+          </a:bodyPr>
           <a:lstStyle/>
           <a:p>
             <a:r>
-              <a:rPr lang="de-DE" dirty="0"/>
-              <a:t>Bilder:</a:t>
+              <a:rPr lang="de-DE" sz="2400" dirty="0"/>
+              <a:t>GitHub Repository: </a:t>
             </a:r>
+            <a:r>
+              <a:rPr lang="de-DE" sz="2400" dirty="0">
+                <a:hlinkClick r:id="rId2"/>
+              </a:rPr>
+              <a:t>https://github.com/TsVBamBus/Unitygame-Niklas-Paul</a:t>
+            </a:r>
+            <a:endParaRPr lang="de-DE" sz="2400" dirty="0"/>
           </a:p>
           <a:p>
-            <a:pPr lvl="2"/>
+            <a:endParaRPr lang="de-DE" sz="2400" dirty="0"/>
+          </a:p>
+          <a:p>
             <a:r>
-              <a:rPr lang="de-DE" dirty="0">
-                <a:hlinkClick r:id="rId2"/>
-              </a:rPr>
-              <a:t>https://play.google.com/store/apps/details?id=com.github.android&amp;hl=en_US&amp;gl=US&amp;pli=1</a:t>
+              <a:rPr lang="de-DE" sz="2400" dirty="0"/>
+              <a:t>Browser: </a:t>
             </a:r>
             <a:r>
-              <a:rPr lang="de-DE" dirty="0"/>
-              <a:t> (GitHub Logo)</a:t>
-            </a:r>
-          </a:p>
-          <a:p>
-            <a:pPr lvl="2"/>
-            <a:r>
-              <a:rPr lang="de-DE" dirty="0">
+              <a:rPr lang="de-DE" sz="2400" dirty="0">
                 <a:hlinkClick r:id="rId3"/>
               </a:rPr>
-              <a:t>https://licendi.com/de/blog/tipps-fuer-microsoft-visual-studio/</a:t>
+              <a:t>https://paulwegesch.github.io/IT2DOnlineGame/</a:t>
             </a:r>
-            <a:r>
-              <a:rPr lang="de-DE" dirty="0"/>
-              <a:t> (VS Logo)</a:t>
-            </a:r>
-          </a:p>
-          <a:p>
-            <a:pPr lvl="2"/>
-            <a:r>
-              <a:rPr lang="de-DE" dirty="0">
-                <a:hlinkClick r:id="rId4"/>
-              </a:rPr>
-              <a:t>https://de.wikipedia.org/wiki/Unity_%28Spiel-Engine%29</a:t>
-            </a:r>
-            <a:r>
-              <a:rPr lang="de-DE" dirty="0"/>
-              <a:t> (Unity Logo)</a:t>
-            </a:r>
-          </a:p>
-          <a:p>
-            <a:pPr marL="320040" lvl="2" indent="0">
-              <a:buNone/>
-            </a:pPr>
-            <a:endParaRPr lang="de-DE" dirty="0"/>
-          </a:p>
-          <a:p>
-            <a:pPr marL="0"/>
-            <a:r>
-              <a:rPr lang="de-DE" dirty="0"/>
-              <a:t>Assets</a:t>
-            </a:r>
-          </a:p>
-          <a:p>
-            <a:pPr marL="594360" lvl="4"/>
-            <a:r>
-              <a:rPr lang="de-DE" sz="1600" dirty="0">
-                <a:hlinkClick r:id="rId5"/>
-              </a:rPr>
-              <a:t>https://assetstore.unity.com/packages/2d/characters/pixel-adventure-1-155360</a:t>
-            </a:r>
-            <a:r>
-              <a:rPr lang="de-DE" sz="1600" dirty="0"/>
-              <a:t> (Pixel Adventure 1)</a:t>
-            </a:r>
-          </a:p>
-          <a:p>
-            <a:pPr marL="594360" lvl="4"/>
-            <a:r>
-              <a:rPr lang="de-DE" sz="1600" dirty="0">
-                <a:hlinkClick r:id="rId6"/>
-              </a:rPr>
-              <a:t>https://assetstore.unity.com/packages/2d/characters/pixel-adventure-2-155418</a:t>
-            </a:r>
-            <a:r>
-              <a:rPr lang="de-DE" sz="1600" dirty="0"/>
-              <a:t> (Pixel Adventure 2)</a:t>
-            </a:r>
-          </a:p>
-          <a:p>
-            <a:pPr marL="594360" lvl="4"/>
-            <a:r>
-              <a:rPr lang="de-DE" sz="1600" dirty="0">
-                <a:hlinkClick r:id="rId7"/>
-              </a:rPr>
-              <a:t>https://assetstore.unity.com/packages/2d/environments/pixel-skies-demo-background-pack-226622</a:t>
-            </a:r>
-            <a:r>
-              <a:rPr lang="de-DE" sz="1600" dirty="0"/>
-              <a:t> (Pixel </a:t>
-            </a:r>
-            <a:r>
-              <a:rPr lang="de-DE" sz="1600" dirty="0" err="1"/>
-              <a:t>Skies</a:t>
-            </a:r>
-            <a:r>
-              <a:rPr lang="de-DE" sz="1600" dirty="0"/>
-              <a:t> Demo)</a:t>
-            </a:r>
+            <a:endParaRPr lang="de-DE" sz="2400" dirty="0"/>
           </a:p>
         </p:txBody>
       </p:sp>
     </p:spTree>
     <p:extLst>
       <p:ext uri="{BB962C8B-B14F-4D97-AF65-F5344CB8AC3E}">
-        <p14:creationId xmlns:p14="http://schemas.microsoft.com/office/powerpoint/2010/main" val="3212899767"/>
+        <p14:creationId xmlns:p14="http://schemas.microsoft.com/office/powerpoint/2010/main" val="3254438736"/>
       </p:ext>
     </p:extLst>
   </p:cSld>
